--- a/src/test/resources/docs/AOP源码解读.pptx
+++ b/src/test/resources/docs/AOP源码解读.pptx
@@ -6,6 +6,8 @@
   </p:sldMasterIdLst>
   <p:sldIdLst>
     <p:sldId id="263" r:id="rId2"/>
+    <p:sldId id="264" r:id="rId3"/>
+    <p:sldId id="265" r:id="rId4"/>
   </p:sldIdLst>
   <p:sldSz cx="12192000" cy="6858000"/>
   <p:notesSz cx="6858000" cy="9144000"/>
@@ -3680,6 +3682,1848 @@
 </p:sld>
 </file>
 
+<file path=ppt/slides/slide2.xml><?xml version="1.0" encoding="utf-8"?>
+<p:sld xmlns:a="http://schemas.openxmlformats.org/drawingml/2006/main" xmlns:r="http://schemas.openxmlformats.org/officeDocument/2006/relationships" xmlns:p="http://schemas.openxmlformats.org/presentationml/2006/main">
+  <p:cSld>
+    <p:spTree>
+      <p:nvGrpSpPr>
+        <p:cNvPr id="1" name=""/>
+        <p:cNvGrpSpPr/>
+        <p:nvPr/>
+      </p:nvGrpSpPr>
+      <p:grpSpPr>
+        <a:xfrm>
+          <a:off x="0" y="0"/>
+          <a:ext cx="0" cy="0"/>
+          <a:chOff x="0" y="0"/>
+          <a:chExt cx="0" cy="0"/>
+        </a:xfrm>
+      </p:grpSpPr>
+      <p:sp>
+        <p:nvSpPr>
+          <p:cNvPr id="4" name="矩形 3">
+            <a:extLst>
+              <a:ext uri="{FF2B5EF4-FFF2-40B4-BE49-F238E27FC236}">
+                <a16:creationId xmlns:a16="http://schemas.microsoft.com/office/drawing/2014/main" id="{ED526A83-4CC1-4BC4-A433-8E9E075D44AC}"/>
+              </a:ext>
+            </a:extLst>
+          </p:cNvPr>
+          <p:cNvSpPr/>
+          <p:nvPr/>
+        </p:nvSpPr>
+        <p:spPr>
+          <a:xfrm>
+            <a:off x="663388" y="857108"/>
+            <a:ext cx="9448799" cy="3553527"/>
+          </a:xfrm>
+          <a:prstGeom prst="rect">
+            <a:avLst/>
+          </a:prstGeom>
+          <a:solidFill>
+            <a:schemeClr val="accent1">
+              <a:lumMod val="40000"/>
+              <a:lumOff val="60000"/>
+            </a:schemeClr>
+          </a:solidFill>
+          <a:ln>
+            <a:solidFill>
+              <a:schemeClr val="accent1">
+                <a:lumMod val="40000"/>
+                <a:lumOff val="60000"/>
+              </a:schemeClr>
+            </a:solidFill>
+          </a:ln>
+        </p:spPr>
+        <p:style>
+          <a:lnRef idx="1">
+            <a:schemeClr val="accent2"/>
+          </a:lnRef>
+          <a:fillRef idx="2">
+            <a:schemeClr val="accent2"/>
+          </a:fillRef>
+          <a:effectRef idx="1">
+            <a:schemeClr val="accent2"/>
+          </a:effectRef>
+          <a:fontRef idx="minor">
+            <a:schemeClr val="dk1"/>
+          </a:fontRef>
+        </p:style>
+        <p:txBody>
+          <a:bodyPr rtlCol="0" anchor="t" anchorCtr="0"/>
+          <a:lstStyle/>
+          <a:p>
+            <a:r>
+              <a:rPr lang="en-US" altLang="zh-CN" b="1" dirty="0">
+                <a:solidFill>
+                  <a:srgbClr val="00B050"/>
+                </a:solidFill>
+              </a:rPr>
+              <a:t>//</a:t>
+            </a:r>
+            <a:r>
+              <a:rPr lang="zh-CN" altLang="en-US" b="1" dirty="0">
+                <a:solidFill>
+                  <a:srgbClr val="00B050"/>
+                </a:solidFill>
+              </a:rPr>
+              <a:t>执行实现了</a:t>
+            </a:r>
+            <a:r>
+              <a:rPr lang="en-US" altLang="zh-CN" b="1" dirty="0" err="1">
+                <a:solidFill>
+                  <a:srgbClr val="00B050"/>
+                </a:solidFill>
+              </a:rPr>
+              <a:t>BeanNameAware</a:t>
+            </a:r>
+            <a:r>
+              <a:rPr lang="zh-CN" altLang="en-US" b="1" dirty="0">
+                <a:solidFill>
+                  <a:srgbClr val="00B050"/>
+                </a:solidFill>
+              </a:rPr>
+              <a:t>、</a:t>
+            </a:r>
+            <a:r>
+              <a:rPr lang="en-US" altLang="zh-CN" b="1" dirty="0" err="1">
+                <a:solidFill>
+                  <a:srgbClr val="00B050"/>
+                </a:solidFill>
+              </a:rPr>
+              <a:t>BeanClassLoaderAware</a:t>
+            </a:r>
+            <a:r>
+              <a:rPr lang="zh-CN" altLang="en-US" b="1" dirty="0">
+                <a:solidFill>
+                  <a:srgbClr val="00B050"/>
+                </a:solidFill>
+              </a:rPr>
+              <a:t>和</a:t>
+            </a:r>
+            <a:r>
+              <a:rPr lang="en-US" altLang="zh-CN" b="1" dirty="0" err="1">
+                <a:solidFill>
+                  <a:srgbClr val="00B050"/>
+                </a:solidFill>
+              </a:rPr>
+              <a:t>BeanFactoryAware</a:t>
+            </a:r>
+            <a:r>
+              <a:rPr lang="zh-CN" altLang="en-US" b="1" dirty="0">
+                <a:solidFill>
+                  <a:srgbClr val="00B050"/>
+                </a:solidFill>
+              </a:rPr>
+              <a:t>接口对应的方法</a:t>
+            </a:r>
+            <a:endParaRPr lang="en-US" altLang="zh-CN" b="1" dirty="0">
+              <a:solidFill>
+                <a:srgbClr val="00B050"/>
+              </a:solidFill>
+            </a:endParaRPr>
+          </a:p>
+          <a:p>
+            <a:r>
+              <a:rPr lang="en-US" altLang="zh-CN" dirty="0" err="1"/>
+              <a:t>invokeAwareMethods</a:t>
+            </a:r>
+            <a:r>
+              <a:rPr lang="en-US" altLang="zh-CN" dirty="0"/>
+              <a:t>(</a:t>
+            </a:r>
+            <a:r>
+              <a:rPr lang="en-US" altLang="zh-CN" dirty="0" err="1"/>
+              <a:t>beanName</a:t>
+            </a:r>
+            <a:r>
+              <a:rPr lang="en-US" altLang="zh-CN" dirty="0"/>
+              <a:t>, bean);</a:t>
+            </a:r>
+          </a:p>
+          <a:p>
+            <a:endParaRPr lang="en-US" altLang="zh-CN" dirty="0"/>
+          </a:p>
+          <a:p>
+            <a:endParaRPr lang="en-US" altLang="zh-CN" dirty="0"/>
+          </a:p>
+          <a:p>
+            <a:r>
+              <a:rPr lang="en-US" altLang="zh-CN" b="1" dirty="0">
+                <a:solidFill>
+                  <a:srgbClr val="00B050"/>
+                </a:solidFill>
+              </a:rPr>
+              <a:t>//</a:t>
+            </a:r>
+            <a:r>
+              <a:rPr lang="zh-CN" altLang="en-US" b="1" dirty="0">
+                <a:solidFill>
+                  <a:srgbClr val="00B050"/>
+                </a:solidFill>
+              </a:rPr>
+              <a:t>前置处理器</a:t>
+            </a:r>
+            <a:endParaRPr lang="en-US" altLang="zh-CN" b="1" dirty="0">
+              <a:solidFill>
+                <a:srgbClr val="00B050"/>
+              </a:solidFill>
+            </a:endParaRPr>
+          </a:p>
+          <a:p>
+            <a:r>
+              <a:rPr lang="en-US" altLang="zh-CN" dirty="0" err="1"/>
+              <a:t>wrappedBean</a:t>
+            </a:r>
+            <a:r>
+              <a:rPr lang="en-US" altLang="zh-CN" dirty="0"/>
+              <a:t> = </a:t>
+            </a:r>
+            <a:r>
+              <a:rPr lang="en-US" altLang="zh-CN" dirty="0" err="1"/>
+              <a:t>applyBeanPostProcessorsBeforeInitialization</a:t>
+            </a:r>
+            <a:r>
+              <a:rPr lang="en-US" altLang="zh-CN" dirty="0"/>
+              <a:t>(</a:t>
+            </a:r>
+            <a:r>
+              <a:rPr lang="en-US" altLang="zh-CN" dirty="0" err="1"/>
+              <a:t>wrappedBean</a:t>
+            </a:r>
+            <a:r>
+              <a:rPr lang="en-US" altLang="zh-CN" dirty="0"/>
+              <a:t>, </a:t>
+            </a:r>
+            <a:r>
+              <a:rPr lang="en-US" altLang="zh-CN" dirty="0" err="1"/>
+              <a:t>beanName</a:t>
+            </a:r>
+            <a:r>
+              <a:rPr lang="en-US" altLang="zh-CN" dirty="0"/>
+              <a:t>);</a:t>
+            </a:r>
+          </a:p>
+          <a:p>
+            <a:endParaRPr lang="en-US" altLang="zh-CN" dirty="0"/>
+          </a:p>
+          <a:p>
+            <a:r>
+              <a:rPr lang="en-US" altLang="zh-CN" b="1" dirty="0">
+                <a:solidFill>
+                  <a:srgbClr val="00B050"/>
+                </a:solidFill>
+              </a:rPr>
+              <a:t>//bean</a:t>
+            </a:r>
+            <a:r>
+              <a:rPr lang="zh-CN" altLang="en-US" b="1" dirty="0">
+                <a:solidFill>
+                  <a:srgbClr val="00B050"/>
+                </a:solidFill>
+              </a:rPr>
+              <a:t>的初识化</a:t>
+            </a:r>
+            <a:r>
+              <a:rPr lang="en-US" altLang="zh-CN" b="1" dirty="0">
+                <a:solidFill>
+                  <a:srgbClr val="00B050"/>
+                </a:solidFill>
+              </a:rPr>
+              <a:t>-&gt;</a:t>
+            </a:r>
+            <a:r>
+              <a:rPr lang="zh-CN" altLang="en-US" b="1" dirty="0">
+                <a:solidFill>
+                  <a:srgbClr val="00B050"/>
+                </a:solidFill>
+              </a:rPr>
+              <a:t>执行</a:t>
+            </a:r>
+            <a:r>
+              <a:rPr lang="en-US" altLang="zh-CN" b="1" dirty="0" err="1">
+                <a:solidFill>
+                  <a:srgbClr val="00B050"/>
+                </a:solidFill>
+              </a:rPr>
+              <a:t>InitializingBean</a:t>
+            </a:r>
+            <a:r>
+              <a:rPr lang="zh-CN" altLang="en-US" b="1" dirty="0">
+                <a:solidFill>
+                  <a:srgbClr val="00B050"/>
+                </a:solidFill>
+              </a:rPr>
+              <a:t>、</a:t>
+            </a:r>
+            <a:r>
+              <a:rPr lang="en-US" altLang="zh-CN" b="1" dirty="0" err="1">
+                <a:solidFill>
+                  <a:srgbClr val="00B050"/>
+                </a:solidFill>
+              </a:rPr>
+              <a:t>initMethod</a:t>
+            </a:r>
+            <a:r>
+              <a:rPr lang="zh-CN" altLang="en-US" b="1" dirty="0">
+                <a:solidFill>
+                  <a:srgbClr val="00B050"/>
+                </a:solidFill>
+              </a:rPr>
+              <a:t>或</a:t>
+            </a:r>
+            <a:r>
+              <a:rPr lang="en-US" altLang="zh-CN" b="1" dirty="0">
+                <a:solidFill>
+                  <a:srgbClr val="00B050"/>
+                </a:solidFill>
+              </a:rPr>
+              <a:t>@</a:t>
+            </a:r>
+            <a:r>
+              <a:rPr lang="en-US" altLang="zh-CN" b="1" dirty="0" err="1">
+                <a:solidFill>
+                  <a:srgbClr val="00B050"/>
+                </a:solidFill>
+              </a:rPr>
+              <a:t>PostConstruct</a:t>
+            </a:r>
+            <a:r>
+              <a:rPr lang="zh-CN" altLang="en-US" b="1" dirty="0">
+                <a:solidFill>
+                  <a:srgbClr val="00B050"/>
+                </a:solidFill>
+              </a:rPr>
+              <a:t>对应的方法</a:t>
+            </a:r>
+            <a:endParaRPr lang="en-US" altLang="zh-CN" b="1" dirty="0">
+              <a:solidFill>
+                <a:srgbClr val="00B050"/>
+              </a:solidFill>
+            </a:endParaRPr>
+          </a:p>
+          <a:p>
+            <a:r>
+              <a:rPr lang="en-US" altLang="zh-CN" dirty="0" err="1"/>
+              <a:t>invokeInitMethods</a:t>
+            </a:r>
+            <a:r>
+              <a:rPr lang="en-US" altLang="zh-CN" dirty="0"/>
+              <a:t>(</a:t>
+            </a:r>
+            <a:r>
+              <a:rPr lang="en-US" altLang="zh-CN" dirty="0" err="1"/>
+              <a:t>beanName</a:t>
+            </a:r>
+            <a:r>
+              <a:rPr lang="en-US" altLang="zh-CN" dirty="0"/>
+              <a:t>, </a:t>
+            </a:r>
+            <a:r>
+              <a:rPr lang="en-US" altLang="zh-CN" dirty="0" err="1"/>
+              <a:t>wrappedBean</a:t>
+            </a:r>
+            <a:r>
+              <a:rPr lang="en-US" altLang="zh-CN" dirty="0"/>
+              <a:t>, </a:t>
+            </a:r>
+            <a:r>
+              <a:rPr lang="en-US" altLang="zh-CN" dirty="0" err="1"/>
+              <a:t>mbd</a:t>
+            </a:r>
+            <a:r>
+              <a:rPr lang="en-US" altLang="zh-CN" dirty="0"/>
+              <a:t>);</a:t>
+            </a:r>
+          </a:p>
+          <a:p>
+            <a:endParaRPr lang="en-US" altLang="zh-CN" dirty="0"/>
+          </a:p>
+          <a:p>
+            <a:r>
+              <a:rPr lang="en-US" altLang="zh-CN" b="1" dirty="0">
+                <a:solidFill>
+                  <a:srgbClr val="00B050"/>
+                </a:solidFill>
+              </a:rPr>
+              <a:t>//</a:t>
+            </a:r>
+            <a:r>
+              <a:rPr lang="zh-CN" altLang="en-US" b="1" dirty="0">
+                <a:solidFill>
+                  <a:srgbClr val="00B050"/>
+                </a:solidFill>
+              </a:rPr>
+              <a:t>后置处理器</a:t>
+            </a:r>
+            <a:endParaRPr lang="en-US" altLang="zh-CN" b="1" dirty="0">
+              <a:solidFill>
+                <a:srgbClr val="00B050"/>
+              </a:solidFill>
+            </a:endParaRPr>
+          </a:p>
+          <a:p>
+            <a:r>
+              <a:rPr lang="en-US" altLang="zh-CN" dirty="0" err="1"/>
+              <a:t>wrappedBean</a:t>
+            </a:r>
+            <a:r>
+              <a:rPr lang="en-US" altLang="zh-CN" dirty="0"/>
+              <a:t> = </a:t>
+            </a:r>
+            <a:r>
+              <a:rPr lang="en-US" altLang="zh-CN" dirty="0" err="1"/>
+              <a:t>applyBeanPostProcessorsAfterInitialization</a:t>
+            </a:r>
+            <a:r>
+              <a:rPr lang="en-US" altLang="zh-CN" dirty="0"/>
+              <a:t>(</a:t>
+            </a:r>
+            <a:r>
+              <a:rPr lang="en-US" altLang="zh-CN" dirty="0" err="1"/>
+              <a:t>wrappedBean</a:t>
+            </a:r>
+            <a:r>
+              <a:rPr lang="en-US" altLang="zh-CN" dirty="0"/>
+              <a:t>, </a:t>
+            </a:r>
+            <a:r>
+              <a:rPr lang="en-US" altLang="zh-CN" dirty="0" err="1"/>
+              <a:t>beanName</a:t>
+            </a:r>
+            <a:r>
+              <a:rPr lang="en-US" altLang="zh-CN" dirty="0"/>
+              <a:t>);</a:t>
+            </a:r>
+          </a:p>
+          <a:p>
+            <a:r>
+              <a:rPr lang="en-US" altLang="zh-CN" dirty="0"/>
+              <a:t> </a:t>
+            </a:r>
+          </a:p>
+          <a:p>
+            <a:r>
+              <a:rPr lang="zh-CN" altLang="en-US" dirty="0"/>
+              <a:t>                                                     </a:t>
+            </a:r>
+            <a:endParaRPr lang="en-US" altLang="zh-CN" dirty="0"/>
+          </a:p>
+          <a:p>
+            <a:r>
+              <a:rPr lang="en-US" altLang="zh-CN" dirty="0"/>
+              <a:t>                                                        </a:t>
+            </a:r>
+          </a:p>
+        </p:txBody>
+      </p:sp>
+      <p:sp>
+        <p:nvSpPr>
+          <p:cNvPr id="7" name="文本框 6">
+            <a:extLst>
+              <a:ext uri="{FF2B5EF4-FFF2-40B4-BE49-F238E27FC236}">
+                <a16:creationId xmlns:a16="http://schemas.microsoft.com/office/drawing/2014/main" id="{6921E383-6FC9-4542-819A-032FCB4113C8}"/>
+              </a:ext>
+            </a:extLst>
+          </p:cNvPr>
+          <p:cNvSpPr txBox="1"/>
+          <p:nvPr/>
+        </p:nvSpPr>
+        <p:spPr>
+          <a:xfrm>
+            <a:off x="663388" y="487776"/>
+            <a:ext cx="6595588" cy="369332"/>
+          </a:xfrm>
+          <a:prstGeom prst="rect">
+            <a:avLst/>
+          </a:prstGeom>
+          <a:noFill/>
+        </p:spPr>
+        <p:txBody>
+          <a:bodyPr wrap="none" rtlCol="0">
+            <a:spAutoFit/>
+          </a:bodyPr>
+          <a:lstStyle/>
+          <a:p>
+            <a:r>
+              <a:rPr lang="en-US" altLang="zh-CN" dirty="0" err="1"/>
+              <a:t>initializeBean</a:t>
+            </a:r>
+            <a:r>
+              <a:rPr lang="zh-CN" altLang="en-US" dirty="0"/>
+              <a:t>方法</a:t>
+            </a:r>
+            <a:r>
+              <a:rPr lang="en-US" altLang="zh-CN" dirty="0"/>
+              <a:t>(</a:t>
+            </a:r>
+            <a:r>
+              <a:rPr lang="zh-CN" altLang="en-US" dirty="0"/>
+              <a:t>所在类：</a:t>
+            </a:r>
+            <a:r>
+              <a:rPr lang="en-US" altLang="zh-CN" b="1" dirty="0" err="1">
+                <a:solidFill>
+                  <a:srgbClr val="FF0000"/>
+                </a:solidFill>
+              </a:rPr>
+              <a:t>AbstractAutowireCapableBeanFactory</a:t>
+            </a:r>
+            <a:r>
+              <a:rPr lang="en-US" altLang="zh-CN" dirty="0"/>
+              <a:t>)</a:t>
+            </a:r>
+            <a:endParaRPr lang="zh-CN" altLang="en-US" dirty="0"/>
+          </a:p>
+        </p:txBody>
+      </p:sp>
+      <p:sp>
+        <p:nvSpPr>
+          <p:cNvPr id="10" name="文本框 9">
+            <a:extLst>
+              <a:ext uri="{FF2B5EF4-FFF2-40B4-BE49-F238E27FC236}">
+                <a16:creationId xmlns:a16="http://schemas.microsoft.com/office/drawing/2014/main" id="{6F2F917F-29C8-47E0-97CA-F915AEE4F735}"/>
+              </a:ext>
+            </a:extLst>
+          </p:cNvPr>
+          <p:cNvSpPr txBox="1"/>
+          <p:nvPr/>
+        </p:nvSpPr>
+        <p:spPr>
+          <a:xfrm>
+            <a:off x="3679114" y="4595301"/>
+            <a:ext cx="3024751" cy="369332"/>
+          </a:xfrm>
+          <a:prstGeom prst="rect">
+            <a:avLst/>
+          </a:prstGeom>
+          <a:noFill/>
+        </p:spPr>
+        <p:txBody>
+          <a:bodyPr wrap="square" rtlCol="0">
+            <a:spAutoFit/>
+          </a:bodyPr>
+          <a:lstStyle/>
+          <a:p>
+            <a:r>
+              <a:rPr lang="zh-CN" altLang="en-US" dirty="0"/>
+              <a:t>普通业务</a:t>
+            </a:r>
+            <a:r>
+              <a:rPr lang="en-US" altLang="zh-CN" dirty="0"/>
+              <a:t>bean</a:t>
+            </a:r>
+            <a:r>
+              <a:rPr lang="zh-CN" altLang="en-US" dirty="0"/>
+              <a:t>的初始化方法</a:t>
+            </a:r>
+          </a:p>
+        </p:txBody>
+      </p:sp>
+    </p:spTree>
+    <p:extLst>
+      <p:ext uri="{BB962C8B-B14F-4D97-AF65-F5344CB8AC3E}">
+        <p14:creationId xmlns:p14="http://schemas.microsoft.com/office/powerpoint/2010/main" val="615795220"/>
+      </p:ext>
+    </p:extLst>
+  </p:cSld>
+  <p:clrMapOvr>
+    <a:masterClrMapping/>
+  </p:clrMapOvr>
+</p:sld>
+</file>
+
+<file path=ppt/slides/slide3.xml><?xml version="1.0" encoding="utf-8"?>
+<p:sld xmlns:a="http://schemas.openxmlformats.org/drawingml/2006/main" xmlns:r="http://schemas.openxmlformats.org/officeDocument/2006/relationships" xmlns:p="http://schemas.openxmlformats.org/presentationml/2006/main">
+  <p:cSld>
+    <p:spTree>
+      <p:nvGrpSpPr>
+        <p:cNvPr id="1" name=""/>
+        <p:cNvGrpSpPr/>
+        <p:nvPr/>
+      </p:nvGrpSpPr>
+      <p:grpSpPr>
+        <a:xfrm>
+          <a:off x="0" y="0"/>
+          <a:ext cx="0" cy="0"/>
+          <a:chOff x="0" y="0"/>
+          <a:chExt cx="0" cy="0"/>
+        </a:xfrm>
+      </p:grpSpPr>
+      <p:sp>
+        <p:nvSpPr>
+          <p:cNvPr id="4" name="矩形 3">
+            <a:extLst>
+              <a:ext uri="{FF2B5EF4-FFF2-40B4-BE49-F238E27FC236}">
+                <a16:creationId xmlns:a16="http://schemas.microsoft.com/office/drawing/2014/main" id="{E5A8D80B-E906-4608-8E04-64EF6FB87FE5}"/>
+              </a:ext>
+            </a:extLst>
+          </p:cNvPr>
+          <p:cNvSpPr/>
+          <p:nvPr/>
+        </p:nvSpPr>
+        <p:spPr>
+          <a:xfrm>
+            <a:off x="663388" y="1265899"/>
+            <a:ext cx="5758927" cy="745781"/>
+          </a:xfrm>
+          <a:prstGeom prst="rect">
+            <a:avLst/>
+          </a:prstGeom>
+          <a:solidFill>
+            <a:schemeClr val="accent1">
+              <a:lumMod val="40000"/>
+              <a:lumOff val="60000"/>
+            </a:schemeClr>
+          </a:solidFill>
+          <a:ln>
+            <a:solidFill>
+              <a:schemeClr val="accent1">
+                <a:lumMod val="40000"/>
+                <a:lumOff val="60000"/>
+              </a:schemeClr>
+            </a:solidFill>
+          </a:ln>
+        </p:spPr>
+        <p:style>
+          <a:lnRef idx="1">
+            <a:schemeClr val="accent2"/>
+          </a:lnRef>
+          <a:fillRef idx="2">
+            <a:schemeClr val="accent2"/>
+          </a:fillRef>
+          <a:effectRef idx="1">
+            <a:schemeClr val="accent2"/>
+          </a:effectRef>
+          <a:fontRef idx="minor">
+            <a:schemeClr val="dk1"/>
+          </a:fontRef>
+        </p:style>
+        <p:txBody>
+          <a:bodyPr rtlCol="0" anchor="t" anchorCtr="0"/>
+          <a:lstStyle/>
+          <a:p>
+            <a:r>
+              <a:rPr lang="zh-CN" altLang="en-US" dirty="0"/>
+              <a:t>调用</a:t>
+            </a:r>
+            <a:r>
+              <a:rPr lang="en-US" altLang="zh-CN" dirty="0" err="1"/>
+              <a:t>wrapIfNecessary</a:t>
+            </a:r>
+            <a:r>
+              <a:rPr lang="en-US" altLang="zh-CN" dirty="0"/>
+              <a:t>()</a:t>
+            </a:r>
+            <a:r>
+              <a:rPr lang="zh-CN" altLang="en-US" dirty="0"/>
+              <a:t>方法对当前对象进行增强</a:t>
+            </a:r>
+            <a:endParaRPr lang="en-US" altLang="zh-CN" dirty="0"/>
+          </a:p>
+        </p:txBody>
+      </p:sp>
+      <p:sp>
+        <p:nvSpPr>
+          <p:cNvPr id="5" name="文本框 4">
+            <a:extLst>
+              <a:ext uri="{FF2B5EF4-FFF2-40B4-BE49-F238E27FC236}">
+                <a16:creationId xmlns:a16="http://schemas.microsoft.com/office/drawing/2014/main" id="{969CE084-6001-476E-887B-F51A71654890}"/>
+              </a:ext>
+            </a:extLst>
+          </p:cNvPr>
+          <p:cNvSpPr txBox="1"/>
+          <p:nvPr/>
+        </p:nvSpPr>
+        <p:spPr>
+          <a:xfrm>
+            <a:off x="578898" y="857108"/>
+            <a:ext cx="5927905" cy="369332"/>
+          </a:xfrm>
+          <a:prstGeom prst="rect">
+            <a:avLst/>
+          </a:prstGeom>
+          <a:noFill/>
+        </p:spPr>
+        <p:txBody>
+          <a:bodyPr wrap="none" rtlCol="0">
+            <a:spAutoFit/>
+          </a:bodyPr>
+          <a:lstStyle/>
+          <a:p>
+            <a:r>
+              <a:rPr lang="en-US" altLang="zh-CN" dirty="0"/>
+              <a:t>Spring-</a:t>
+            </a:r>
+            <a:r>
+              <a:rPr lang="en-US" altLang="zh-CN" dirty="0" err="1"/>
+              <a:t>aop</a:t>
+            </a:r>
+            <a:r>
+              <a:rPr lang="zh-CN" altLang="en-US" dirty="0"/>
+              <a:t>后置处理器的</a:t>
+            </a:r>
+            <a:r>
+              <a:rPr lang="en-US" altLang="zh-CN" dirty="0" err="1"/>
+              <a:t>postProcessAfterInitialization</a:t>
+            </a:r>
+            <a:r>
+              <a:rPr lang="en-US" altLang="zh-CN" dirty="0"/>
+              <a:t>()</a:t>
+            </a:r>
+            <a:r>
+              <a:rPr lang="zh-CN" altLang="en-US" dirty="0"/>
+              <a:t>方法</a:t>
+            </a:r>
+            <a:endParaRPr lang="en-US" altLang="zh-CN" dirty="0"/>
+          </a:p>
+        </p:txBody>
+      </p:sp>
+      <p:sp>
+        <p:nvSpPr>
+          <p:cNvPr id="6" name="矩形 5">
+            <a:extLst>
+              <a:ext uri="{FF2B5EF4-FFF2-40B4-BE49-F238E27FC236}">
+                <a16:creationId xmlns:a16="http://schemas.microsoft.com/office/drawing/2014/main" id="{ED9E4378-3B93-4FEF-AD31-2B1CDD075911}"/>
+              </a:ext>
+            </a:extLst>
+          </p:cNvPr>
+          <p:cNvSpPr/>
+          <p:nvPr/>
+        </p:nvSpPr>
+        <p:spPr>
+          <a:xfrm>
+            <a:off x="3031385" y="2074370"/>
+            <a:ext cx="3390928" cy="369332"/>
+          </a:xfrm>
+          <a:prstGeom prst="rect">
+            <a:avLst/>
+          </a:prstGeom>
+        </p:spPr>
+        <p:txBody>
+          <a:bodyPr wrap="none">
+            <a:spAutoFit/>
+          </a:bodyPr>
+          <a:lstStyle/>
+          <a:p>
+            <a:r>
+              <a:rPr lang="zh-CN" altLang="en-US" b="1" dirty="0">
+                <a:solidFill>
+                  <a:srgbClr val="FF0000"/>
+                </a:solidFill>
+              </a:rPr>
+              <a:t>所在类</a:t>
+            </a:r>
+            <a:r>
+              <a:rPr lang="en-US" altLang="zh-CN" b="1" dirty="0" err="1">
+                <a:solidFill>
+                  <a:srgbClr val="FF0000"/>
+                </a:solidFill>
+              </a:rPr>
+              <a:t>AbstractAutoProxyCreator</a:t>
+            </a:r>
+            <a:endParaRPr lang="en-US" altLang="zh-CN" b="1" dirty="0">
+              <a:solidFill>
+                <a:srgbClr val="FF0000"/>
+              </a:solidFill>
+            </a:endParaRPr>
+          </a:p>
+        </p:txBody>
+      </p:sp>
+      <p:sp>
+        <p:nvSpPr>
+          <p:cNvPr id="7" name="矩形 6">
+            <a:extLst>
+              <a:ext uri="{FF2B5EF4-FFF2-40B4-BE49-F238E27FC236}">
+                <a16:creationId xmlns:a16="http://schemas.microsoft.com/office/drawing/2014/main" id="{DBA3A868-5669-4C77-B86B-2350E8135A29}"/>
+              </a:ext>
+            </a:extLst>
+          </p:cNvPr>
+          <p:cNvSpPr/>
+          <p:nvPr/>
+        </p:nvSpPr>
+        <p:spPr>
+          <a:xfrm>
+            <a:off x="663386" y="3149276"/>
+            <a:ext cx="5758927" cy="2442825"/>
+          </a:xfrm>
+          <a:prstGeom prst="rect">
+            <a:avLst/>
+          </a:prstGeom>
+          <a:solidFill>
+            <a:schemeClr val="accent1">
+              <a:lumMod val="40000"/>
+              <a:lumOff val="60000"/>
+            </a:schemeClr>
+          </a:solidFill>
+          <a:ln>
+            <a:solidFill>
+              <a:schemeClr val="accent1">
+                <a:lumMod val="40000"/>
+                <a:lumOff val="60000"/>
+              </a:schemeClr>
+            </a:solidFill>
+          </a:ln>
+        </p:spPr>
+        <p:style>
+          <a:lnRef idx="1">
+            <a:schemeClr val="accent2"/>
+          </a:lnRef>
+          <a:fillRef idx="2">
+            <a:schemeClr val="accent2"/>
+          </a:fillRef>
+          <a:effectRef idx="1">
+            <a:schemeClr val="accent2"/>
+          </a:effectRef>
+          <a:fontRef idx="minor">
+            <a:schemeClr val="dk1"/>
+          </a:fontRef>
+        </p:style>
+        <p:txBody>
+          <a:bodyPr rtlCol="0" anchor="t" anchorCtr="0"/>
+          <a:lstStyle/>
+          <a:p>
+            <a:endParaRPr lang="en-US" altLang="zh-CN" dirty="0"/>
+          </a:p>
+        </p:txBody>
+      </p:sp>
+      <p:cxnSp>
+        <p:nvCxnSpPr>
+          <p:cNvPr id="9" name="直接箭头连接符 8">
+            <a:extLst>
+              <a:ext uri="{FF2B5EF4-FFF2-40B4-BE49-F238E27FC236}">
+                <a16:creationId xmlns:a16="http://schemas.microsoft.com/office/drawing/2014/main" id="{1B6CD4B8-926E-43CE-B9B5-44E69E4085DB}"/>
+              </a:ext>
+            </a:extLst>
+          </p:cNvPr>
+          <p:cNvCxnSpPr>
+            <a:cxnSpLocks/>
+            <a:stCxn id="4" idx="2"/>
+            <a:endCxn id="7" idx="0"/>
+          </p:cNvCxnSpPr>
+          <p:nvPr/>
+        </p:nvCxnSpPr>
+        <p:spPr>
+          <a:xfrm flipH="1">
+            <a:off x="3542850" y="2011680"/>
+            <a:ext cx="2" cy="1137596"/>
+          </a:xfrm>
+          <a:prstGeom prst="straightConnector1">
+            <a:avLst/>
+          </a:prstGeom>
+          <a:ln>
+            <a:tailEnd type="triangle"/>
+          </a:ln>
+        </p:spPr>
+        <p:style>
+          <a:lnRef idx="1">
+            <a:schemeClr val="accent1"/>
+          </a:lnRef>
+          <a:fillRef idx="0">
+            <a:schemeClr val="accent1"/>
+          </a:fillRef>
+          <a:effectRef idx="0">
+            <a:schemeClr val="accent1"/>
+          </a:effectRef>
+          <a:fontRef idx="minor">
+            <a:schemeClr val="tx1"/>
+          </a:fontRef>
+        </p:style>
+      </p:cxnSp>
+      <p:sp>
+        <p:nvSpPr>
+          <p:cNvPr id="13" name="矩形 12">
+            <a:extLst>
+              <a:ext uri="{FF2B5EF4-FFF2-40B4-BE49-F238E27FC236}">
+                <a16:creationId xmlns:a16="http://schemas.microsoft.com/office/drawing/2014/main" id="{666E4585-8593-451D-8559-426E45F91C67}"/>
+              </a:ext>
+            </a:extLst>
+          </p:cNvPr>
+          <p:cNvSpPr/>
+          <p:nvPr/>
+        </p:nvSpPr>
+        <p:spPr>
+          <a:xfrm>
+            <a:off x="663386" y="2695640"/>
+            <a:ext cx="2341923" cy="369332"/>
+          </a:xfrm>
+          <a:prstGeom prst="rect">
+            <a:avLst/>
+          </a:prstGeom>
+        </p:spPr>
+        <p:txBody>
+          <a:bodyPr wrap="none">
+            <a:spAutoFit/>
+          </a:bodyPr>
+          <a:lstStyle/>
+          <a:p>
+            <a:r>
+              <a:rPr lang="en-US" altLang="zh-CN" dirty="0" err="1"/>
+              <a:t>wrapIfNecessary</a:t>
+            </a:r>
+            <a:r>
+              <a:rPr lang="en-US" altLang="zh-CN" dirty="0"/>
+              <a:t>()</a:t>
+            </a:r>
+            <a:r>
+              <a:rPr lang="zh-CN" altLang="en-US" dirty="0"/>
+              <a:t>方法</a:t>
+            </a:r>
+          </a:p>
+        </p:txBody>
+      </p:sp>
+      <p:sp>
+        <p:nvSpPr>
+          <p:cNvPr id="19" name="矩形 18">
+            <a:extLst>
+              <a:ext uri="{FF2B5EF4-FFF2-40B4-BE49-F238E27FC236}">
+                <a16:creationId xmlns:a16="http://schemas.microsoft.com/office/drawing/2014/main" id="{52996112-D0F9-4A2B-A05E-58FDFCD71633}"/>
+              </a:ext>
+            </a:extLst>
+          </p:cNvPr>
+          <p:cNvSpPr/>
+          <p:nvPr/>
+        </p:nvSpPr>
+        <p:spPr>
+          <a:xfrm>
+            <a:off x="916544" y="3396576"/>
+            <a:ext cx="5031486" cy="877368"/>
+          </a:xfrm>
+          <a:prstGeom prst="rect">
+            <a:avLst/>
+          </a:prstGeom>
+        </p:spPr>
+        <p:style>
+          <a:lnRef idx="1">
+            <a:schemeClr val="accent2"/>
+          </a:lnRef>
+          <a:fillRef idx="2">
+            <a:schemeClr val="accent2"/>
+          </a:fillRef>
+          <a:effectRef idx="1">
+            <a:schemeClr val="accent2"/>
+          </a:effectRef>
+          <a:fontRef idx="minor">
+            <a:schemeClr val="dk1"/>
+          </a:fontRef>
+        </p:style>
+        <p:txBody>
+          <a:bodyPr rtlCol="0" anchor="ctr"/>
+          <a:lstStyle/>
+          <a:p>
+            <a:r>
+              <a:rPr lang="en-US" altLang="zh-CN" b="1" dirty="0">
+                <a:solidFill>
+                  <a:srgbClr val="00B050"/>
+                </a:solidFill>
+              </a:rPr>
+              <a:t>//</a:t>
+            </a:r>
+            <a:r>
+              <a:rPr lang="zh-CN" altLang="en-US" b="1" dirty="0">
+                <a:solidFill>
+                  <a:srgbClr val="00B050"/>
+                </a:solidFill>
+              </a:rPr>
+              <a:t>获取当前</a:t>
+            </a:r>
+            <a:r>
+              <a:rPr lang="en-US" altLang="zh-CN" b="1" dirty="0">
+                <a:solidFill>
+                  <a:srgbClr val="00B050"/>
+                </a:solidFill>
+              </a:rPr>
+              <a:t>bean</a:t>
+            </a:r>
+            <a:r>
+              <a:rPr lang="zh-CN" altLang="en-US" b="1" dirty="0">
+                <a:solidFill>
+                  <a:srgbClr val="00B050"/>
+                </a:solidFill>
+              </a:rPr>
+              <a:t>对应的通知</a:t>
+            </a:r>
+          </a:p>
+          <a:p>
+            <a:r>
+              <a:rPr lang="en-US" altLang="zh-CN" dirty="0" err="1"/>
+              <a:t>getAdvicesAndAdvisorsForBean</a:t>
+            </a:r>
+            <a:r>
+              <a:rPr lang="en-US" altLang="zh-CN" dirty="0"/>
+              <a:t>()</a:t>
+            </a:r>
+          </a:p>
+        </p:txBody>
+      </p:sp>
+      <p:sp>
+        <p:nvSpPr>
+          <p:cNvPr id="21" name="矩形 20">
+            <a:extLst>
+              <a:ext uri="{FF2B5EF4-FFF2-40B4-BE49-F238E27FC236}">
+                <a16:creationId xmlns:a16="http://schemas.microsoft.com/office/drawing/2014/main" id="{0C44554F-1107-4919-90AA-220791FCEA43}"/>
+              </a:ext>
+            </a:extLst>
+          </p:cNvPr>
+          <p:cNvSpPr/>
+          <p:nvPr/>
+        </p:nvSpPr>
+        <p:spPr>
+          <a:xfrm>
+            <a:off x="916544" y="4460276"/>
+            <a:ext cx="5031496" cy="951264"/>
+          </a:xfrm>
+          <a:prstGeom prst="rect">
+            <a:avLst/>
+          </a:prstGeom>
+        </p:spPr>
+        <p:style>
+          <a:lnRef idx="1">
+            <a:schemeClr val="accent2"/>
+          </a:lnRef>
+          <a:fillRef idx="2">
+            <a:schemeClr val="accent2"/>
+          </a:fillRef>
+          <a:effectRef idx="1">
+            <a:schemeClr val="accent2"/>
+          </a:effectRef>
+          <a:fontRef idx="minor">
+            <a:schemeClr val="dk1"/>
+          </a:fontRef>
+        </p:style>
+        <p:txBody>
+          <a:bodyPr rtlCol="0" anchor="ctr"/>
+          <a:lstStyle/>
+          <a:p>
+            <a:r>
+              <a:rPr lang="en-US" altLang="zh-CN" b="1" dirty="0">
+                <a:solidFill>
+                  <a:srgbClr val="00B050"/>
+                </a:solidFill>
+              </a:rPr>
+              <a:t>//</a:t>
+            </a:r>
+            <a:r>
+              <a:rPr lang="zh-CN" altLang="en-US" b="1" dirty="0">
+                <a:solidFill>
+                  <a:srgbClr val="00B050"/>
+                </a:solidFill>
+              </a:rPr>
+              <a:t>拿着获取到的通知和当前</a:t>
+            </a:r>
+            <a:r>
+              <a:rPr lang="en-US" altLang="zh-CN" b="1" dirty="0">
+                <a:solidFill>
+                  <a:srgbClr val="00B050"/>
+                </a:solidFill>
+              </a:rPr>
+              <a:t>bean</a:t>
+            </a:r>
+            <a:r>
+              <a:rPr lang="zh-CN" altLang="en-US" b="1" dirty="0">
+                <a:solidFill>
+                  <a:srgbClr val="00B050"/>
+                </a:solidFill>
+              </a:rPr>
+              <a:t>对调用动态代理</a:t>
+            </a:r>
+          </a:p>
+          <a:p>
+            <a:r>
+              <a:rPr lang="en-US" altLang="zh-CN" b="1" dirty="0">
+                <a:solidFill>
+                  <a:srgbClr val="00B050"/>
+                </a:solidFill>
+              </a:rPr>
+              <a:t>//</a:t>
+            </a:r>
+            <a:r>
+              <a:rPr lang="zh-CN" altLang="en-US" b="1" dirty="0">
+                <a:solidFill>
+                  <a:srgbClr val="00B050"/>
+                </a:solidFill>
+              </a:rPr>
+              <a:t>对当前</a:t>
+            </a:r>
+            <a:r>
+              <a:rPr lang="en-US" altLang="zh-CN" b="1" dirty="0">
+                <a:solidFill>
+                  <a:srgbClr val="00B050"/>
+                </a:solidFill>
+              </a:rPr>
+              <a:t>bean</a:t>
+            </a:r>
+            <a:r>
+              <a:rPr lang="zh-CN" altLang="en-US" b="1" dirty="0">
+                <a:solidFill>
+                  <a:srgbClr val="00B050"/>
+                </a:solidFill>
+              </a:rPr>
+              <a:t>进行增强</a:t>
+            </a:r>
+          </a:p>
+          <a:p>
+            <a:r>
+              <a:rPr lang="en-US" altLang="zh-CN" dirty="0" err="1"/>
+              <a:t>createProxy</a:t>
+            </a:r>
+            <a:r>
+              <a:rPr lang="en-US" altLang="zh-CN" dirty="0"/>
+              <a:t>()</a:t>
+            </a:r>
+          </a:p>
+        </p:txBody>
+      </p:sp>
+      <p:sp>
+        <p:nvSpPr>
+          <p:cNvPr id="26" name="矩形 25">
+            <a:extLst>
+              <a:ext uri="{FF2B5EF4-FFF2-40B4-BE49-F238E27FC236}">
+                <a16:creationId xmlns:a16="http://schemas.microsoft.com/office/drawing/2014/main" id="{3B9BC524-7B26-4F5C-82DA-C95844C4795C}"/>
+              </a:ext>
+            </a:extLst>
+          </p:cNvPr>
+          <p:cNvSpPr/>
+          <p:nvPr/>
+        </p:nvSpPr>
+        <p:spPr>
+          <a:xfrm>
+            <a:off x="3306382" y="5783838"/>
+            <a:ext cx="3390928" cy="369332"/>
+          </a:xfrm>
+          <a:prstGeom prst="rect">
+            <a:avLst/>
+          </a:prstGeom>
+        </p:spPr>
+        <p:txBody>
+          <a:bodyPr wrap="none">
+            <a:spAutoFit/>
+          </a:bodyPr>
+          <a:lstStyle/>
+          <a:p>
+            <a:r>
+              <a:rPr lang="zh-CN" altLang="en-US" b="1" dirty="0">
+                <a:solidFill>
+                  <a:srgbClr val="FF0000"/>
+                </a:solidFill>
+              </a:rPr>
+              <a:t>所在类</a:t>
+            </a:r>
+            <a:r>
+              <a:rPr lang="en-US" altLang="zh-CN" b="1" dirty="0" err="1">
+                <a:solidFill>
+                  <a:srgbClr val="FF0000"/>
+                </a:solidFill>
+              </a:rPr>
+              <a:t>AbstractAutoProxyCreator</a:t>
+            </a:r>
+            <a:endParaRPr lang="zh-CN" altLang="en-US" b="1" dirty="0">
+              <a:solidFill>
+                <a:srgbClr val="FF0000"/>
+              </a:solidFill>
+            </a:endParaRPr>
+          </a:p>
+        </p:txBody>
+      </p:sp>
+      <p:sp>
+        <p:nvSpPr>
+          <p:cNvPr id="27" name="矩形 26">
+            <a:extLst>
+              <a:ext uri="{FF2B5EF4-FFF2-40B4-BE49-F238E27FC236}">
+                <a16:creationId xmlns:a16="http://schemas.microsoft.com/office/drawing/2014/main" id="{8B9F33FD-8DD7-47B9-A291-3F6D741EF84E}"/>
+              </a:ext>
+            </a:extLst>
+          </p:cNvPr>
+          <p:cNvSpPr/>
+          <p:nvPr/>
+        </p:nvSpPr>
+        <p:spPr>
+          <a:xfrm>
+            <a:off x="7293685" y="626784"/>
+            <a:ext cx="4559549" cy="1298835"/>
+          </a:xfrm>
+          <a:prstGeom prst="rect">
+            <a:avLst/>
+          </a:prstGeom>
+          <a:solidFill>
+            <a:schemeClr val="accent1">
+              <a:lumMod val="40000"/>
+              <a:lumOff val="60000"/>
+            </a:schemeClr>
+          </a:solidFill>
+          <a:ln>
+            <a:solidFill>
+              <a:schemeClr val="accent1">
+                <a:lumMod val="40000"/>
+                <a:lumOff val="60000"/>
+              </a:schemeClr>
+            </a:solidFill>
+          </a:ln>
+        </p:spPr>
+        <p:style>
+          <a:lnRef idx="1">
+            <a:schemeClr val="accent2"/>
+          </a:lnRef>
+          <a:fillRef idx="2">
+            <a:schemeClr val="accent2"/>
+          </a:fillRef>
+          <a:effectRef idx="1">
+            <a:schemeClr val="accent2"/>
+          </a:effectRef>
+          <a:fontRef idx="minor">
+            <a:schemeClr val="dk1"/>
+          </a:fontRef>
+        </p:style>
+        <p:txBody>
+          <a:bodyPr rtlCol="0" anchor="t" anchorCtr="0"/>
+          <a:lstStyle/>
+          <a:p>
+            <a:r>
+              <a:rPr lang="en-US" altLang="zh-CN" dirty="0"/>
+              <a:t>(1)</a:t>
+            </a:r>
+            <a:r>
+              <a:rPr lang="zh-CN" altLang="en-US" dirty="0"/>
+              <a:t>拿到有</a:t>
+            </a:r>
+            <a:r>
+              <a:rPr lang="en-US" altLang="zh-CN" dirty="0"/>
+              <a:t>Aspect</a:t>
+            </a:r>
+            <a:r>
+              <a:rPr lang="zh-CN" altLang="en-US" dirty="0"/>
+              <a:t>注解的类，对其进行解析并获得所有的通知方法</a:t>
+            </a:r>
+            <a:endParaRPr lang="en-US" altLang="zh-CN" dirty="0"/>
+          </a:p>
+          <a:p>
+            <a:r>
+              <a:rPr lang="en-US" altLang="zh-CN" dirty="0"/>
+              <a:t>(2)</a:t>
+            </a:r>
+            <a:r>
+              <a:rPr lang="zh-CN" altLang="en-US" dirty="0"/>
+              <a:t>找到所有适用于本对象的通知方法</a:t>
+            </a:r>
+            <a:endParaRPr lang="en-US" altLang="zh-CN" dirty="0"/>
+          </a:p>
+          <a:p>
+            <a:r>
+              <a:rPr lang="en-US" altLang="zh-CN" dirty="0"/>
+              <a:t>(3)</a:t>
+            </a:r>
+            <a:r>
+              <a:rPr lang="zh-CN" altLang="en-US" dirty="0"/>
+              <a:t>对各个通知方法进行排序</a:t>
+            </a:r>
+            <a:endParaRPr lang="en-US" altLang="zh-CN" dirty="0"/>
+          </a:p>
+        </p:txBody>
+      </p:sp>
+      <p:sp>
+        <p:nvSpPr>
+          <p:cNvPr id="28" name="矩形 27">
+            <a:extLst>
+              <a:ext uri="{FF2B5EF4-FFF2-40B4-BE49-F238E27FC236}">
+                <a16:creationId xmlns:a16="http://schemas.microsoft.com/office/drawing/2014/main" id="{F6524F8D-01BA-4526-8CE2-33C199DECDA6}"/>
+              </a:ext>
+            </a:extLst>
+          </p:cNvPr>
+          <p:cNvSpPr/>
+          <p:nvPr/>
+        </p:nvSpPr>
+        <p:spPr>
+          <a:xfrm>
+            <a:off x="7218381" y="157861"/>
+            <a:ext cx="2614049" cy="369332"/>
+          </a:xfrm>
+          <a:prstGeom prst="rect">
+            <a:avLst/>
+          </a:prstGeom>
+        </p:spPr>
+        <p:txBody>
+          <a:bodyPr wrap="none">
+            <a:spAutoFit/>
+          </a:bodyPr>
+          <a:lstStyle/>
+          <a:p>
+            <a:r>
+              <a:rPr lang="en-US" altLang="zh-CN" dirty="0" err="1"/>
+              <a:t>findEligibleAdvisors</a:t>
+            </a:r>
+            <a:r>
+              <a:rPr lang="en-US" altLang="zh-CN" dirty="0"/>
+              <a:t>()</a:t>
+            </a:r>
+            <a:r>
+              <a:rPr lang="zh-CN" altLang="en-US" dirty="0"/>
+              <a:t>方法</a:t>
+            </a:r>
+          </a:p>
+        </p:txBody>
+      </p:sp>
+      <p:sp>
+        <p:nvSpPr>
+          <p:cNvPr id="29" name="矩形 28">
+            <a:extLst>
+              <a:ext uri="{FF2B5EF4-FFF2-40B4-BE49-F238E27FC236}">
+                <a16:creationId xmlns:a16="http://schemas.microsoft.com/office/drawing/2014/main" id="{550C395A-DA1F-44F3-8222-90D9F64A4C19}"/>
+              </a:ext>
+            </a:extLst>
+          </p:cNvPr>
+          <p:cNvSpPr/>
+          <p:nvPr/>
+        </p:nvSpPr>
+        <p:spPr>
+          <a:xfrm>
+            <a:off x="7995931" y="2056525"/>
+            <a:ext cx="4115486" cy="369332"/>
+          </a:xfrm>
+          <a:prstGeom prst="rect">
+            <a:avLst/>
+          </a:prstGeom>
+        </p:spPr>
+        <p:txBody>
+          <a:bodyPr wrap="none">
+            <a:spAutoFit/>
+          </a:bodyPr>
+          <a:lstStyle/>
+          <a:p>
+            <a:r>
+              <a:rPr lang="zh-CN" altLang="en-US" b="1" dirty="0">
+                <a:solidFill>
+                  <a:srgbClr val="FF0000"/>
+                </a:solidFill>
+              </a:rPr>
+              <a:t>所在类</a:t>
+            </a:r>
+            <a:r>
+              <a:rPr lang="en-US" altLang="zh-CN" b="1" dirty="0" err="1">
+                <a:solidFill>
+                  <a:srgbClr val="FF0000"/>
+                </a:solidFill>
+              </a:rPr>
+              <a:t>AbstractAdvisorAutoProxyCreator</a:t>
+            </a:r>
+            <a:endParaRPr lang="zh-CN" altLang="en-US" b="1" dirty="0">
+              <a:solidFill>
+                <a:srgbClr val="FF0000"/>
+              </a:solidFill>
+            </a:endParaRPr>
+          </a:p>
+        </p:txBody>
+      </p:sp>
+      <p:cxnSp>
+        <p:nvCxnSpPr>
+          <p:cNvPr id="31" name="连接符: 肘形 30">
+            <a:extLst>
+              <a:ext uri="{FF2B5EF4-FFF2-40B4-BE49-F238E27FC236}">
+                <a16:creationId xmlns:a16="http://schemas.microsoft.com/office/drawing/2014/main" id="{ECC9752A-52B9-40F5-980D-FA612942A83A}"/>
+              </a:ext>
+            </a:extLst>
+          </p:cNvPr>
+          <p:cNvCxnSpPr>
+            <a:stCxn id="19" idx="3"/>
+            <a:endCxn id="27" idx="1"/>
+          </p:cNvCxnSpPr>
+          <p:nvPr/>
+        </p:nvCxnSpPr>
+        <p:spPr>
+          <a:xfrm flipV="1">
+            <a:off x="5948030" y="1276202"/>
+            <a:ext cx="1345655" cy="2559058"/>
+          </a:xfrm>
+          <a:prstGeom prst="bentConnector3">
+            <a:avLst>
+              <a:gd name="adj1" fmla="val 46003"/>
+            </a:avLst>
+          </a:prstGeom>
+          <a:ln>
+            <a:tailEnd type="triangle"/>
+          </a:ln>
+        </p:spPr>
+        <p:style>
+          <a:lnRef idx="1">
+            <a:schemeClr val="accent1"/>
+          </a:lnRef>
+          <a:fillRef idx="0">
+            <a:schemeClr val="accent1"/>
+          </a:fillRef>
+          <a:effectRef idx="0">
+            <a:schemeClr val="accent1"/>
+          </a:effectRef>
+          <a:fontRef idx="minor">
+            <a:schemeClr val="tx1"/>
+          </a:fontRef>
+        </p:style>
+      </p:cxnSp>
+      <p:sp>
+        <p:nvSpPr>
+          <p:cNvPr id="33" name="矩形 32">
+            <a:extLst>
+              <a:ext uri="{FF2B5EF4-FFF2-40B4-BE49-F238E27FC236}">
+                <a16:creationId xmlns:a16="http://schemas.microsoft.com/office/drawing/2014/main" id="{75828D48-AD46-4909-830B-F65DB991AEDA}"/>
+              </a:ext>
+            </a:extLst>
+          </p:cNvPr>
+          <p:cNvSpPr/>
+          <p:nvPr/>
+        </p:nvSpPr>
+        <p:spPr>
+          <a:xfrm>
+            <a:off x="7356783" y="3044896"/>
+            <a:ext cx="4559549" cy="1097781"/>
+          </a:xfrm>
+          <a:prstGeom prst="rect">
+            <a:avLst/>
+          </a:prstGeom>
+          <a:solidFill>
+            <a:schemeClr val="accent1">
+              <a:lumMod val="40000"/>
+              <a:lumOff val="60000"/>
+            </a:schemeClr>
+          </a:solidFill>
+          <a:ln>
+            <a:solidFill>
+              <a:schemeClr val="accent1">
+                <a:lumMod val="40000"/>
+                <a:lumOff val="60000"/>
+              </a:schemeClr>
+            </a:solidFill>
+          </a:ln>
+        </p:spPr>
+        <p:style>
+          <a:lnRef idx="1">
+            <a:schemeClr val="accent2"/>
+          </a:lnRef>
+          <a:fillRef idx="2">
+            <a:schemeClr val="accent2"/>
+          </a:fillRef>
+          <a:effectRef idx="1">
+            <a:schemeClr val="accent2"/>
+          </a:effectRef>
+          <a:fontRef idx="minor">
+            <a:schemeClr val="dk1"/>
+          </a:fontRef>
+        </p:style>
+        <p:txBody>
+          <a:bodyPr rtlCol="0" anchor="t" anchorCtr="0"/>
+          <a:lstStyle/>
+          <a:p>
+            <a:r>
+              <a:rPr lang="en-US" altLang="zh-CN" dirty="0"/>
+              <a:t>(1)</a:t>
+            </a:r>
+            <a:r>
+              <a:rPr lang="zh-CN" altLang="en-US" dirty="0"/>
+              <a:t>创建代理工场</a:t>
+            </a:r>
+            <a:r>
+              <a:rPr lang="en-US" altLang="zh-CN" dirty="0" err="1"/>
+              <a:t>ProxyFactory</a:t>
+            </a:r>
+            <a:endParaRPr lang="en-US" altLang="zh-CN" dirty="0"/>
+          </a:p>
+          <a:p>
+            <a:r>
+              <a:rPr lang="en-US" altLang="zh-CN" dirty="0"/>
+              <a:t>(2)</a:t>
+            </a:r>
+            <a:r>
+              <a:rPr lang="zh-CN" altLang="en-US" dirty="0"/>
+              <a:t>进行一些其他的预处理工作</a:t>
+            </a:r>
+            <a:endParaRPr lang="en-US" altLang="zh-CN" dirty="0"/>
+          </a:p>
+          <a:p>
+            <a:r>
+              <a:rPr lang="en-US" altLang="zh-CN" dirty="0"/>
+              <a:t>(3)</a:t>
+            </a:r>
+            <a:r>
+              <a:rPr lang="zh-CN" altLang="en-US" dirty="0"/>
+              <a:t>调用真正对当前对象进行代理增强的方法</a:t>
+            </a:r>
+            <a:endParaRPr lang="en-US" altLang="zh-CN" dirty="0"/>
+          </a:p>
+        </p:txBody>
+      </p:sp>
+      <p:sp>
+        <p:nvSpPr>
+          <p:cNvPr id="34" name="矩形 33">
+            <a:extLst>
+              <a:ext uri="{FF2B5EF4-FFF2-40B4-BE49-F238E27FC236}">
+                <a16:creationId xmlns:a16="http://schemas.microsoft.com/office/drawing/2014/main" id="{98A7C771-F615-4054-A0D5-B029205869EB}"/>
+              </a:ext>
+            </a:extLst>
+          </p:cNvPr>
+          <p:cNvSpPr/>
+          <p:nvPr/>
+        </p:nvSpPr>
+        <p:spPr>
+          <a:xfrm>
+            <a:off x="7203778" y="2575037"/>
+            <a:ext cx="2268763" cy="369332"/>
+          </a:xfrm>
+          <a:prstGeom prst="rect">
+            <a:avLst/>
+          </a:prstGeom>
+        </p:spPr>
+        <p:txBody>
+          <a:bodyPr wrap="none">
+            <a:spAutoFit/>
+          </a:bodyPr>
+          <a:lstStyle/>
+          <a:p>
+            <a:r>
+              <a:rPr lang="en-US" altLang="zh-CN" dirty="0" err="1"/>
+              <a:t>createAopProxy</a:t>
+            </a:r>
+            <a:r>
+              <a:rPr lang="en-US" altLang="zh-CN" dirty="0"/>
+              <a:t>()</a:t>
+            </a:r>
+            <a:r>
+              <a:rPr lang="zh-CN" altLang="en-US" dirty="0"/>
+              <a:t>方法</a:t>
+            </a:r>
+          </a:p>
+        </p:txBody>
+      </p:sp>
+      <p:sp>
+        <p:nvSpPr>
+          <p:cNvPr id="36" name="矩形 35">
+            <a:extLst>
+              <a:ext uri="{FF2B5EF4-FFF2-40B4-BE49-F238E27FC236}">
+                <a16:creationId xmlns:a16="http://schemas.microsoft.com/office/drawing/2014/main" id="{756A32C2-B2F2-450C-A538-2A411DDA04E3}"/>
+              </a:ext>
+            </a:extLst>
+          </p:cNvPr>
+          <p:cNvSpPr/>
+          <p:nvPr/>
+        </p:nvSpPr>
+        <p:spPr>
+          <a:xfrm>
+            <a:off x="8525405" y="4186022"/>
+            <a:ext cx="3390928" cy="369332"/>
+          </a:xfrm>
+          <a:prstGeom prst="rect">
+            <a:avLst/>
+          </a:prstGeom>
+        </p:spPr>
+        <p:txBody>
+          <a:bodyPr wrap="none">
+            <a:spAutoFit/>
+          </a:bodyPr>
+          <a:lstStyle/>
+          <a:p>
+            <a:r>
+              <a:rPr lang="zh-CN" altLang="en-US" b="1" dirty="0">
+                <a:solidFill>
+                  <a:srgbClr val="FF0000"/>
+                </a:solidFill>
+              </a:rPr>
+              <a:t>所在类</a:t>
+            </a:r>
+            <a:r>
+              <a:rPr lang="en-US" altLang="zh-CN" b="1" dirty="0" err="1">
+                <a:solidFill>
+                  <a:srgbClr val="FF0000"/>
+                </a:solidFill>
+              </a:rPr>
+              <a:t>AbstractAutoProxyCreator</a:t>
+            </a:r>
+            <a:endParaRPr lang="zh-CN" altLang="en-US" b="1" dirty="0">
+              <a:solidFill>
+                <a:srgbClr val="FF0000"/>
+              </a:solidFill>
+            </a:endParaRPr>
+          </a:p>
+        </p:txBody>
+      </p:sp>
+      <p:sp>
+        <p:nvSpPr>
+          <p:cNvPr id="37" name="矩形 36">
+            <a:extLst>
+              <a:ext uri="{FF2B5EF4-FFF2-40B4-BE49-F238E27FC236}">
+                <a16:creationId xmlns:a16="http://schemas.microsoft.com/office/drawing/2014/main" id="{D802972C-C99D-4F5C-B7E9-5CA3015BEEC3}"/>
+              </a:ext>
+            </a:extLst>
+          </p:cNvPr>
+          <p:cNvSpPr/>
+          <p:nvPr/>
+        </p:nvSpPr>
+        <p:spPr>
+          <a:xfrm>
+            <a:off x="7356783" y="5087454"/>
+            <a:ext cx="4559549" cy="1097781"/>
+          </a:xfrm>
+          <a:prstGeom prst="rect">
+            <a:avLst/>
+          </a:prstGeom>
+          <a:solidFill>
+            <a:schemeClr val="accent1">
+              <a:lumMod val="40000"/>
+              <a:lumOff val="60000"/>
+            </a:schemeClr>
+          </a:solidFill>
+          <a:ln>
+            <a:solidFill>
+              <a:schemeClr val="accent1">
+                <a:lumMod val="40000"/>
+                <a:lumOff val="60000"/>
+              </a:schemeClr>
+            </a:solidFill>
+          </a:ln>
+        </p:spPr>
+        <p:style>
+          <a:lnRef idx="1">
+            <a:schemeClr val="accent2"/>
+          </a:lnRef>
+          <a:fillRef idx="2">
+            <a:schemeClr val="accent2"/>
+          </a:fillRef>
+          <a:effectRef idx="1">
+            <a:schemeClr val="accent2"/>
+          </a:effectRef>
+          <a:fontRef idx="minor">
+            <a:schemeClr val="dk1"/>
+          </a:fontRef>
+        </p:style>
+        <p:txBody>
+          <a:bodyPr rtlCol="0" anchor="t" anchorCtr="0"/>
+          <a:lstStyle/>
+          <a:p>
+            <a:r>
+              <a:rPr lang="en-US" altLang="zh-CN" dirty="0"/>
+              <a:t>(1)</a:t>
+            </a:r>
+            <a:r>
+              <a:rPr lang="zh-CN" altLang="en-US" dirty="0"/>
+              <a:t>创建代理工场</a:t>
+            </a:r>
+            <a:r>
+              <a:rPr lang="en-US" altLang="zh-CN" dirty="0" err="1"/>
+              <a:t>ProxyFactory</a:t>
+            </a:r>
+            <a:endParaRPr lang="en-US" altLang="zh-CN" dirty="0"/>
+          </a:p>
+          <a:p>
+            <a:r>
+              <a:rPr lang="en-US" altLang="zh-CN" dirty="0"/>
+              <a:t>(2)</a:t>
+            </a:r>
+            <a:r>
+              <a:rPr lang="zh-CN" altLang="en-US" dirty="0"/>
+              <a:t>进行一些其他的预处理工作</a:t>
+            </a:r>
+            <a:endParaRPr lang="en-US" altLang="zh-CN" dirty="0"/>
+          </a:p>
+          <a:p>
+            <a:r>
+              <a:rPr lang="en-US" altLang="zh-CN" dirty="0"/>
+              <a:t>(3)</a:t>
+            </a:r>
+            <a:r>
+              <a:rPr lang="zh-CN" altLang="en-US" dirty="0"/>
+              <a:t>调用真正对当前对象进行代理增强的方法</a:t>
+            </a:r>
+            <a:endParaRPr lang="en-US" altLang="zh-CN" dirty="0"/>
+          </a:p>
+        </p:txBody>
+      </p:sp>
+      <p:cxnSp>
+        <p:nvCxnSpPr>
+          <p:cNvPr id="39" name="连接符: 肘形 38">
+            <a:extLst>
+              <a:ext uri="{FF2B5EF4-FFF2-40B4-BE49-F238E27FC236}">
+                <a16:creationId xmlns:a16="http://schemas.microsoft.com/office/drawing/2014/main" id="{5ECE0F3D-C014-4E61-B965-DF1A3F1DDDAF}"/>
+              </a:ext>
+            </a:extLst>
+          </p:cNvPr>
+          <p:cNvCxnSpPr>
+            <a:cxnSpLocks/>
+            <a:stCxn id="21" idx="3"/>
+            <a:endCxn id="33" idx="1"/>
+          </p:cNvCxnSpPr>
+          <p:nvPr/>
+        </p:nvCxnSpPr>
+        <p:spPr>
+          <a:xfrm flipV="1">
+            <a:off x="5948040" y="3593787"/>
+            <a:ext cx="1408743" cy="1342121"/>
+          </a:xfrm>
+          <a:prstGeom prst="bentConnector3">
+            <a:avLst>
+              <a:gd name="adj1" fmla="val 66800"/>
+            </a:avLst>
+          </a:prstGeom>
+          <a:ln>
+            <a:tailEnd type="triangle"/>
+          </a:ln>
+        </p:spPr>
+        <p:style>
+          <a:lnRef idx="1">
+            <a:schemeClr val="accent1"/>
+          </a:lnRef>
+          <a:fillRef idx="0">
+            <a:schemeClr val="accent1"/>
+          </a:fillRef>
+          <a:effectRef idx="0">
+            <a:schemeClr val="accent1"/>
+          </a:effectRef>
+          <a:fontRef idx="minor">
+            <a:schemeClr val="tx1"/>
+          </a:fontRef>
+        </p:style>
+      </p:cxnSp>
+      <p:sp>
+        <p:nvSpPr>
+          <p:cNvPr id="47" name="矩形 46">
+            <a:extLst>
+              <a:ext uri="{FF2B5EF4-FFF2-40B4-BE49-F238E27FC236}">
+                <a16:creationId xmlns:a16="http://schemas.microsoft.com/office/drawing/2014/main" id="{F63C74F0-C966-4C51-898D-4A9C1BED05FB}"/>
+              </a:ext>
+            </a:extLst>
+          </p:cNvPr>
+          <p:cNvSpPr/>
+          <p:nvPr/>
+        </p:nvSpPr>
+        <p:spPr>
+          <a:xfrm>
+            <a:off x="7003226" y="4685680"/>
+            <a:ext cx="2268763" cy="369332"/>
+          </a:xfrm>
+          <a:prstGeom prst="rect">
+            <a:avLst/>
+          </a:prstGeom>
+        </p:spPr>
+        <p:txBody>
+          <a:bodyPr wrap="none">
+            <a:spAutoFit/>
+          </a:bodyPr>
+          <a:lstStyle/>
+          <a:p>
+            <a:r>
+              <a:rPr lang="en-US" altLang="zh-CN" dirty="0" err="1"/>
+              <a:t>createAopProxy</a:t>
+            </a:r>
+            <a:r>
+              <a:rPr lang="en-US" altLang="zh-CN" dirty="0"/>
+              <a:t>()</a:t>
+            </a:r>
+            <a:r>
+              <a:rPr lang="zh-CN" altLang="en-US" dirty="0"/>
+              <a:t>方法</a:t>
+            </a:r>
+          </a:p>
+        </p:txBody>
+      </p:sp>
+      <p:sp>
+        <p:nvSpPr>
+          <p:cNvPr id="48" name="矩形 47">
+            <a:extLst>
+              <a:ext uri="{FF2B5EF4-FFF2-40B4-BE49-F238E27FC236}">
+                <a16:creationId xmlns:a16="http://schemas.microsoft.com/office/drawing/2014/main" id="{98CF9A32-D027-46B6-B771-DE0DA1E96272}"/>
+              </a:ext>
+            </a:extLst>
+          </p:cNvPr>
+          <p:cNvSpPr/>
+          <p:nvPr/>
+        </p:nvSpPr>
+        <p:spPr>
+          <a:xfrm>
+            <a:off x="8859234" y="6185235"/>
+            <a:ext cx="3210046" cy="369332"/>
+          </a:xfrm>
+          <a:prstGeom prst="rect">
+            <a:avLst/>
+          </a:prstGeom>
+        </p:spPr>
+        <p:txBody>
+          <a:bodyPr wrap="none">
+            <a:spAutoFit/>
+          </a:bodyPr>
+          <a:lstStyle/>
+          <a:p>
+            <a:r>
+              <a:rPr lang="zh-CN" altLang="en-US" b="1" dirty="0">
+                <a:solidFill>
+                  <a:srgbClr val="FF0000"/>
+                </a:solidFill>
+              </a:rPr>
+              <a:t>所在类</a:t>
+            </a:r>
+            <a:r>
+              <a:rPr lang="en-US" altLang="zh-CN" b="1" dirty="0" err="1">
+                <a:solidFill>
+                  <a:srgbClr val="FF0000"/>
+                </a:solidFill>
+              </a:rPr>
+              <a:t>DefaultAopProxyFactory</a:t>
+            </a:r>
+            <a:endParaRPr lang="zh-CN" altLang="en-US" b="1" dirty="0">
+              <a:solidFill>
+                <a:srgbClr val="FF0000"/>
+              </a:solidFill>
+            </a:endParaRPr>
+          </a:p>
+        </p:txBody>
+      </p:sp>
+      <p:cxnSp>
+        <p:nvCxnSpPr>
+          <p:cNvPr id="50" name="直接箭头连接符 49">
+            <a:extLst>
+              <a:ext uri="{FF2B5EF4-FFF2-40B4-BE49-F238E27FC236}">
+                <a16:creationId xmlns:a16="http://schemas.microsoft.com/office/drawing/2014/main" id="{CA87DF38-7614-4DA5-9B1A-57679929BBF6}"/>
+              </a:ext>
+            </a:extLst>
+          </p:cNvPr>
+          <p:cNvCxnSpPr>
+            <a:stCxn id="33" idx="2"/>
+            <a:endCxn id="37" idx="0"/>
+          </p:cNvCxnSpPr>
+          <p:nvPr/>
+        </p:nvCxnSpPr>
+        <p:spPr>
+          <a:xfrm>
+            <a:off x="9636558" y="4142677"/>
+            <a:ext cx="0" cy="944777"/>
+          </a:xfrm>
+          <a:prstGeom prst="straightConnector1">
+            <a:avLst/>
+          </a:prstGeom>
+          <a:ln w="38100">
+            <a:tailEnd type="triangle"/>
+          </a:ln>
+        </p:spPr>
+        <p:style>
+          <a:lnRef idx="1">
+            <a:schemeClr val="accent1"/>
+          </a:lnRef>
+          <a:fillRef idx="0">
+            <a:schemeClr val="accent1"/>
+          </a:fillRef>
+          <a:effectRef idx="0">
+            <a:schemeClr val="accent1"/>
+          </a:effectRef>
+          <a:fontRef idx="minor">
+            <a:schemeClr val="tx1"/>
+          </a:fontRef>
+        </p:style>
+      </p:cxnSp>
+    </p:spTree>
+    <p:extLst>
+      <p:ext uri="{BB962C8B-B14F-4D97-AF65-F5344CB8AC3E}">
+        <p14:creationId xmlns:p14="http://schemas.microsoft.com/office/powerpoint/2010/main" val="926069719"/>
+      </p:ext>
+    </p:extLst>
+  </p:cSld>
+  <p:clrMapOvr>
+    <a:masterClrMapping/>
+  </p:clrMapOvr>
+</p:sld>
+</file>
+
 <file path=ppt/theme/theme1.xml><?xml version="1.0" encoding="utf-8"?>
 <a:theme xmlns:a="http://schemas.openxmlformats.org/drawingml/2006/main" name="Office 主题">
   <a:themeElements>

--- a/src/test/resources/docs/AOP源码解读.pptx
+++ b/src/test/resources/docs/AOP源码解读.pptx
@@ -5,9 +5,9 @@
     <p:sldMasterId id="2147483648" r:id="rId1"/>
   </p:sldMasterIdLst>
   <p:sldIdLst>
-    <p:sldId id="263" r:id="rId2"/>
-    <p:sldId id="264" r:id="rId3"/>
-    <p:sldId id="265" r:id="rId4"/>
+    <p:sldId id="263" r:id="rId3"/>
+    <p:sldId id="264" r:id="rId4"/>
+    <p:sldId id="265" r:id="rId5"/>
   </p:sldIdLst>
   <p:sldSz cx="12192000" cy="6858000"/>
   <p:notesSz cx="6858000" cy="9144000"/>
@@ -106,23 +106,12 @@
       </a:defRPr>
     </a:lvl9pPr>
   </p:defaultTextStyle>
-  <p:extLst>
-    <p:ext uri="{EFAFB233-063F-42B5-8137-9DF3F51BA10A}">
-      <p15:sldGuideLst xmlns:p15="http://schemas.microsoft.com/office/powerpoint/2012/main"/>
-    </p:ext>
-  </p:extLst>
 </p:presentation>
 </file>
 
 <file path=ppt/commentAuthors.xml><?xml version="1.0" encoding="utf-8"?>
 <p:cmAuthorLst xmlns:a="http://schemas.openxmlformats.org/drawingml/2006/main" xmlns:r="http://schemas.openxmlformats.org/officeDocument/2006/relationships" xmlns:p="http://schemas.openxmlformats.org/presentationml/2006/main">
-  <p:cmAuthor id="1" name="chuan sun" initials="cs" lastIdx="2" clrIdx="0">
-    <p:extLst>
-      <p:ext uri="{19B8F6BF-5375-455C-9EA6-DF929625EA0E}">
-        <p15:presenceInfo xmlns:p15="http://schemas.microsoft.com/office/powerpoint/2012/main" userId="fb19eb1c24651d0a" providerId="Windows Live"/>
-      </p:ext>
-    </p:extLst>
-  </p:cmAuthor>
+  <p:cmAuthor id="1" name="chuan sun" initials="cs" lastIdx="2" clrIdx="0"/>
 </p:cmAuthorLst>
 </file>
 
@@ -171,6 +160,7 @@
               <a:rPr lang="zh-CN" altLang="en-US"/>
               <a:t>单击此处编辑母版标题样式</a:t>
             </a:r>
+            <a:endParaRPr lang="zh-CN" altLang="en-US"/>
           </a:p>
         </p:txBody>
       </p:sp>
@@ -235,6 +225,7 @@
               <a:rPr lang="zh-CN" altLang="en-US"/>
               <a:t>单击此处编辑母版副标题样式</a:t>
             </a:r>
+            <a:endParaRPr lang="zh-CN" altLang="en-US"/>
           </a:p>
         </p:txBody>
       </p:sp>
@@ -255,7 +246,6 @@
           <a:p>
             <a:fld id="{4142F8C5-6110-4832-8345-11A27B10C923}" type="datetimeFigureOut">
               <a:rPr lang="zh-CN" altLang="en-US" smtClean="0"/>
-              <a:t>2019/12/8</a:t>
             </a:fld>
             <a:endParaRPr lang="zh-CN" altLang="en-US"/>
           </a:p>
@@ -297,7 +287,6 @@
           <a:p>
             <a:fld id="{5DF99B69-AF0A-45D5-B71C-45D427141AE4}" type="slidenum">
               <a:rPr lang="zh-CN" altLang="en-US" smtClean="0"/>
-              <a:t>‹#›</a:t>
             </a:fld>
             <a:endParaRPr lang="zh-CN" altLang="en-US"/>
           </a:p>
@@ -347,6 +336,7 @@
               <a:rPr lang="zh-CN" altLang="en-US"/>
               <a:t>单击此处编辑母版标题样式</a:t>
             </a:r>
+            <a:endParaRPr lang="zh-CN" altLang="en-US"/>
           </a:p>
         </p:txBody>
       </p:sp>
@@ -370,6 +360,7 @@
               <a:rPr lang="zh-CN" altLang="en-US"/>
               <a:t>单击此处编辑母版文本样式</a:t>
             </a:r>
+            <a:endParaRPr lang="zh-CN" altLang="en-US"/>
           </a:p>
           <a:p>
             <a:pPr lvl="1"/>
@@ -377,6 +368,7 @@
               <a:rPr lang="zh-CN" altLang="en-US"/>
               <a:t>第二级</a:t>
             </a:r>
+            <a:endParaRPr lang="zh-CN" altLang="en-US"/>
           </a:p>
           <a:p>
             <a:pPr lvl="2"/>
@@ -384,6 +376,7 @@
               <a:rPr lang="zh-CN" altLang="en-US"/>
               <a:t>第三级</a:t>
             </a:r>
+            <a:endParaRPr lang="zh-CN" altLang="en-US"/>
           </a:p>
           <a:p>
             <a:pPr lvl="3"/>
@@ -391,6 +384,7 @@
               <a:rPr lang="zh-CN" altLang="en-US"/>
               <a:t>第四级</a:t>
             </a:r>
+            <a:endParaRPr lang="zh-CN" altLang="en-US"/>
           </a:p>
           <a:p>
             <a:pPr lvl="4"/>
@@ -398,6 +392,7 @@
               <a:rPr lang="zh-CN" altLang="en-US"/>
               <a:t>第五级</a:t>
             </a:r>
+            <a:endParaRPr lang="zh-CN" altLang="en-US"/>
           </a:p>
         </p:txBody>
       </p:sp>
@@ -418,7 +413,6 @@
           <a:p>
             <a:fld id="{4142F8C5-6110-4832-8345-11A27B10C923}" type="datetimeFigureOut">
               <a:rPr lang="zh-CN" altLang="en-US" smtClean="0"/>
-              <a:t>2019/12/8</a:t>
             </a:fld>
             <a:endParaRPr lang="zh-CN" altLang="en-US"/>
           </a:p>
@@ -460,7 +454,6 @@
           <a:p>
             <a:fld id="{5DF99B69-AF0A-45D5-B71C-45D427141AE4}" type="slidenum">
               <a:rPr lang="zh-CN" altLang="en-US" smtClean="0"/>
-              <a:t>‹#›</a:t>
             </a:fld>
             <a:endParaRPr lang="zh-CN" altLang="en-US"/>
           </a:p>
@@ -515,6 +508,7 @@
               <a:rPr lang="zh-CN" altLang="en-US"/>
               <a:t>单击此处编辑母版标题样式</a:t>
             </a:r>
+            <a:endParaRPr lang="zh-CN" altLang="en-US"/>
           </a:p>
         </p:txBody>
       </p:sp>
@@ -543,6 +537,7 @@
               <a:rPr lang="zh-CN" altLang="en-US"/>
               <a:t>单击此处编辑母版文本样式</a:t>
             </a:r>
+            <a:endParaRPr lang="zh-CN" altLang="en-US"/>
           </a:p>
           <a:p>
             <a:pPr lvl="1"/>
@@ -550,6 +545,7 @@
               <a:rPr lang="zh-CN" altLang="en-US"/>
               <a:t>第二级</a:t>
             </a:r>
+            <a:endParaRPr lang="zh-CN" altLang="en-US"/>
           </a:p>
           <a:p>
             <a:pPr lvl="2"/>
@@ -557,6 +553,7 @@
               <a:rPr lang="zh-CN" altLang="en-US"/>
               <a:t>第三级</a:t>
             </a:r>
+            <a:endParaRPr lang="zh-CN" altLang="en-US"/>
           </a:p>
           <a:p>
             <a:pPr lvl="3"/>
@@ -564,6 +561,7 @@
               <a:rPr lang="zh-CN" altLang="en-US"/>
               <a:t>第四级</a:t>
             </a:r>
+            <a:endParaRPr lang="zh-CN" altLang="en-US"/>
           </a:p>
           <a:p>
             <a:pPr lvl="4"/>
@@ -571,6 +569,7 @@
               <a:rPr lang="zh-CN" altLang="en-US"/>
               <a:t>第五级</a:t>
             </a:r>
+            <a:endParaRPr lang="zh-CN" altLang="en-US"/>
           </a:p>
         </p:txBody>
       </p:sp>
@@ -591,7 +590,6 @@
           <a:p>
             <a:fld id="{4142F8C5-6110-4832-8345-11A27B10C923}" type="datetimeFigureOut">
               <a:rPr lang="zh-CN" altLang="en-US" smtClean="0"/>
-              <a:t>2019/12/8</a:t>
             </a:fld>
             <a:endParaRPr lang="zh-CN" altLang="en-US"/>
           </a:p>
@@ -633,7 +631,6 @@
           <a:p>
             <a:fld id="{5DF99B69-AF0A-45D5-B71C-45D427141AE4}" type="slidenum">
               <a:rPr lang="zh-CN" altLang="en-US" smtClean="0"/>
-              <a:t>‹#›</a:t>
             </a:fld>
             <a:endParaRPr lang="zh-CN" altLang="en-US"/>
           </a:p>
@@ -683,6 +680,7 @@
               <a:rPr lang="zh-CN" altLang="en-US"/>
               <a:t>单击此处编辑母版标题样式</a:t>
             </a:r>
+            <a:endParaRPr lang="zh-CN" altLang="en-US"/>
           </a:p>
         </p:txBody>
       </p:sp>
@@ -706,6 +704,7 @@
               <a:rPr lang="zh-CN" altLang="en-US"/>
               <a:t>单击此处编辑母版文本样式</a:t>
             </a:r>
+            <a:endParaRPr lang="zh-CN" altLang="en-US"/>
           </a:p>
           <a:p>
             <a:pPr lvl="1"/>
@@ -713,6 +712,7 @@
               <a:rPr lang="zh-CN" altLang="en-US"/>
               <a:t>第二级</a:t>
             </a:r>
+            <a:endParaRPr lang="zh-CN" altLang="en-US"/>
           </a:p>
           <a:p>
             <a:pPr lvl="2"/>
@@ -720,6 +720,7 @@
               <a:rPr lang="zh-CN" altLang="en-US"/>
               <a:t>第三级</a:t>
             </a:r>
+            <a:endParaRPr lang="zh-CN" altLang="en-US"/>
           </a:p>
           <a:p>
             <a:pPr lvl="3"/>
@@ -727,6 +728,7 @@
               <a:rPr lang="zh-CN" altLang="en-US"/>
               <a:t>第四级</a:t>
             </a:r>
+            <a:endParaRPr lang="zh-CN" altLang="en-US"/>
           </a:p>
           <a:p>
             <a:pPr lvl="4"/>
@@ -734,6 +736,7 @@
               <a:rPr lang="zh-CN" altLang="en-US"/>
               <a:t>第五级</a:t>
             </a:r>
+            <a:endParaRPr lang="zh-CN" altLang="en-US"/>
           </a:p>
         </p:txBody>
       </p:sp>
@@ -754,7 +757,6 @@
           <a:p>
             <a:fld id="{4142F8C5-6110-4832-8345-11A27B10C923}" type="datetimeFigureOut">
               <a:rPr lang="zh-CN" altLang="en-US" smtClean="0"/>
-              <a:t>2019/12/8</a:t>
             </a:fld>
             <a:endParaRPr lang="zh-CN" altLang="en-US"/>
           </a:p>
@@ -796,7 +798,6 @@
           <a:p>
             <a:fld id="{5DF99B69-AF0A-45D5-B71C-45D427141AE4}" type="slidenum">
               <a:rPr lang="zh-CN" altLang="en-US" smtClean="0"/>
-              <a:t>‹#›</a:t>
             </a:fld>
             <a:endParaRPr lang="zh-CN" altLang="en-US"/>
           </a:p>
@@ -855,6 +856,7 @@
               <a:rPr lang="zh-CN" altLang="en-US"/>
               <a:t>单击此处编辑母版标题样式</a:t>
             </a:r>
+            <a:endParaRPr lang="zh-CN" altLang="en-US"/>
           </a:p>
         </p:txBody>
       </p:sp>
@@ -974,6 +976,7 @@
               <a:rPr lang="zh-CN" altLang="en-US"/>
               <a:t>单击此处编辑母版文本样式</a:t>
             </a:r>
+            <a:endParaRPr lang="zh-CN" altLang="en-US"/>
           </a:p>
         </p:txBody>
       </p:sp>
@@ -994,7 +997,6 @@
           <a:p>
             <a:fld id="{4142F8C5-6110-4832-8345-11A27B10C923}" type="datetimeFigureOut">
               <a:rPr lang="zh-CN" altLang="en-US" smtClean="0"/>
-              <a:t>2019/12/8</a:t>
             </a:fld>
             <a:endParaRPr lang="zh-CN" altLang="en-US"/>
           </a:p>
@@ -1036,7 +1038,6 @@
           <a:p>
             <a:fld id="{5DF99B69-AF0A-45D5-B71C-45D427141AE4}" type="slidenum">
               <a:rPr lang="zh-CN" altLang="en-US" smtClean="0"/>
-              <a:t>‹#›</a:t>
             </a:fld>
             <a:endParaRPr lang="zh-CN" altLang="en-US"/>
           </a:p>
@@ -1086,6 +1087,7 @@
               <a:rPr lang="zh-CN" altLang="en-US"/>
               <a:t>单击此处编辑母版标题样式</a:t>
             </a:r>
+            <a:endParaRPr lang="zh-CN" altLang="en-US"/>
           </a:p>
         </p:txBody>
       </p:sp>
@@ -1114,6 +1116,7 @@
               <a:rPr lang="zh-CN" altLang="en-US"/>
               <a:t>单击此处编辑母版文本样式</a:t>
             </a:r>
+            <a:endParaRPr lang="zh-CN" altLang="en-US"/>
           </a:p>
           <a:p>
             <a:pPr lvl="1"/>
@@ -1121,6 +1124,7 @@
               <a:rPr lang="zh-CN" altLang="en-US"/>
               <a:t>第二级</a:t>
             </a:r>
+            <a:endParaRPr lang="zh-CN" altLang="en-US"/>
           </a:p>
           <a:p>
             <a:pPr lvl="2"/>
@@ -1128,6 +1132,7 @@
               <a:rPr lang="zh-CN" altLang="en-US"/>
               <a:t>第三级</a:t>
             </a:r>
+            <a:endParaRPr lang="zh-CN" altLang="en-US"/>
           </a:p>
           <a:p>
             <a:pPr lvl="3"/>
@@ -1135,6 +1140,7 @@
               <a:rPr lang="zh-CN" altLang="en-US"/>
               <a:t>第四级</a:t>
             </a:r>
+            <a:endParaRPr lang="zh-CN" altLang="en-US"/>
           </a:p>
           <a:p>
             <a:pPr lvl="4"/>
@@ -1142,6 +1148,7 @@
               <a:rPr lang="zh-CN" altLang="en-US"/>
               <a:t>第五级</a:t>
             </a:r>
+            <a:endParaRPr lang="zh-CN" altLang="en-US"/>
           </a:p>
         </p:txBody>
       </p:sp>
@@ -1170,6 +1177,7 @@
               <a:rPr lang="zh-CN" altLang="en-US"/>
               <a:t>单击此处编辑母版文本样式</a:t>
             </a:r>
+            <a:endParaRPr lang="zh-CN" altLang="en-US"/>
           </a:p>
           <a:p>
             <a:pPr lvl="1"/>
@@ -1177,6 +1185,7 @@
               <a:rPr lang="zh-CN" altLang="en-US"/>
               <a:t>第二级</a:t>
             </a:r>
+            <a:endParaRPr lang="zh-CN" altLang="en-US"/>
           </a:p>
           <a:p>
             <a:pPr lvl="2"/>
@@ -1184,6 +1193,7 @@
               <a:rPr lang="zh-CN" altLang="en-US"/>
               <a:t>第三级</a:t>
             </a:r>
+            <a:endParaRPr lang="zh-CN" altLang="en-US"/>
           </a:p>
           <a:p>
             <a:pPr lvl="3"/>
@@ -1191,6 +1201,7 @@
               <a:rPr lang="zh-CN" altLang="en-US"/>
               <a:t>第四级</a:t>
             </a:r>
+            <a:endParaRPr lang="zh-CN" altLang="en-US"/>
           </a:p>
           <a:p>
             <a:pPr lvl="4"/>
@@ -1198,6 +1209,7 @@
               <a:rPr lang="zh-CN" altLang="en-US"/>
               <a:t>第五级</a:t>
             </a:r>
+            <a:endParaRPr lang="zh-CN" altLang="en-US"/>
           </a:p>
         </p:txBody>
       </p:sp>
@@ -1218,7 +1230,6 @@
           <a:p>
             <a:fld id="{4142F8C5-6110-4832-8345-11A27B10C923}" type="datetimeFigureOut">
               <a:rPr lang="zh-CN" altLang="en-US" smtClean="0"/>
-              <a:t>2019/12/8</a:t>
             </a:fld>
             <a:endParaRPr lang="zh-CN" altLang="en-US"/>
           </a:p>
@@ -1260,7 +1271,6 @@
           <a:p>
             <a:fld id="{5DF99B69-AF0A-45D5-B71C-45D427141AE4}" type="slidenum">
               <a:rPr lang="zh-CN" altLang="en-US" smtClean="0"/>
-              <a:t>‹#›</a:t>
             </a:fld>
             <a:endParaRPr lang="zh-CN" altLang="en-US"/>
           </a:p>
@@ -1315,6 +1325,7 @@
               <a:rPr lang="zh-CN" altLang="en-US"/>
               <a:t>单击此处编辑母版标题样式</a:t>
             </a:r>
+            <a:endParaRPr lang="zh-CN" altLang="en-US"/>
           </a:p>
         </p:txBody>
       </p:sp>
@@ -1380,6 +1391,7 @@
               <a:rPr lang="zh-CN" altLang="en-US"/>
               <a:t>单击此处编辑母版文本样式</a:t>
             </a:r>
+            <a:endParaRPr lang="zh-CN" altLang="en-US"/>
           </a:p>
         </p:txBody>
       </p:sp>
@@ -1408,6 +1420,7 @@
               <a:rPr lang="zh-CN" altLang="en-US"/>
               <a:t>单击此处编辑母版文本样式</a:t>
             </a:r>
+            <a:endParaRPr lang="zh-CN" altLang="en-US"/>
           </a:p>
           <a:p>
             <a:pPr lvl="1"/>
@@ -1415,6 +1428,7 @@
               <a:rPr lang="zh-CN" altLang="en-US"/>
               <a:t>第二级</a:t>
             </a:r>
+            <a:endParaRPr lang="zh-CN" altLang="en-US"/>
           </a:p>
           <a:p>
             <a:pPr lvl="2"/>
@@ -1422,6 +1436,7 @@
               <a:rPr lang="zh-CN" altLang="en-US"/>
               <a:t>第三级</a:t>
             </a:r>
+            <a:endParaRPr lang="zh-CN" altLang="en-US"/>
           </a:p>
           <a:p>
             <a:pPr lvl="3"/>
@@ -1429,6 +1444,7 @@
               <a:rPr lang="zh-CN" altLang="en-US"/>
               <a:t>第四级</a:t>
             </a:r>
+            <a:endParaRPr lang="zh-CN" altLang="en-US"/>
           </a:p>
           <a:p>
             <a:pPr lvl="4"/>
@@ -1436,6 +1452,7 @@
               <a:rPr lang="zh-CN" altLang="en-US"/>
               <a:t>第五级</a:t>
             </a:r>
+            <a:endParaRPr lang="zh-CN" altLang="en-US"/>
           </a:p>
         </p:txBody>
       </p:sp>
@@ -1501,6 +1518,7 @@
               <a:rPr lang="zh-CN" altLang="en-US"/>
               <a:t>单击此处编辑母版文本样式</a:t>
             </a:r>
+            <a:endParaRPr lang="zh-CN" altLang="en-US"/>
           </a:p>
         </p:txBody>
       </p:sp>
@@ -1529,6 +1547,7 @@
               <a:rPr lang="zh-CN" altLang="en-US"/>
               <a:t>单击此处编辑母版文本样式</a:t>
             </a:r>
+            <a:endParaRPr lang="zh-CN" altLang="en-US"/>
           </a:p>
           <a:p>
             <a:pPr lvl="1"/>
@@ -1536,6 +1555,7 @@
               <a:rPr lang="zh-CN" altLang="en-US"/>
               <a:t>第二级</a:t>
             </a:r>
+            <a:endParaRPr lang="zh-CN" altLang="en-US"/>
           </a:p>
           <a:p>
             <a:pPr lvl="2"/>
@@ -1543,6 +1563,7 @@
               <a:rPr lang="zh-CN" altLang="en-US"/>
               <a:t>第三级</a:t>
             </a:r>
+            <a:endParaRPr lang="zh-CN" altLang="en-US"/>
           </a:p>
           <a:p>
             <a:pPr lvl="3"/>
@@ -1550,6 +1571,7 @@
               <a:rPr lang="zh-CN" altLang="en-US"/>
               <a:t>第四级</a:t>
             </a:r>
+            <a:endParaRPr lang="zh-CN" altLang="en-US"/>
           </a:p>
           <a:p>
             <a:pPr lvl="4"/>
@@ -1557,6 +1579,7 @@
               <a:rPr lang="zh-CN" altLang="en-US"/>
               <a:t>第五级</a:t>
             </a:r>
+            <a:endParaRPr lang="zh-CN" altLang="en-US"/>
           </a:p>
         </p:txBody>
       </p:sp>
@@ -1577,7 +1600,6 @@
           <a:p>
             <a:fld id="{4142F8C5-6110-4832-8345-11A27B10C923}" type="datetimeFigureOut">
               <a:rPr lang="zh-CN" altLang="en-US" smtClean="0"/>
-              <a:t>2019/12/8</a:t>
             </a:fld>
             <a:endParaRPr lang="zh-CN" altLang="en-US"/>
           </a:p>
@@ -1619,7 +1641,6 @@
           <a:p>
             <a:fld id="{5DF99B69-AF0A-45D5-B71C-45D427141AE4}" type="slidenum">
               <a:rPr lang="zh-CN" altLang="en-US" smtClean="0"/>
-              <a:t>‹#›</a:t>
             </a:fld>
             <a:endParaRPr lang="zh-CN" altLang="en-US"/>
           </a:p>
@@ -1669,6 +1690,7 @@
               <a:rPr lang="zh-CN" altLang="en-US"/>
               <a:t>单击此处编辑母版标题样式</a:t>
             </a:r>
+            <a:endParaRPr lang="zh-CN" altLang="en-US"/>
           </a:p>
         </p:txBody>
       </p:sp>
@@ -1689,7 +1711,6 @@
           <a:p>
             <a:fld id="{4142F8C5-6110-4832-8345-11A27B10C923}" type="datetimeFigureOut">
               <a:rPr lang="zh-CN" altLang="en-US" smtClean="0"/>
-              <a:t>2019/12/8</a:t>
             </a:fld>
             <a:endParaRPr lang="zh-CN" altLang="en-US"/>
           </a:p>
@@ -1731,7 +1752,6 @@
           <a:p>
             <a:fld id="{5DF99B69-AF0A-45D5-B71C-45D427141AE4}" type="slidenum">
               <a:rPr lang="zh-CN" altLang="en-US" smtClean="0"/>
-              <a:t>‹#›</a:t>
             </a:fld>
             <a:endParaRPr lang="zh-CN" altLang="en-US"/>
           </a:p>
@@ -1779,7 +1799,6 @@
           <a:p>
             <a:fld id="{4142F8C5-6110-4832-8345-11A27B10C923}" type="datetimeFigureOut">
               <a:rPr lang="zh-CN" altLang="en-US" smtClean="0"/>
-              <a:t>2019/12/8</a:t>
             </a:fld>
             <a:endParaRPr lang="zh-CN" altLang="en-US"/>
           </a:p>
@@ -1821,7 +1840,6 @@
           <a:p>
             <a:fld id="{5DF99B69-AF0A-45D5-B71C-45D427141AE4}" type="slidenum">
               <a:rPr lang="zh-CN" altLang="en-US" smtClean="0"/>
-              <a:t>‹#›</a:t>
             </a:fld>
             <a:endParaRPr lang="zh-CN" altLang="en-US"/>
           </a:p>
@@ -1880,6 +1898,7 @@
               <a:rPr lang="zh-CN" altLang="en-US"/>
               <a:t>单击此处编辑母版标题样式</a:t>
             </a:r>
+            <a:endParaRPr lang="zh-CN" altLang="en-US"/>
           </a:p>
         </p:txBody>
       </p:sp>
@@ -1936,6 +1955,7 @@
               <a:rPr lang="zh-CN" altLang="en-US"/>
               <a:t>单击此处编辑母版文本样式</a:t>
             </a:r>
+            <a:endParaRPr lang="zh-CN" altLang="en-US"/>
           </a:p>
           <a:p>
             <a:pPr lvl="1"/>
@@ -1943,6 +1963,7 @@
               <a:rPr lang="zh-CN" altLang="en-US"/>
               <a:t>第二级</a:t>
             </a:r>
+            <a:endParaRPr lang="zh-CN" altLang="en-US"/>
           </a:p>
           <a:p>
             <a:pPr lvl="2"/>
@@ -1950,6 +1971,7 @@
               <a:rPr lang="zh-CN" altLang="en-US"/>
               <a:t>第三级</a:t>
             </a:r>
+            <a:endParaRPr lang="zh-CN" altLang="en-US"/>
           </a:p>
           <a:p>
             <a:pPr lvl="3"/>
@@ -1957,6 +1979,7 @@
               <a:rPr lang="zh-CN" altLang="en-US"/>
               <a:t>第四级</a:t>
             </a:r>
+            <a:endParaRPr lang="zh-CN" altLang="en-US"/>
           </a:p>
           <a:p>
             <a:pPr lvl="4"/>
@@ -1964,6 +1987,7 @@
               <a:rPr lang="zh-CN" altLang="en-US"/>
               <a:t>第五级</a:t>
             </a:r>
+            <a:endParaRPr lang="zh-CN" altLang="en-US"/>
           </a:p>
         </p:txBody>
       </p:sp>
@@ -2029,6 +2053,7 @@
               <a:rPr lang="zh-CN" altLang="en-US"/>
               <a:t>单击此处编辑母版文本样式</a:t>
             </a:r>
+            <a:endParaRPr lang="zh-CN" altLang="en-US"/>
           </a:p>
         </p:txBody>
       </p:sp>
@@ -2049,7 +2074,6 @@
           <a:p>
             <a:fld id="{4142F8C5-6110-4832-8345-11A27B10C923}" type="datetimeFigureOut">
               <a:rPr lang="zh-CN" altLang="en-US" smtClean="0"/>
-              <a:t>2019/12/8</a:t>
             </a:fld>
             <a:endParaRPr lang="zh-CN" altLang="en-US"/>
           </a:p>
@@ -2091,7 +2115,6 @@
           <a:p>
             <a:fld id="{5DF99B69-AF0A-45D5-B71C-45D427141AE4}" type="slidenum">
               <a:rPr lang="zh-CN" altLang="en-US" smtClean="0"/>
-              <a:t>‹#›</a:t>
             </a:fld>
             <a:endParaRPr lang="zh-CN" altLang="en-US"/>
           </a:p>
@@ -2150,6 +2173,7 @@
               <a:rPr lang="zh-CN" altLang="en-US"/>
               <a:t>单击此处编辑母版标题样式</a:t>
             </a:r>
+            <a:endParaRPr lang="zh-CN" altLang="en-US"/>
           </a:p>
         </p:txBody>
       </p:sp>
@@ -2276,6 +2300,7 @@
               <a:rPr lang="zh-CN" altLang="en-US"/>
               <a:t>单击此处编辑母版文本样式</a:t>
             </a:r>
+            <a:endParaRPr lang="zh-CN" altLang="en-US"/>
           </a:p>
         </p:txBody>
       </p:sp>
@@ -2296,7 +2321,6 @@
           <a:p>
             <a:fld id="{4142F8C5-6110-4832-8345-11A27B10C923}" type="datetimeFigureOut">
               <a:rPr lang="zh-CN" altLang="en-US" smtClean="0"/>
-              <a:t>2019/12/8</a:t>
             </a:fld>
             <a:endParaRPr lang="zh-CN" altLang="en-US"/>
           </a:p>
@@ -2338,7 +2362,6 @@
           <a:p>
             <a:fld id="{5DF99B69-AF0A-45D5-B71C-45D427141AE4}" type="slidenum">
               <a:rPr lang="zh-CN" altLang="en-US" smtClean="0"/>
-              <a:t>‹#›</a:t>
             </a:fld>
             <a:endParaRPr lang="zh-CN" altLang="en-US"/>
           </a:p>
@@ -2403,6 +2426,7 @@
               <a:rPr lang="zh-CN" altLang="en-US"/>
               <a:t>单击此处编辑母版标题样式</a:t>
             </a:r>
+            <a:endParaRPr lang="zh-CN" altLang="en-US"/>
           </a:p>
         </p:txBody>
       </p:sp>
@@ -2436,6 +2460,7 @@
               <a:rPr lang="zh-CN" altLang="en-US"/>
               <a:t>单击此处编辑母版文本样式</a:t>
             </a:r>
+            <a:endParaRPr lang="zh-CN" altLang="en-US"/>
           </a:p>
           <a:p>
             <a:pPr lvl="1"/>
@@ -2443,6 +2468,7 @@
               <a:rPr lang="zh-CN" altLang="en-US"/>
               <a:t>第二级</a:t>
             </a:r>
+            <a:endParaRPr lang="zh-CN" altLang="en-US"/>
           </a:p>
           <a:p>
             <a:pPr lvl="2"/>
@@ -2450,6 +2476,7 @@
               <a:rPr lang="zh-CN" altLang="en-US"/>
               <a:t>第三级</a:t>
             </a:r>
+            <a:endParaRPr lang="zh-CN" altLang="en-US"/>
           </a:p>
           <a:p>
             <a:pPr lvl="3"/>
@@ -2457,6 +2484,7 @@
               <a:rPr lang="zh-CN" altLang="en-US"/>
               <a:t>第四级</a:t>
             </a:r>
+            <a:endParaRPr lang="zh-CN" altLang="en-US"/>
           </a:p>
           <a:p>
             <a:pPr lvl="4"/>
@@ -2464,6 +2492,7 @@
               <a:rPr lang="zh-CN" altLang="en-US"/>
               <a:t>第五级</a:t>
             </a:r>
+            <a:endParaRPr lang="zh-CN" altLang="en-US"/>
           </a:p>
         </p:txBody>
       </p:sp>
@@ -2502,7 +2531,6 @@
           <a:p>
             <a:fld id="{4142F8C5-6110-4832-8345-11A27B10C923}" type="datetimeFigureOut">
               <a:rPr lang="zh-CN" altLang="en-US" smtClean="0"/>
-              <a:t>2019/12/8</a:t>
             </a:fld>
             <a:endParaRPr lang="zh-CN" altLang="en-US"/>
           </a:p>
@@ -2580,7 +2608,6 @@
           <a:p>
             <a:fld id="{5DF99B69-AF0A-45D5-B71C-45D427141AE4}" type="slidenum">
               <a:rPr lang="zh-CN" altLang="en-US" smtClean="0"/>
-              <a:t>‹#›</a:t>
             </a:fld>
             <a:endParaRPr lang="zh-CN" altLang="en-US"/>
           </a:p>
@@ -2904,13 +2931,7 @@
       </p:grpSpPr>
       <p:sp>
         <p:nvSpPr>
-          <p:cNvPr id="4" name="矩形 3">
-            <a:extLst>
-              <a:ext uri="{FF2B5EF4-FFF2-40B4-BE49-F238E27FC236}">
-                <a16:creationId xmlns:a16="http://schemas.microsoft.com/office/drawing/2014/main" id="{ED526A83-4CC1-4BC4-A433-8E9E075D44AC}"/>
-              </a:ext>
-            </a:extLst>
-          </p:cNvPr>
+          <p:cNvPr id="4" name="矩形 3"/>
           <p:cNvSpPr/>
           <p:nvPr/>
         </p:nvSpPr>
@@ -3208,6 +3229,7 @@
               <a:rPr lang="en-US" altLang="zh-CN" dirty="0"/>
               <a:t>.</a:t>
             </a:r>
+            <a:endParaRPr lang="en-US" altLang="zh-CN" dirty="0"/>
           </a:p>
           <a:p>
             <a:endParaRPr lang="en-US" altLang="zh-CN" dirty="0"/>
@@ -3225,6 +3247,7 @@
               <a:rPr lang="en-US" altLang="zh-CN" dirty="0"/>
               <a:t>,</a:t>
             </a:r>
+            <a:endParaRPr lang="en-US" altLang="zh-CN" dirty="0"/>
           </a:p>
           <a:p>
             <a:r>
@@ -3245,15 +3268,8 @@
       </p:sp>
       <p:cxnSp>
         <p:nvCxnSpPr>
-          <p:cNvPr id="9" name="直接箭头连接符 8">
-            <a:extLst>
-              <a:ext uri="{FF2B5EF4-FFF2-40B4-BE49-F238E27FC236}">
-                <a16:creationId xmlns:a16="http://schemas.microsoft.com/office/drawing/2014/main" id="{09A7CA3E-2524-40E7-8B64-1F1CC7E9EC0E}"/>
-              </a:ext>
-            </a:extLst>
-          </p:cNvPr>
+          <p:cNvPr id="9" name="直接箭头连接符 8"/>
           <p:cNvCxnSpPr>
-            <a:cxnSpLocks/>
             <a:stCxn id="4" idx="3"/>
             <a:endCxn id="13" idx="1"/>
           </p:cNvCxnSpPr>
@@ -3288,13 +3304,7 @@
       </p:cxnSp>
       <p:sp>
         <p:nvSpPr>
-          <p:cNvPr id="13" name="矩形 12">
-            <a:extLst>
-              <a:ext uri="{FF2B5EF4-FFF2-40B4-BE49-F238E27FC236}">
-                <a16:creationId xmlns:a16="http://schemas.microsoft.com/office/drawing/2014/main" id="{5B5AA7DB-C1DF-4899-B6AB-6F84B7750EB9}"/>
-              </a:ext>
-            </a:extLst>
-          </p:cNvPr>
+          <p:cNvPr id="13" name="矩形 12"/>
           <p:cNvSpPr/>
           <p:nvPr/>
         </p:nvSpPr>
@@ -3351,20 +3361,14 @@
               <a:rPr lang="zh-CN" altLang="en-US" dirty="0"/>
               <a:t>方法</a:t>
             </a:r>
+            <a:endParaRPr lang="zh-CN" altLang="en-US" dirty="0"/>
           </a:p>
         </p:txBody>
       </p:sp>
       <p:cxnSp>
         <p:nvCxnSpPr>
-          <p:cNvPr id="17" name="直接箭头连接符 16">
-            <a:extLst>
-              <a:ext uri="{FF2B5EF4-FFF2-40B4-BE49-F238E27FC236}">
-                <a16:creationId xmlns:a16="http://schemas.microsoft.com/office/drawing/2014/main" id="{643F5068-D050-4299-8B79-ADCFC34180EB}"/>
-              </a:ext>
-            </a:extLst>
-          </p:cNvPr>
+          <p:cNvPr id="17" name="直接箭头连接符 16"/>
           <p:cNvCxnSpPr>
-            <a:cxnSpLocks/>
             <a:stCxn id="13" idx="2"/>
             <a:endCxn id="18" idx="0"/>
           </p:cNvCxnSpPr>
@@ -3399,13 +3403,7 @@
       </p:cxnSp>
       <p:sp>
         <p:nvSpPr>
-          <p:cNvPr id="18" name="矩形 17">
-            <a:extLst>
-              <a:ext uri="{FF2B5EF4-FFF2-40B4-BE49-F238E27FC236}">
-                <a16:creationId xmlns:a16="http://schemas.microsoft.com/office/drawing/2014/main" id="{9BC59BB9-74B9-4FE5-830B-ED909365E2FB}"/>
-              </a:ext>
-            </a:extLst>
-          </p:cNvPr>
+          <p:cNvPr id="18" name="矩形 17"/>
           <p:cNvSpPr/>
           <p:nvPr/>
         </p:nvSpPr>
@@ -3462,18 +3460,13 @@
               <a:rPr lang="zh-CN" altLang="en-US" dirty="0"/>
               <a:t>方法</a:t>
             </a:r>
-          </a:p>
-        </p:txBody>
-      </p:sp>
-      <p:sp>
-        <p:nvSpPr>
-          <p:cNvPr id="28" name="矩形 27">
-            <a:extLst>
-              <a:ext uri="{FF2B5EF4-FFF2-40B4-BE49-F238E27FC236}">
-                <a16:creationId xmlns:a16="http://schemas.microsoft.com/office/drawing/2014/main" id="{6C4234F9-019E-4FAD-9D04-5C40145842C5}"/>
-              </a:ext>
-            </a:extLst>
-          </p:cNvPr>
+            <a:endParaRPr lang="zh-CN" altLang="en-US" dirty="0"/>
+          </a:p>
+        </p:txBody>
+      </p:sp>
+      <p:sp>
+        <p:nvSpPr>
+          <p:cNvPr id="28" name="矩形 27"/>
           <p:cNvSpPr/>
           <p:nvPr/>
         </p:nvSpPr>
@@ -3530,18 +3523,13 @@
               <a:rPr lang="zh-CN" altLang="en-US" dirty="0"/>
               <a:t>的创建流程</a:t>
             </a:r>
+            <a:endParaRPr lang="zh-CN" altLang="en-US" dirty="0"/>
           </a:p>
         </p:txBody>
       </p:sp>
       <p:cxnSp>
         <p:nvCxnSpPr>
-          <p:cNvPr id="31" name="直接箭头连接符 30">
-            <a:extLst>
-              <a:ext uri="{FF2B5EF4-FFF2-40B4-BE49-F238E27FC236}">
-                <a16:creationId xmlns:a16="http://schemas.microsoft.com/office/drawing/2014/main" id="{B5BD9B1C-DEB8-477D-802C-54CC927E7A84}"/>
-              </a:ext>
-            </a:extLst>
-          </p:cNvPr>
+          <p:cNvPr id="31" name="直接箭头连接符 30"/>
           <p:cNvCxnSpPr>
             <a:stCxn id="18" idx="2"/>
             <a:endCxn id="28" idx="0"/>
@@ -3577,13 +3565,7 @@
       </p:cxnSp>
       <p:sp>
         <p:nvSpPr>
-          <p:cNvPr id="33" name="文本框 32">
-            <a:extLst>
-              <a:ext uri="{FF2B5EF4-FFF2-40B4-BE49-F238E27FC236}">
-                <a16:creationId xmlns:a16="http://schemas.microsoft.com/office/drawing/2014/main" id="{E1722645-8430-446B-AFF6-BC8BBACC8B4A}"/>
-              </a:ext>
-            </a:extLst>
-          </p:cNvPr>
+          <p:cNvPr id="33" name="文本框 32"/>
           <p:cNvSpPr txBox="1"/>
           <p:nvPr/>
         </p:nvSpPr>
@@ -3659,22 +3641,22 @@
               </a:rPr>
               <a:t>方法</a:t>
             </a:r>
-          </a:p>
-          <a:p>
             <a:endParaRPr lang="zh-CN" altLang="en-US" b="1" dirty="0">
               <a:solidFill>
                 <a:srgbClr val="FF0000"/>
               </a:solidFill>
             </a:endParaRPr>
           </a:p>
+          <a:p>
+            <a:endParaRPr lang="zh-CN" altLang="en-US" b="1" dirty="0">
+              <a:solidFill>
+                <a:srgbClr val="FF0000"/>
+              </a:solidFill>
+            </a:endParaRPr>
+          </a:p>
         </p:txBody>
       </p:sp>
     </p:spTree>
-    <p:extLst>
-      <p:ext uri="{BB962C8B-B14F-4D97-AF65-F5344CB8AC3E}">
-        <p14:creationId xmlns:p14="http://schemas.microsoft.com/office/powerpoint/2010/main" val="3200947246"/>
-      </p:ext>
-    </p:extLst>
   </p:cSld>
   <p:clrMapOvr>
     <a:masterClrMapping/>
@@ -3701,13 +3683,7 @@
       </p:grpSpPr>
       <p:sp>
         <p:nvSpPr>
-          <p:cNvPr id="4" name="矩形 3">
-            <a:extLst>
-              <a:ext uri="{FF2B5EF4-FFF2-40B4-BE49-F238E27FC236}">
-                <a16:creationId xmlns:a16="http://schemas.microsoft.com/office/drawing/2014/main" id="{ED526A83-4CC1-4BC4-A433-8E9E075D44AC}"/>
-              </a:ext>
-            </a:extLst>
-          </p:cNvPr>
+          <p:cNvPr id="4" name="矩形 3"/>
           <p:cNvSpPr/>
           <p:nvPr/>
         </p:nvSpPr>
@@ -3839,6 +3815,7 @@
               <a:rPr lang="en-US" altLang="zh-CN" dirty="0"/>
               <a:t>, bean);</a:t>
             </a:r>
+            <a:endParaRPr lang="en-US" altLang="zh-CN" dirty="0"/>
           </a:p>
           <a:p>
             <a:endParaRPr lang="en-US" altLang="zh-CN" dirty="0"/>
@@ -3902,6 +3879,7 @@
               <a:rPr lang="en-US" altLang="zh-CN" dirty="0"/>
               <a:t>);</a:t>
             </a:r>
+            <a:endParaRPr lang="en-US" altLang="zh-CN" dirty="0"/>
           </a:p>
           <a:p>
             <a:endParaRPr lang="en-US" altLang="zh-CN" dirty="0"/>
@@ -4034,6 +4012,7 @@
               <a:rPr lang="en-US" altLang="zh-CN" dirty="0"/>
               <a:t>);</a:t>
             </a:r>
+            <a:endParaRPr lang="en-US" altLang="zh-CN" dirty="0"/>
           </a:p>
           <a:p>
             <a:endParaRPr lang="en-US" altLang="zh-CN" dirty="0"/>
@@ -4094,12 +4073,14 @@
               <a:rPr lang="en-US" altLang="zh-CN" dirty="0"/>
               <a:t>);</a:t>
             </a:r>
+            <a:endParaRPr lang="en-US" altLang="zh-CN" dirty="0"/>
           </a:p>
           <a:p>
             <a:r>
               <a:rPr lang="en-US" altLang="zh-CN" dirty="0"/>
               <a:t> </a:t>
             </a:r>
+            <a:endParaRPr lang="en-US" altLang="zh-CN" dirty="0"/>
           </a:p>
           <a:p>
             <a:r>
@@ -4113,18 +4094,13 @@
               <a:rPr lang="en-US" altLang="zh-CN" dirty="0"/>
               <a:t>                                                        </a:t>
             </a:r>
-          </a:p>
-        </p:txBody>
-      </p:sp>
-      <p:sp>
-        <p:nvSpPr>
-          <p:cNvPr id="7" name="文本框 6">
-            <a:extLst>
-              <a:ext uri="{FF2B5EF4-FFF2-40B4-BE49-F238E27FC236}">
-                <a16:creationId xmlns:a16="http://schemas.microsoft.com/office/drawing/2014/main" id="{6921E383-6FC9-4542-819A-032FCB4113C8}"/>
-              </a:ext>
-            </a:extLst>
-          </p:cNvPr>
+            <a:endParaRPr lang="en-US" altLang="zh-CN" dirty="0"/>
+          </a:p>
+        </p:txBody>
+      </p:sp>
+      <p:sp>
+        <p:nvSpPr>
+          <p:cNvPr id="7" name="文本框 6"/>
           <p:cNvSpPr txBox="1"/>
           <p:nvPr/>
         </p:nvSpPr>
@@ -4178,13 +4154,7 @@
       </p:sp>
       <p:sp>
         <p:nvSpPr>
-          <p:cNvPr id="10" name="文本框 9">
-            <a:extLst>
-              <a:ext uri="{FF2B5EF4-FFF2-40B4-BE49-F238E27FC236}">
-                <a16:creationId xmlns:a16="http://schemas.microsoft.com/office/drawing/2014/main" id="{6F2F917F-29C8-47E0-97CA-F915AEE4F735}"/>
-              </a:ext>
-            </a:extLst>
-          </p:cNvPr>
+          <p:cNvPr id="10" name="文本框 9"/>
           <p:cNvSpPr txBox="1"/>
           <p:nvPr/>
         </p:nvSpPr>
@@ -4216,15 +4186,11 @@
               <a:rPr lang="zh-CN" altLang="en-US" dirty="0"/>
               <a:t>的初始化方法</a:t>
             </a:r>
+            <a:endParaRPr lang="zh-CN" altLang="en-US" dirty="0"/>
           </a:p>
         </p:txBody>
       </p:sp>
     </p:spTree>
-    <p:extLst>
-      <p:ext uri="{BB962C8B-B14F-4D97-AF65-F5344CB8AC3E}">
-        <p14:creationId xmlns:p14="http://schemas.microsoft.com/office/powerpoint/2010/main" val="615795220"/>
-      </p:ext>
-    </p:extLst>
   </p:cSld>
   <p:clrMapOvr>
     <a:masterClrMapping/>
@@ -4251,13 +4217,7 @@
       </p:grpSpPr>
       <p:sp>
         <p:nvSpPr>
-          <p:cNvPr id="4" name="矩形 3">
-            <a:extLst>
-              <a:ext uri="{FF2B5EF4-FFF2-40B4-BE49-F238E27FC236}">
-                <a16:creationId xmlns:a16="http://schemas.microsoft.com/office/drawing/2014/main" id="{E5A8D80B-E906-4608-8E04-64EF6FB87FE5}"/>
-              </a:ext>
-            </a:extLst>
-          </p:cNvPr>
+          <p:cNvPr id="4" name="矩形 3"/>
           <p:cNvSpPr/>
           <p:nvPr/>
         </p:nvSpPr>
@@ -4324,13 +4284,7 @@
       </p:sp>
       <p:sp>
         <p:nvSpPr>
-          <p:cNvPr id="5" name="文本框 4">
-            <a:extLst>
-              <a:ext uri="{FF2B5EF4-FFF2-40B4-BE49-F238E27FC236}">
-                <a16:creationId xmlns:a16="http://schemas.microsoft.com/office/drawing/2014/main" id="{969CE084-6001-476E-887B-F51A71654890}"/>
-              </a:ext>
-            </a:extLst>
-          </p:cNvPr>
+          <p:cNvPr id="5" name="文本框 4"/>
           <p:cNvSpPr txBox="1"/>
           <p:nvPr/>
         </p:nvSpPr>
@@ -4380,13 +4334,7 @@
       </p:sp>
       <p:sp>
         <p:nvSpPr>
-          <p:cNvPr id="6" name="矩形 5">
-            <a:extLst>
-              <a:ext uri="{FF2B5EF4-FFF2-40B4-BE49-F238E27FC236}">
-                <a16:creationId xmlns:a16="http://schemas.microsoft.com/office/drawing/2014/main" id="{ED9E4378-3B93-4FEF-AD31-2B1CDD075911}"/>
-              </a:ext>
-            </a:extLst>
-          </p:cNvPr>
+          <p:cNvPr id="6" name="矩形 5"/>
           <p:cNvSpPr/>
           <p:nvPr/>
         </p:nvSpPr>
@@ -4431,13 +4379,7 @@
       </p:sp>
       <p:sp>
         <p:nvSpPr>
-          <p:cNvPr id="7" name="矩形 6">
-            <a:extLst>
-              <a:ext uri="{FF2B5EF4-FFF2-40B4-BE49-F238E27FC236}">
-                <a16:creationId xmlns:a16="http://schemas.microsoft.com/office/drawing/2014/main" id="{DBA3A868-5669-4C77-B86B-2350E8135A29}"/>
-              </a:ext>
-            </a:extLst>
-          </p:cNvPr>
+          <p:cNvPr id="7" name="矩形 6"/>
           <p:cNvSpPr/>
           <p:nvPr/>
         </p:nvSpPr>
@@ -4488,15 +4430,8 @@
       </p:sp>
       <p:cxnSp>
         <p:nvCxnSpPr>
-          <p:cNvPr id="9" name="直接箭头连接符 8">
-            <a:extLst>
-              <a:ext uri="{FF2B5EF4-FFF2-40B4-BE49-F238E27FC236}">
-                <a16:creationId xmlns:a16="http://schemas.microsoft.com/office/drawing/2014/main" id="{1B6CD4B8-926E-43CE-B9B5-44E69E4085DB}"/>
-              </a:ext>
-            </a:extLst>
-          </p:cNvPr>
+          <p:cNvPr id="9" name="直接箭头连接符 8"/>
           <p:cNvCxnSpPr>
-            <a:cxnSpLocks/>
             <a:stCxn id="4" idx="2"/>
             <a:endCxn id="7" idx="0"/>
           </p:cNvCxnSpPr>
@@ -4531,13 +4466,7 @@
       </p:cxnSp>
       <p:sp>
         <p:nvSpPr>
-          <p:cNvPr id="13" name="矩形 12">
-            <a:extLst>
-              <a:ext uri="{FF2B5EF4-FFF2-40B4-BE49-F238E27FC236}">
-                <a16:creationId xmlns:a16="http://schemas.microsoft.com/office/drawing/2014/main" id="{666E4585-8593-451D-8559-426E45F91C67}"/>
-              </a:ext>
-            </a:extLst>
-          </p:cNvPr>
+          <p:cNvPr id="13" name="矩形 12"/>
           <p:cNvSpPr/>
           <p:nvPr/>
         </p:nvSpPr>
@@ -4568,18 +4497,13 @@
               <a:rPr lang="zh-CN" altLang="en-US" dirty="0"/>
               <a:t>方法</a:t>
             </a:r>
-          </a:p>
-        </p:txBody>
-      </p:sp>
-      <p:sp>
-        <p:nvSpPr>
-          <p:cNvPr id="19" name="矩形 18">
-            <a:extLst>
-              <a:ext uri="{FF2B5EF4-FFF2-40B4-BE49-F238E27FC236}">
-                <a16:creationId xmlns:a16="http://schemas.microsoft.com/office/drawing/2014/main" id="{52996112-D0F9-4A2B-A05E-58FDFCD71633}"/>
-              </a:ext>
-            </a:extLst>
-          </p:cNvPr>
+            <a:endParaRPr lang="zh-CN" altLang="en-US" dirty="0"/>
+          </a:p>
+        </p:txBody>
+      </p:sp>
+      <p:sp>
+        <p:nvSpPr>
+          <p:cNvPr id="19" name="矩形 18"/>
           <p:cNvSpPr/>
           <p:nvPr/>
         </p:nvSpPr>
@@ -4642,6 +4566,11 @@
               </a:rPr>
               <a:t>对应的通知</a:t>
             </a:r>
+            <a:endParaRPr lang="zh-CN" altLang="en-US" b="1" dirty="0">
+              <a:solidFill>
+                <a:srgbClr val="00B050"/>
+              </a:solidFill>
+            </a:endParaRPr>
           </a:p>
           <a:p>
             <a:r>
@@ -4652,18 +4581,13 @@
               <a:rPr lang="en-US" altLang="zh-CN" dirty="0"/>
               <a:t>()</a:t>
             </a:r>
-          </a:p>
-        </p:txBody>
-      </p:sp>
-      <p:sp>
-        <p:nvSpPr>
-          <p:cNvPr id="21" name="矩形 20">
-            <a:extLst>
-              <a:ext uri="{FF2B5EF4-FFF2-40B4-BE49-F238E27FC236}">
-                <a16:creationId xmlns:a16="http://schemas.microsoft.com/office/drawing/2014/main" id="{0C44554F-1107-4919-90AA-220791FCEA43}"/>
-              </a:ext>
-            </a:extLst>
-          </p:cNvPr>
+            <a:endParaRPr lang="en-US" altLang="zh-CN" dirty="0"/>
+          </a:p>
+        </p:txBody>
+      </p:sp>
+      <p:sp>
+        <p:nvSpPr>
+          <p:cNvPr id="21" name="矩形 20"/>
           <p:cNvSpPr/>
           <p:nvPr/>
         </p:nvSpPr>
@@ -4726,6 +4650,11 @@
               </a:rPr>
               <a:t>对调用动态代理</a:t>
             </a:r>
+            <a:endParaRPr lang="zh-CN" altLang="en-US" b="1" dirty="0">
+              <a:solidFill>
+                <a:srgbClr val="00B050"/>
+              </a:solidFill>
+            </a:endParaRPr>
           </a:p>
           <a:p>
             <a:r>
@@ -4760,6 +4689,11 @@
               </a:rPr>
               <a:t>进行增强</a:t>
             </a:r>
+            <a:endParaRPr lang="zh-CN" altLang="en-US" b="1" dirty="0">
+              <a:solidFill>
+                <a:srgbClr val="00B050"/>
+              </a:solidFill>
+            </a:endParaRPr>
           </a:p>
           <a:p>
             <a:r>
@@ -4770,18 +4704,13 @@
               <a:rPr lang="en-US" altLang="zh-CN" dirty="0"/>
               <a:t>()</a:t>
             </a:r>
-          </a:p>
-        </p:txBody>
-      </p:sp>
-      <p:sp>
-        <p:nvSpPr>
-          <p:cNvPr id="26" name="矩形 25">
-            <a:extLst>
-              <a:ext uri="{FF2B5EF4-FFF2-40B4-BE49-F238E27FC236}">
-                <a16:creationId xmlns:a16="http://schemas.microsoft.com/office/drawing/2014/main" id="{3B9BC524-7B26-4F5C-82DA-C95844C4795C}"/>
-              </a:ext>
-            </a:extLst>
-          </p:cNvPr>
+            <a:endParaRPr lang="en-US" altLang="zh-CN" dirty="0"/>
+          </a:p>
+        </p:txBody>
+      </p:sp>
+      <p:sp>
+        <p:nvSpPr>
+          <p:cNvPr id="26" name="矩形 25"/>
           <p:cNvSpPr/>
           <p:nvPr/>
         </p:nvSpPr>
@@ -4826,13 +4755,7 @@
       </p:sp>
       <p:sp>
         <p:nvSpPr>
-          <p:cNvPr id="27" name="矩形 26">
-            <a:extLst>
-              <a:ext uri="{FF2B5EF4-FFF2-40B4-BE49-F238E27FC236}">
-                <a16:creationId xmlns:a16="http://schemas.microsoft.com/office/drawing/2014/main" id="{8B9F33FD-8DD7-47B9-A291-3F6D741EF84E}"/>
-              </a:ext>
-            </a:extLst>
-          </p:cNvPr>
+          <p:cNvPr id="27" name="矩形 26"/>
           <p:cNvSpPr/>
           <p:nvPr/>
         </p:nvSpPr>
@@ -4921,13 +4844,7 @@
       </p:sp>
       <p:sp>
         <p:nvSpPr>
-          <p:cNvPr id="28" name="矩形 27">
-            <a:extLst>
-              <a:ext uri="{FF2B5EF4-FFF2-40B4-BE49-F238E27FC236}">
-                <a16:creationId xmlns:a16="http://schemas.microsoft.com/office/drawing/2014/main" id="{F6524F8D-01BA-4526-8CE2-33C199DECDA6}"/>
-              </a:ext>
-            </a:extLst>
-          </p:cNvPr>
+          <p:cNvPr id="28" name="矩形 27"/>
           <p:cNvSpPr/>
           <p:nvPr/>
         </p:nvSpPr>
@@ -4958,18 +4875,13 @@
               <a:rPr lang="zh-CN" altLang="en-US" dirty="0"/>
               <a:t>方法</a:t>
             </a:r>
-          </a:p>
-        </p:txBody>
-      </p:sp>
-      <p:sp>
-        <p:nvSpPr>
-          <p:cNvPr id="29" name="矩形 28">
-            <a:extLst>
-              <a:ext uri="{FF2B5EF4-FFF2-40B4-BE49-F238E27FC236}">
-                <a16:creationId xmlns:a16="http://schemas.microsoft.com/office/drawing/2014/main" id="{550C395A-DA1F-44F3-8222-90D9F64A4C19}"/>
-              </a:ext>
-            </a:extLst>
-          </p:cNvPr>
+            <a:endParaRPr lang="zh-CN" altLang="en-US" dirty="0"/>
+          </a:p>
+        </p:txBody>
+      </p:sp>
+      <p:sp>
+        <p:nvSpPr>
+          <p:cNvPr id="29" name="矩形 28"/>
           <p:cNvSpPr/>
           <p:nvPr/>
         </p:nvSpPr>
@@ -5014,13 +4926,7 @@
       </p:sp>
       <p:cxnSp>
         <p:nvCxnSpPr>
-          <p:cNvPr id="31" name="连接符: 肘形 30">
-            <a:extLst>
-              <a:ext uri="{FF2B5EF4-FFF2-40B4-BE49-F238E27FC236}">
-                <a16:creationId xmlns:a16="http://schemas.microsoft.com/office/drawing/2014/main" id="{ECC9752A-52B9-40F5-980D-FA612942A83A}"/>
-              </a:ext>
-            </a:extLst>
-          </p:cNvPr>
+          <p:cNvPr id="31" name="连接符: 肘形 30"/>
           <p:cNvCxnSpPr>
             <a:stCxn id="19" idx="3"/>
             <a:endCxn id="27" idx="1"/>
@@ -5058,13 +4964,7 @@
       </p:cxnSp>
       <p:sp>
         <p:nvSpPr>
-          <p:cNvPr id="33" name="矩形 32">
-            <a:extLst>
-              <a:ext uri="{FF2B5EF4-FFF2-40B4-BE49-F238E27FC236}">
-                <a16:creationId xmlns:a16="http://schemas.microsoft.com/office/drawing/2014/main" id="{75828D48-AD46-4909-830B-F65DB991AEDA}"/>
-              </a:ext>
-            </a:extLst>
-          </p:cNvPr>
+          <p:cNvPr id="33" name="矩形 32"/>
           <p:cNvSpPr/>
           <p:nvPr/>
         </p:nvSpPr>
@@ -5149,13 +5049,7 @@
       </p:sp>
       <p:sp>
         <p:nvSpPr>
-          <p:cNvPr id="34" name="矩形 33">
-            <a:extLst>
-              <a:ext uri="{FF2B5EF4-FFF2-40B4-BE49-F238E27FC236}">
-                <a16:creationId xmlns:a16="http://schemas.microsoft.com/office/drawing/2014/main" id="{98A7C771-F615-4054-A0D5-B029205869EB}"/>
-              </a:ext>
-            </a:extLst>
-          </p:cNvPr>
+          <p:cNvPr id="34" name="矩形 33"/>
           <p:cNvSpPr/>
           <p:nvPr/>
         </p:nvSpPr>
@@ -5186,18 +5080,13 @@
               <a:rPr lang="zh-CN" altLang="en-US" dirty="0"/>
               <a:t>方法</a:t>
             </a:r>
-          </a:p>
-        </p:txBody>
-      </p:sp>
-      <p:sp>
-        <p:nvSpPr>
-          <p:cNvPr id="36" name="矩形 35">
-            <a:extLst>
-              <a:ext uri="{FF2B5EF4-FFF2-40B4-BE49-F238E27FC236}">
-                <a16:creationId xmlns:a16="http://schemas.microsoft.com/office/drawing/2014/main" id="{756A32C2-B2F2-450C-A538-2A411DDA04E3}"/>
-              </a:ext>
-            </a:extLst>
-          </p:cNvPr>
+            <a:endParaRPr lang="zh-CN" altLang="en-US" dirty="0"/>
+          </a:p>
+        </p:txBody>
+      </p:sp>
+      <p:sp>
+        <p:nvSpPr>
+          <p:cNvPr id="36" name="矩形 35"/>
           <p:cNvSpPr/>
           <p:nvPr/>
         </p:nvSpPr>
@@ -5242,20 +5131,14 @@
       </p:sp>
       <p:sp>
         <p:nvSpPr>
-          <p:cNvPr id="37" name="矩形 36">
-            <a:extLst>
-              <a:ext uri="{FF2B5EF4-FFF2-40B4-BE49-F238E27FC236}">
-                <a16:creationId xmlns:a16="http://schemas.microsoft.com/office/drawing/2014/main" id="{D802972C-C99D-4F5C-B7E9-5CA3015BEEC3}"/>
-              </a:ext>
-            </a:extLst>
-          </p:cNvPr>
+          <p:cNvPr id="37" name="矩形 36"/>
           <p:cNvSpPr/>
           <p:nvPr/>
         </p:nvSpPr>
         <p:spPr>
           <a:xfrm>
-            <a:off x="7356783" y="5087454"/>
-            <a:ext cx="4559549" cy="1097781"/>
+            <a:off x="7356475" y="5087620"/>
+            <a:ext cx="4559300" cy="504190"/>
           </a:xfrm>
           <a:prstGeom prst="rect">
             <a:avLst/>
@@ -5294,54 +5177,25 @@
           <a:lstStyle/>
           <a:p>
             <a:r>
-              <a:rPr lang="en-US" altLang="zh-CN" dirty="0"/>
-              <a:t>(1)</a:t>
-            </a:r>
-            <a:r>
               <a:rPr lang="zh-CN" altLang="en-US" dirty="0"/>
-              <a:t>创建代理工场</a:t>
-            </a:r>
-            <a:r>
-              <a:rPr lang="en-US" altLang="zh-CN" dirty="0" err="1"/>
-              <a:t>ProxyFactory</a:t>
-            </a:r>
-            <a:endParaRPr lang="en-US" altLang="zh-CN" dirty="0"/>
-          </a:p>
-          <a:p>
-            <a:r>
-              <a:rPr lang="en-US" altLang="zh-CN" dirty="0"/>
-              <a:t>(2)</a:t>
+              <a:t>利用</a:t>
+            </a:r>
+            <a:r>
+              <a:rPr lang="en-US" altLang="zh-CN" dirty="0"/>
+              <a:t>CGLIB</a:t>
             </a:r>
             <a:r>
               <a:rPr lang="zh-CN" altLang="en-US" dirty="0"/>
-              <a:t>进行一些其他的预处理工作</a:t>
-            </a:r>
-            <a:endParaRPr lang="en-US" altLang="zh-CN" dirty="0"/>
-          </a:p>
-          <a:p>
-            <a:r>
-              <a:rPr lang="en-US" altLang="zh-CN" dirty="0"/>
-              <a:t>(3)</a:t>
-            </a:r>
-            <a:r>
-              <a:rPr lang="zh-CN" altLang="en-US" dirty="0"/>
-              <a:t>调用真正对当前对象进行代理增强的方法</a:t>
-            </a:r>
-            <a:endParaRPr lang="en-US" altLang="zh-CN" dirty="0"/>
+              <a:t>进行代理增强</a:t>
+            </a:r>
+            <a:endParaRPr lang="zh-CN" altLang="en-US" dirty="0"/>
           </a:p>
         </p:txBody>
       </p:sp>
       <p:cxnSp>
         <p:nvCxnSpPr>
-          <p:cNvPr id="39" name="连接符: 肘形 38">
-            <a:extLst>
-              <a:ext uri="{FF2B5EF4-FFF2-40B4-BE49-F238E27FC236}">
-                <a16:creationId xmlns:a16="http://schemas.microsoft.com/office/drawing/2014/main" id="{5ECE0F3D-C014-4E61-B965-DF1A3F1DDDAF}"/>
-              </a:ext>
-            </a:extLst>
-          </p:cNvPr>
+          <p:cNvPr id="39" name="连接符: 肘形 38"/>
           <p:cNvCxnSpPr>
-            <a:cxnSpLocks/>
             <a:stCxn id="21" idx="3"/>
             <a:endCxn id="33" idx="1"/>
           </p:cNvCxnSpPr>
@@ -5378,13 +5232,7 @@
       </p:cxnSp>
       <p:sp>
         <p:nvSpPr>
-          <p:cNvPr id="47" name="矩形 46">
-            <a:extLst>
-              <a:ext uri="{FF2B5EF4-FFF2-40B4-BE49-F238E27FC236}">
-                <a16:creationId xmlns:a16="http://schemas.microsoft.com/office/drawing/2014/main" id="{F63C74F0-C966-4C51-898D-4A9C1BED05FB}"/>
-              </a:ext>
-            </a:extLst>
-          </p:cNvPr>
+          <p:cNvPr id="47" name="矩形 46"/>
           <p:cNvSpPr/>
           <p:nvPr/>
         </p:nvSpPr>
@@ -5415,24 +5263,19 @@
               <a:rPr lang="zh-CN" altLang="en-US" dirty="0"/>
               <a:t>方法</a:t>
             </a:r>
-          </a:p>
-        </p:txBody>
-      </p:sp>
-      <p:sp>
-        <p:nvSpPr>
-          <p:cNvPr id="48" name="矩形 47">
-            <a:extLst>
-              <a:ext uri="{FF2B5EF4-FFF2-40B4-BE49-F238E27FC236}">
-                <a16:creationId xmlns:a16="http://schemas.microsoft.com/office/drawing/2014/main" id="{98CF9A32-D027-46B6-B771-DE0DA1E96272}"/>
-              </a:ext>
-            </a:extLst>
-          </p:cNvPr>
+            <a:endParaRPr lang="zh-CN" altLang="en-US" dirty="0"/>
+          </a:p>
+        </p:txBody>
+      </p:sp>
+      <p:sp>
+        <p:nvSpPr>
+          <p:cNvPr id="48" name="矩形 47"/>
           <p:cNvSpPr/>
           <p:nvPr/>
         </p:nvSpPr>
         <p:spPr>
           <a:xfrm>
-            <a:off x="8859234" y="6185235"/>
+            <a:off x="8705564" y="5783280"/>
             <a:ext cx="3210046" cy="369332"/>
           </a:xfrm>
           <a:prstGeom prst="rect">
@@ -5471,13 +5314,7 @@
       </p:sp>
       <p:cxnSp>
         <p:nvCxnSpPr>
-          <p:cNvPr id="50" name="直接箭头连接符 49">
-            <a:extLst>
-              <a:ext uri="{FF2B5EF4-FFF2-40B4-BE49-F238E27FC236}">
-                <a16:creationId xmlns:a16="http://schemas.microsoft.com/office/drawing/2014/main" id="{CA87DF38-7614-4DA5-9B1A-57679929BBF6}"/>
-              </a:ext>
-            </a:extLst>
-          </p:cNvPr>
+          <p:cNvPr id="50" name="直接箭头连接符 49"/>
           <p:cNvCxnSpPr>
             <a:stCxn id="33" idx="2"/>
             <a:endCxn id="37" idx="0"/>
@@ -5486,8 +5323,8 @@
         </p:nvCxnSpPr>
         <p:spPr>
           <a:xfrm>
-            <a:off x="9636558" y="4142677"/>
-            <a:ext cx="0" cy="944777"/>
+            <a:off x="9635923" y="4142677"/>
+            <a:ext cx="0" cy="944880"/>
           </a:xfrm>
           <a:prstGeom prst="straightConnector1">
             <a:avLst/>
@@ -5512,11 +5349,6 @@
         </p:style>
       </p:cxnSp>
     </p:spTree>
-    <p:extLst>
-      <p:ext uri="{BB962C8B-B14F-4D97-AF65-F5344CB8AC3E}">
-        <p14:creationId xmlns:p14="http://schemas.microsoft.com/office/powerpoint/2010/main" val="926069719"/>
-      </p:ext>
-    </p:extLst>
   </p:cSld>
   <p:clrMapOvr>
     <a:masterClrMapping/>
@@ -5775,8 +5607,6 @@
       </a:bgFillStyleLst>
     </a:fmtScheme>
   </a:themeElements>
-  <a:objectDefaults/>
-  <a:extraClrSchemeLst/>
   <a:extLst>
     <a:ext uri="{05A4C25C-085E-4340-85A3-A5531E510DB2}">
       <thm15:themeFamily xmlns:thm15="http://schemas.microsoft.com/office/thememl/2012/main" name="Office Theme" id="{62F939B6-93AF-4DB8-9C6B-D6C7DFDC589F}" vid="{4A3C46E8-61CC-4603-A589-7422A47A8E4A}"/>

--- a/src/test/resources/docs/AOP源码解读.pptx
+++ b/src/test/resources/docs/AOP源码解读.pptx
@@ -4,10 +4,15 @@
   <p:sldMasterIdLst>
     <p:sldMasterId id="2147483648" r:id="rId1"/>
   </p:sldMasterIdLst>
+  <p:notesMasterIdLst>
+    <p:notesMasterId r:id="rId7"/>
+  </p:notesMasterIdLst>
   <p:sldIdLst>
     <p:sldId id="263" r:id="rId2"/>
     <p:sldId id="264" r:id="rId3"/>
     <p:sldId id="265" r:id="rId4"/>
+    <p:sldId id="266" r:id="rId5"/>
+    <p:sldId id="256" r:id="rId6"/>
   </p:sldIdLst>
   <p:sldSz cx="12192000" cy="6858000"/>
   <p:notesSz cx="6858000" cy="9144000"/>
@@ -116,14 +121,436 @@
 
 <file path=ppt/commentAuthors.xml><?xml version="1.0" encoding="utf-8"?>
 <p:cmAuthorLst xmlns:a="http://schemas.openxmlformats.org/drawingml/2006/main" xmlns:r="http://schemas.openxmlformats.org/officeDocument/2006/relationships" xmlns:p="http://schemas.openxmlformats.org/presentationml/2006/main">
-  <p:cmAuthor id="1" name="chuan sun" initials="cs" lastIdx="2" clrIdx="0">
+  <p:cmAuthor id="1" name="chuan sun" initials="cs" lastIdx="2" clrIdx="0"/>
+</p:cmAuthorLst>
+</file>
+
+<file path=ppt/notesMasters/notesMaster1.xml><?xml version="1.0" encoding="utf-8"?>
+<p:notesMaster xmlns:a="http://schemas.openxmlformats.org/drawingml/2006/main" xmlns:r="http://schemas.openxmlformats.org/officeDocument/2006/relationships" xmlns:p="http://schemas.openxmlformats.org/presentationml/2006/main">
+  <p:cSld>
+    <p:bg>
+      <p:bgRef idx="1001">
+        <a:schemeClr val="bg1"/>
+      </p:bgRef>
+    </p:bg>
+    <p:spTree>
+      <p:nvGrpSpPr>
+        <p:cNvPr id="1" name=""/>
+        <p:cNvGrpSpPr/>
+        <p:nvPr/>
+      </p:nvGrpSpPr>
+      <p:grpSpPr>
+        <a:xfrm>
+          <a:off x="0" y="0"/>
+          <a:ext cx="0" cy="0"/>
+          <a:chOff x="0" y="0"/>
+          <a:chExt cx="0" cy="0"/>
+        </a:xfrm>
+      </p:grpSpPr>
+      <p:sp>
+        <p:nvSpPr>
+          <p:cNvPr id="2" name="页眉占位符 1"/>
+          <p:cNvSpPr>
+            <a:spLocks noGrp="1"/>
+          </p:cNvSpPr>
+          <p:nvPr>
+            <p:ph type="hdr" sz="quarter"/>
+          </p:nvPr>
+        </p:nvSpPr>
+        <p:spPr>
+          <a:xfrm>
+            <a:off x="0" y="0"/>
+            <a:ext cx="2971800" cy="458788"/>
+          </a:xfrm>
+          <a:prstGeom prst="rect">
+            <a:avLst/>
+          </a:prstGeom>
+        </p:spPr>
+        <p:txBody>
+          <a:bodyPr vert="horz" lIns="91440" tIns="45720" rIns="91440" bIns="45720" rtlCol="0"/>
+          <a:lstStyle>
+            <a:lvl1pPr algn="l">
+              <a:defRPr sz="1200"/>
+            </a:lvl1pPr>
+          </a:lstStyle>
+          <a:p>
+            <a:endParaRPr lang="zh-CN" altLang="en-US"/>
+          </a:p>
+        </p:txBody>
+      </p:sp>
+      <p:sp>
+        <p:nvSpPr>
+          <p:cNvPr id="3" name="日期占位符 2"/>
+          <p:cNvSpPr>
+            <a:spLocks noGrp="1"/>
+          </p:cNvSpPr>
+          <p:nvPr>
+            <p:ph type="dt" idx="1"/>
+          </p:nvPr>
+        </p:nvSpPr>
+        <p:spPr>
+          <a:xfrm>
+            <a:off x="3884613" y="0"/>
+            <a:ext cx="2971800" cy="458788"/>
+          </a:xfrm>
+          <a:prstGeom prst="rect">
+            <a:avLst/>
+          </a:prstGeom>
+        </p:spPr>
+        <p:txBody>
+          <a:bodyPr vert="horz" lIns="91440" tIns="45720" rIns="91440" bIns="45720" rtlCol="0"/>
+          <a:lstStyle>
+            <a:lvl1pPr algn="r">
+              <a:defRPr sz="1200"/>
+            </a:lvl1pPr>
+          </a:lstStyle>
+          <a:p>
+            <a:fld id="{090AB8DB-1DFA-46D8-9DED-C14732E30BDC}" type="datetimeFigureOut">
+              <a:rPr lang="zh-CN" altLang="en-US" smtClean="0"/>
+              <a:t>2019/12/11</a:t>
+            </a:fld>
+            <a:endParaRPr lang="zh-CN" altLang="en-US"/>
+          </a:p>
+        </p:txBody>
+      </p:sp>
+      <p:sp>
+        <p:nvSpPr>
+          <p:cNvPr id="4" name="幻灯片图像占位符 3"/>
+          <p:cNvSpPr>
+            <a:spLocks noGrp="1" noRot="1" noChangeAspect="1"/>
+          </p:cNvSpPr>
+          <p:nvPr>
+            <p:ph type="sldImg" idx="2"/>
+          </p:nvPr>
+        </p:nvSpPr>
+        <p:spPr>
+          <a:xfrm>
+            <a:off x="685800" y="1143000"/>
+            <a:ext cx="5486400" cy="3086100"/>
+          </a:xfrm>
+          <a:prstGeom prst="rect">
+            <a:avLst/>
+          </a:prstGeom>
+          <a:noFill/>
+          <a:ln w="12700">
+            <a:solidFill>
+              <a:prstClr val="black"/>
+            </a:solidFill>
+          </a:ln>
+        </p:spPr>
+        <p:txBody>
+          <a:bodyPr vert="horz" lIns="91440" tIns="45720" rIns="91440" bIns="45720" rtlCol="0" anchor="ctr"/>
+          <a:lstStyle/>
+          <a:p>
+            <a:endParaRPr lang="zh-CN" altLang="en-US"/>
+          </a:p>
+        </p:txBody>
+      </p:sp>
+      <p:sp>
+        <p:nvSpPr>
+          <p:cNvPr id="5" name="备注占位符 4"/>
+          <p:cNvSpPr>
+            <a:spLocks noGrp="1"/>
+          </p:cNvSpPr>
+          <p:nvPr>
+            <p:ph type="body" sz="quarter" idx="3"/>
+          </p:nvPr>
+        </p:nvSpPr>
+        <p:spPr>
+          <a:xfrm>
+            <a:off x="685800" y="4400550"/>
+            <a:ext cx="5486400" cy="3600450"/>
+          </a:xfrm>
+          <a:prstGeom prst="rect">
+            <a:avLst/>
+          </a:prstGeom>
+        </p:spPr>
+        <p:txBody>
+          <a:bodyPr vert="horz" lIns="91440" tIns="45720" rIns="91440" bIns="45720" rtlCol="0"/>
+          <a:lstStyle/>
+          <a:p>
+            <a:pPr lvl="0"/>
+            <a:r>
+              <a:rPr lang="zh-CN" altLang="en-US"/>
+              <a:t>单击此处编辑母版文本样式</a:t>
+            </a:r>
+          </a:p>
+          <a:p>
+            <a:pPr lvl="1"/>
+            <a:r>
+              <a:rPr lang="zh-CN" altLang="en-US"/>
+              <a:t>二级</a:t>
+            </a:r>
+          </a:p>
+          <a:p>
+            <a:pPr lvl="2"/>
+            <a:r>
+              <a:rPr lang="zh-CN" altLang="en-US"/>
+              <a:t>三级</a:t>
+            </a:r>
+          </a:p>
+          <a:p>
+            <a:pPr lvl="3"/>
+            <a:r>
+              <a:rPr lang="zh-CN" altLang="en-US"/>
+              <a:t>四级</a:t>
+            </a:r>
+          </a:p>
+          <a:p>
+            <a:pPr lvl="4"/>
+            <a:r>
+              <a:rPr lang="zh-CN" altLang="en-US"/>
+              <a:t>五级</a:t>
+            </a:r>
+          </a:p>
+        </p:txBody>
+      </p:sp>
+      <p:sp>
+        <p:nvSpPr>
+          <p:cNvPr id="6" name="页脚占位符 5"/>
+          <p:cNvSpPr>
+            <a:spLocks noGrp="1"/>
+          </p:cNvSpPr>
+          <p:nvPr>
+            <p:ph type="ftr" sz="quarter" idx="4"/>
+          </p:nvPr>
+        </p:nvSpPr>
+        <p:spPr>
+          <a:xfrm>
+            <a:off x="0" y="8685213"/>
+            <a:ext cx="2971800" cy="458787"/>
+          </a:xfrm>
+          <a:prstGeom prst="rect">
+            <a:avLst/>
+          </a:prstGeom>
+        </p:spPr>
+        <p:txBody>
+          <a:bodyPr vert="horz" lIns="91440" tIns="45720" rIns="91440" bIns="45720" rtlCol="0" anchor="b"/>
+          <a:lstStyle>
+            <a:lvl1pPr algn="l">
+              <a:defRPr sz="1200"/>
+            </a:lvl1pPr>
+          </a:lstStyle>
+          <a:p>
+            <a:endParaRPr lang="zh-CN" altLang="en-US"/>
+          </a:p>
+        </p:txBody>
+      </p:sp>
+      <p:sp>
+        <p:nvSpPr>
+          <p:cNvPr id="7" name="灯片编号占位符 6"/>
+          <p:cNvSpPr>
+            <a:spLocks noGrp="1"/>
+          </p:cNvSpPr>
+          <p:nvPr>
+            <p:ph type="sldNum" sz="quarter" idx="5"/>
+          </p:nvPr>
+        </p:nvSpPr>
+        <p:spPr>
+          <a:xfrm>
+            <a:off x="3884613" y="8685213"/>
+            <a:ext cx="2971800" cy="458787"/>
+          </a:xfrm>
+          <a:prstGeom prst="rect">
+            <a:avLst/>
+          </a:prstGeom>
+        </p:spPr>
+        <p:txBody>
+          <a:bodyPr vert="horz" lIns="91440" tIns="45720" rIns="91440" bIns="45720" rtlCol="0" anchor="b"/>
+          <a:lstStyle>
+            <a:lvl1pPr algn="r">
+              <a:defRPr sz="1200"/>
+            </a:lvl1pPr>
+          </a:lstStyle>
+          <a:p>
+            <a:fld id="{9B70EFDD-BB9F-4E09-9370-689B0B1EC185}" type="slidenum">
+              <a:rPr lang="zh-CN" altLang="en-US" smtClean="0"/>
+              <a:t>‹#›</a:t>
+            </a:fld>
+            <a:endParaRPr lang="zh-CN" altLang="en-US"/>
+          </a:p>
+        </p:txBody>
+      </p:sp>
+    </p:spTree>
     <p:extLst>
-      <p:ext uri="{19B8F6BF-5375-455C-9EA6-DF929625EA0E}">
-        <p15:presenceInfo xmlns:p15="http://schemas.microsoft.com/office/powerpoint/2012/main" userId="fb19eb1c24651d0a" providerId="Windows Live"/>
+      <p:ext uri="{BB962C8B-B14F-4D97-AF65-F5344CB8AC3E}">
+        <p14:creationId xmlns:p14="http://schemas.microsoft.com/office/powerpoint/2010/main" val="364179061"/>
       </p:ext>
     </p:extLst>
-  </p:cmAuthor>
-</p:cmAuthorLst>
+  </p:cSld>
+  <p:clrMap bg1="lt1" tx1="dk1" bg2="lt2" tx2="dk2" accent1="accent1" accent2="accent2" accent3="accent3" accent4="accent4" accent5="accent5" accent6="accent6" hlink="hlink" folHlink="folHlink"/>
+  <p:notesStyle>
+    <a:lvl1pPr marL="0" algn="l" defTabSz="914400" rtl="0" eaLnBrk="1" latinLnBrk="0" hangingPunct="1">
+      <a:defRPr sz="1200" kern="1200">
+        <a:solidFill>
+          <a:schemeClr val="tx1"/>
+        </a:solidFill>
+        <a:latin typeface="+mn-lt"/>
+        <a:ea typeface="+mn-ea"/>
+        <a:cs typeface="+mn-cs"/>
+      </a:defRPr>
+    </a:lvl1pPr>
+    <a:lvl2pPr marL="457200" algn="l" defTabSz="914400" rtl="0" eaLnBrk="1" latinLnBrk="0" hangingPunct="1">
+      <a:defRPr sz="1200" kern="1200">
+        <a:solidFill>
+          <a:schemeClr val="tx1"/>
+        </a:solidFill>
+        <a:latin typeface="+mn-lt"/>
+        <a:ea typeface="+mn-ea"/>
+        <a:cs typeface="+mn-cs"/>
+      </a:defRPr>
+    </a:lvl2pPr>
+    <a:lvl3pPr marL="914400" algn="l" defTabSz="914400" rtl="0" eaLnBrk="1" latinLnBrk="0" hangingPunct="1">
+      <a:defRPr sz="1200" kern="1200">
+        <a:solidFill>
+          <a:schemeClr val="tx1"/>
+        </a:solidFill>
+        <a:latin typeface="+mn-lt"/>
+        <a:ea typeface="+mn-ea"/>
+        <a:cs typeface="+mn-cs"/>
+      </a:defRPr>
+    </a:lvl3pPr>
+    <a:lvl4pPr marL="1371600" algn="l" defTabSz="914400" rtl="0" eaLnBrk="1" latinLnBrk="0" hangingPunct="1">
+      <a:defRPr sz="1200" kern="1200">
+        <a:solidFill>
+          <a:schemeClr val="tx1"/>
+        </a:solidFill>
+        <a:latin typeface="+mn-lt"/>
+        <a:ea typeface="+mn-ea"/>
+        <a:cs typeface="+mn-cs"/>
+      </a:defRPr>
+    </a:lvl4pPr>
+    <a:lvl5pPr marL="1828800" algn="l" defTabSz="914400" rtl="0" eaLnBrk="1" latinLnBrk="0" hangingPunct="1">
+      <a:defRPr sz="1200" kern="1200">
+        <a:solidFill>
+          <a:schemeClr val="tx1"/>
+        </a:solidFill>
+        <a:latin typeface="+mn-lt"/>
+        <a:ea typeface="+mn-ea"/>
+        <a:cs typeface="+mn-cs"/>
+      </a:defRPr>
+    </a:lvl5pPr>
+    <a:lvl6pPr marL="2286000" algn="l" defTabSz="914400" rtl="0" eaLnBrk="1" latinLnBrk="0" hangingPunct="1">
+      <a:defRPr sz="1200" kern="1200">
+        <a:solidFill>
+          <a:schemeClr val="tx1"/>
+        </a:solidFill>
+        <a:latin typeface="+mn-lt"/>
+        <a:ea typeface="+mn-ea"/>
+        <a:cs typeface="+mn-cs"/>
+      </a:defRPr>
+    </a:lvl6pPr>
+    <a:lvl7pPr marL="2743200" algn="l" defTabSz="914400" rtl="0" eaLnBrk="1" latinLnBrk="0" hangingPunct="1">
+      <a:defRPr sz="1200" kern="1200">
+        <a:solidFill>
+          <a:schemeClr val="tx1"/>
+        </a:solidFill>
+        <a:latin typeface="+mn-lt"/>
+        <a:ea typeface="+mn-ea"/>
+        <a:cs typeface="+mn-cs"/>
+      </a:defRPr>
+    </a:lvl7pPr>
+    <a:lvl8pPr marL="3200400" algn="l" defTabSz="914400" rtl="0" eaLnBrk="1" latinLnBrk="0" hangingPunct="1">
+      <a:defRPr sz="1200" kern="1200">
+        <a:solidFill>
+          <a:schemeClr val="tx1"/>
+        </a:solidFill>
+        <a:latin typeface="+mn-lt"/>
+        <a:ea typeface="+mn-ea"/>
+        <a:cs typeface="+mn-cs"/>
+      </a:defRPr>
+    </a:lvl8pPr>
+    <a:lvl9pPr marL="3657600" algn="l" defTabSz="914400" rtl="0" eaLnBrk="1" latinLnBrk="0" hangingPunct="1">
+      <a:defRPr sz="1200" kern="1200">
+        <a:solidFill>
+          <a:schemeClr val="tx1"/>
+        </a:solidFill>
+        <a:latin typeface="+mn-lt"/>
+        <a:ea typeface="+mn-ea"/>
+        <a:cs typeface="+mn-cs"/>
+      </a:defRPr>
+    </a:lvl9pPr>
+  </p:notesStyle>
+</p:notesMaster>
+</file>
+
+<file path=ppt/notesSlides/notesSlide1.xml><?xml version="1.0" encoding="utf-8"?>
+<p:notes xmlns:a="http://schemas.openxmlformats.org/drawingml/2006/main" xmlns:r="http://schemas.openxmlformats.org/officeDocument/2006/relationships" xmlns:p="http://schemas.openxmlformats.org/presentationml/2006/main">
+  <p:cSld>
+    <p:spTree>
+      <p:nvGrpSpPr>
+        <p:cNvPr id="1" name=""/>
+        <p:cNvGrpSpPr/>
+        <p:nvPr/>
+      </p:nvGrpSpPr>
+      <p:grpSpPr>
+        <a:xfrm>
+          <a:off x="0" y="0"/>
+          <a:ext cx="0" cy="0"/>
+          <a:chOff x="0" y="0"/>
+          <a:chExt cx="0" cy="0"/>
+        </a:xfrm>
+      </p:grpSpPr>
+      <p:sp>
+        <p:nvSpPr>
+          <p:cNvPr id="2" name="幻灯片图像占位符 1"/>
+          <p:cNvSpPr>
+            <a:spLocks noGrp="1" noRot="1" noChangeAspect="1"/>
+          </p:cNvSpPr>
+          <p:nvPr>
+            <p:ph type="sldImg"/>
+          </p:nvPr>
+        </p:nvSpPr>
+        <p:spPr/>
+      </p:sp>
+      <p:sp>
+        <p:nvSpPr>
+          <p:cNvPr id="3" name="备注占位符 2"/>
+          <p:cNvSpPr>
+            <a:spLocks noGrp="1"/>
+          </p:cNvSpPr>
+          <p:nvPr>
+            <p:ph type="body" idx="1"/>
+          </p:nvPr>
+        </p:nvSpPr>
+        <p:spPr/>
+        <p:txBody>
+          <a:bodyPr/>
+          <a:lstStyle/>
+          <a:p>
+            <a:endParaRPr lang="zh-CN" altLang="en-US"/>
+          </a:p>
+        </p:txBody>
+      </p:sp>
+      <p:sp>
+        <p:nvSpPr>
+          <p:cNvPr id="4" name="灯片编号占位符 3"/>
+          <p:cNvSpPr>
+            <a:spLocks noGrp="1"/>
+          </p:cNvSpPr>
+          <p:nvPr>
+            <p:ph type="sldNum" sz="quarter" idx="10"/>
+          </p:nvPr>
+        </p:nvSpPr>
+        <p:spPr/>
+        <p:txBody>
+          <a:bodyPr/>
+          <a:lstStyle/>
+          <a:p>
+            <a:fld id="{85D0DACE-38E0-42D2-9336-2B707D34BC6D}" type="slidenum">
+              <a:rPr lang="zh-CN" altLang="en-US" smtClean="0"/>
+              <a:t>5</a:t>
+            </a:fld>
+            <a:endParaRPr lang="zh-CN" altLang="en-US"/>
+          </a:p>
+        </p:txBody>
+      </p:sp>
+    </p:spTree>
+  </p:cSld>
+  <p:clrMapOvr>
+    <a:masterClrMapping/>
+  </p:clrMapOvr>
+</p:notes>
 </file>
 
 <file path=ppt/slideLayouts/slideLayout1.xml><?xml version="1.0" encoding="utf-8"?>
@@ -255,7 +682,7 @@
           <a:p>
             <a:fld id="{4142F8C5-6110-4832-8345-11A27B10C923}" type="datetimeFigureOut">
               <a:rPr lang="zh-CN" altLang="en-US" smtClean="0"/>
-              <a:t>2019/12/8</a:t>
+              <a:t>2019/12/11</a:t>
             </a:fld>
             <a:endParaRPr lang="zh-CN" altLang="en-US"/>
           </a:p>
@@ -418,7 +845,7 @@
           <a:p>
             <a:fld id="{4142F8C5-6110-4832-8345-11A27B10C923}" type="datetimeFigureOut">
               <a:rPr lang="zh-CN" altLang="en-US" smtClean="0"/>
-              <a:t>2019/12/8</a:t>
+              <a:t>2019/12/11</a:t>
             </a:fld>
             <a:endParaRPr lang="zh-CN" altLang="en-US"/>
           </a:p>
@@ -591,7 +1018,7 @@
           <a:p>
             <a:fld id="{4142F8C5-6110-4832-8345-11A27B10C923}" type="datetimeFigureOut">
               <a:rPr lang="zh-CN" altLang="en-US" smtClean="0"/>
-              <a:t>2019/12/8</a:t>
+              <a:t>2019/12/11</a:t>
             </a:fld>
             <a:endParaRPr lang="zh-CN" altLang="en-US"/>
           </a:p>
@@ -754,7 +1181,7 @@
           <a:p>
             <a:fld id="{4142F8C5-6110-4832-8345-11A27B10C923}" type="datetimeFigureOut">
               <a:rPr lang="zh-CN" altLang="en-US" smtClean="0"/>
-              <a:t>2019/12/8</a:t>
+              <a:t>2019/12/11</a:t>
             </a:fld>
             <a:endParaRPr lang="zh-CN" altLang="en-US"/>
           </a:p>
@@ -994,7 +1421,7 @@
           <a:p>
             <a:fld id="{4142F8C5-6110-4832-8345-11A27B10C923}" type="datetimeFigureOut">
               <a:rPr lang="zh-CN" altLang="en-US" smtClean="0"/>
-              <a:t>2019/12/8</a:t>
+              <a:t>2019/12/11</a:t>
             </a:fld>
             <a:endParaRPr lang="zh-CN" altLang="en-US"/>
           </a:p>
@@ -1218,7 +1645,7 @@
           <a:p>
             <a:fld id="{4142F8C5-6110-4832-8345-11A27B10C923}" type="datetimeFigureOut">
               <a:rPr lang="zh-CN" altLang="en-US" smtClean="0"/>
-              <a:t>2019/12/8</a:t>
+              <a:t>2019/12/11</a:t>
             </a:fld>
             <a:endParaRPr lang="zh-CN" altLang="en-US"/>
           </a:p>
@@ -1577,7 +2004,7 @@
           <a:p>
             <a:fld id="{4142F8C5-6110-4832-8345-11A27B10C923}" type="datetimeFigureOut">
               <a:rPr lang="zh-CN" altLang="en-US" smtClean="0"/>
-              <a:t>2019/12/8</a:t>
+              <a:t>2019/12/11</a:t>
             </a:fld>
             <a:endParaRPr lang="zh-CN" altLang="en-US"/>
           </a:p>
@@ -1689,7 +2116,7 @@
           <a:p>
             <a:fld id="{4142F8C5-6110-4832-8345-11A27B10C923}" type="datetimeFigureOut">
               <a:rPr lang="zh-CN" altLang="en-US" smtClean="0"/>
-              <a:t>2019/12/8</a:t>
+              <a:t>2019/12/11</a:t>
             </a:fld>
             <a:endParaRPr lang="zh-CN" altLang="en-US"/>
           </a:p>
@@ -1779,7 +2206,7 @@
           <a:p>
             <a:fld id="{4142F8C5-6110-4832-8345-11A27B10C923}" type="datetimeFigureOut">
               <a:rPr lang="zh-CN" altLang="en-US" smtClean="0"/>
-              <a:t>2019/12/8</a:t>
+              <a:t>2019/12/11</a:t>
             </a:fld>
             <a:endParaRPr lang="zh-CN" altLang="en-US"/>
           </a:p>
@@ -2049,7 +2476,7 @@
           <a:p>
             <a:fld id="{4142F8C5-6110-4832-8345-11A27B10C923}" type="datetimeFigureOut">
               <a:rPr lang="zh-CN" altLang="en-US" smtClean="0"/>
-              <a:t>2019/12/8</a:t>
+              <a:t>2019/12/11</a:t>
             </a:fld>
             <a:endParaRPr lang="zh-CN" altLang="en-US"/>
           </a:p>
@@ -2296,7 +2723,7 @@
           <a:p>
             <a:fld id="{4142F8C5-6110-4832-8345-11A27B10C923}" type="datetimeFigureOut">
               <a:rPr lang="zh-CN" altLang="en-US" smtClean="0"/>
-              <a:t>2019/12/8</a:t>
+              <a:t>2019/12/11</a:t>
             </a:fld>
             <a:endParaRPr lang="zh-CN" altLang="en-US"/>
           </a:p>
@@ -2502,7 +2929,7 @@
           <a:p>
             <a:fld id="{4142F8C5-6110-4832-8345-11A27B10C923}" type="datetimeFigureOut">
               <a:rPr lang="zh-CN" altLang="en-US" smtClean="0"/>
-              <a:t>2019/12/8</a:t>
+              <a:t>2019/12/11</a:t>
             </a:fld>
             <a:endParaRPr lang="zh-CN" altLang="en-US"/>
           </a:p>
@@ -2904,13 +3331,7 @@
       </p:grpSpPr>
       <p:sp>
         <p:nvSpPr>
-          <p:cNvPr id="4" name="矩形 3">
-            <a:extLst>
-              <a:ext uri="{FF2B5EF4-FFF2-40B4-BE49-F238E27FC236}">
-                <a16:creationId xmlns:a16="http://schemas.microsoft.com/office/drawing/2014/main" id="{ED526A83-4CC1-4BC4-A433-8E9E075D44AC}"/>
-              </a:ext>
-            </a:extLst>
-          </p:cNvPr>
+          <p:cNvPr id="4" name="矩形 3"/>
           <p:cNvSpPr/>
           <p:nvPr/>
         </p:nvSpPr>
@@ -3245,15 +3666,8 @@
       </p:sp>
       <p:cxnSp>
         <p:nvCxnSpPr>
-          <p:cNvPr id="9" name="直接箭头连接符 8">
-            <a:extLst>
-              <a:ext uri="{FF2B5EF4-FFF2-40B4-BE49-F238E27FC236}">
-                <a16:creationId xmlns:a16="http://schemas.microsoft.com/office/drawing/2014/main" id="{09A7CA3E-2524-40E7-8B64-1F1CC7E9EC0E}"/>
-              </a:ext>
-            </a:extLst>
-          </p:cNvPr>
+          <p:cNvPr id="9" name="直接箭头连接符 8"/>
           <p:cNvCxnSpPr>
-            <a:cxnSpLocks/>
             <a:stCxn id="4" idx="3"/>
             <a:endCxn id="13" idx="1"/>
           </p:cNvCxnSpPr>
@@ -3288,13 +3702,7 @@
       </p:cxnSp>
       <p:sp>
         <p:nvSpPr>
-          <p:cNvPr id="13" name="矩形 12">
-            <a:extLst>
-              <a:ext uri="{FF2B5EF4-FFF2-40B4-BE49-F238E27FC236}">
-                <a16:creationId xmlns:a16="http://schemas.microsoft.com/office/drawing/2014/main" id="{5B5AA7DB-C1DF-4899-B6AB-6F84B7750EB9}"/>
-              </a:ext>
-            </a:extLst>
-          </p:cNvPr>
+          <p:cNvPr id="13" name="矩形 12"/>
           <p:cNvSpPr/>
           <p:nvPr/>
         </p:nvSpPr>
@@ -3356,15 +3764,8 @@
       </p:sp>
       <p:cxnSp>
         <p:nvCxnSpPr>
-          <p:cNvPr id="17" name="直接箭头连接符 16">
-            <a:extLst>
-              <a:ext uri="{FF2B5EF4-FFF2-40B4-BE49-F238E27FC236}">
-                <a16:creationId xmlns:a16="http://schemas.microsoft.com/office/drawing/2014/main" id="{643F5068-D050-4299-8B79-ADCFC34180EB}"/>
-              </a:ext>
-            </a:extLst>
-          </p:cNvPr>
+          <p:cNvPr id="17" name="直接箭头连接符 16"/>
           <p:cNvCxnSpPr>
-            <a:cxnSpLocks/>
             <a:stCxn id="13" idx="2"/>
             <a:endCxn id="18" idx="0"/>
           </p:cNvCxnSpPr>
@@ -3399,13 +3800,7 @@
       </p:cxnSp>
       <p:sp>
         <p:nvSpPr>
-          <p:cNvPr id="18" name="矩形 17">
-            <a:extLst>
-              <a:ext uri="{FF2B5EF4-FFF2-40B4-BE49-F238E27FC236}">
-                <a16:creationId xmlns:a16="http://schemas.microsoft.com/office/drawing/2014/main" id="{9BC59BB9-74B9-4FE5-830B-ED909365E2FB}"/>
-              </a:ext>
-            </a:extLst>
-          </p:cNvPr>
+          <p:cNvPr id="18" name="矩形 17"/>
           <p:cNvSpPr/>
           <p:nvPr/>
         </p:nvSpPr>
@@ -3467,13 +3862,7 @@
       </p:sp>
       <p:sp>
         <p:nvSpPr>
-          <p:cNvPr id="28" name="矩形 27">
-            <a:extLst>
-              <a:ext uri="{FF2B5EF4-FFF2-40B4-BE49-F238E27FC236}">
-                <a16:creationId xmlns:a16="http://schemas.microsoft.com/office/drawing/2014/main" id="{6C4234F9-019E-4FAD-9D04-5C40145842C5}"/>
-              </a:ext>
-            </a:extLst>
-          </p:cNvPr>
+          <p:cNvPr id="28" name="矩形 27"/>
           <p:cNvSpPr/>
           <p:nvPr/>
         </p:nvSpPr>
@@ -3535,13 +3924,7 @@
       </p:sp>
       <p:cxnSp>
         <p:nvCxnSpPr>
-          <p:cNvPr id="31" name="直接箭头连接符 30">
-            <a:extLst>
-              <a:ext uri="{FF2B5EF4-FFF2-40B4-BE49-F238E27FC236}">
-                <a16:creationId xmlns:a16="http://schemas.microsoft.com/office/drawing/2014/main" id="{B5BD9B1C-DEB8-477D-802C-54CC927E7A84}"/>
-              </a:ext>
-            </a:extLst>
-          </p:cNvPr>
+          <p:cNvPr id="31" name="直接箭头连接符 30"/>
           <p:cNvCxnSpPr>
             <a:stCxn id="18" idx="2"/>
             <a:endCxn id="28" idx="0"/>
@@ -3577,13 +3960,7 @@
       </p:cxnSp>
       <p:sp>
         <p:nvSpPr>
-          <p:cNvPr id="33" name="文本框 32">
-            <a:extLst>
-              <a:ext uri="{FF2B5EF4-FFF2-40B4-BE49-F238E27FC236}">
-                <a16:creationId xmlns:a16="http://schemas.microsoft.com/office/drawing/2014/main" id="{E1722645-8430-446B-AFF6-BC8BBACC8B4A}"/>
-              </a:ext>
-            </a:extLst>
-          </p:cNvPr>
+          <p:cNvPr id="33" name="文本框 32"/>
           <p:cNvSpPr txBox="1"/>
           <p:nvPr/>
         </p:nvSpPr>
@@ -3670,11 +4047,6 @@
         </p:txBody>
       </p:sp>
     </p:spTree>
-    <p:extLst>
-      <p:ext uri="{BB962C8B-B14F-4D97-AF65-F5344CB8AC3E}">
-        <p14:creationId xmlns:p14="http://schemas.microsoft.com/office/powerpoint/2010/main" val="3200947246"/>
-      </p:ext>
-    </p:extLst>
   </p:cSld>
   <p:clrMapOvr>
     <a:masterClrMapping/>
@@ -3701,13 +4073,7 @@
       </p:grpSpPr>
       <p:sp>
         <p:nvSpPr>
-          <p:cNvPr id="4" name="矩形 3">
-            <a:extLst>
-              <a:ext uri="{FF2B5EF4-FFF2-40B4-BE49-F238E27FC236}">
-                <a16:creationId xmlns:a16="http://schemas.microsoft.com/office/drawing/2014/main" id="{ED526A83-4CC1-4BC4-A433-8E9E075D44AC}"/>
-              </a:ext>
-            </a:extLst>
-          </p:cNvPr>
+          <p:cNvPr id="4" name="矩形 3"/>
           <p:cNvSpPr/>
           <p:nvPr/>
         </p:nvSpPr>
@@ -4118,13 +4484,7 @@
       </p:sp>
       <p:sp>
         <p:nvSpPr>
-          <p:cNvPr id="7" name="文本框 6">
-            <a:extLst>
-              <a:ext uri="{FF2B5EF4-FFF2-40B4-BE49-F238E27FC236}">
-                <a16:creationId xmlns:a16="http://schemas.microsoft.com/office/drawing/2014/main" id="{6921E383-6FC9-4542-819A-032FCB4113C8}"/>
-              </a:ext>
-            </a:extLst>
-          </p:cNvPr>
+          <p:cNvPr id="7" name="文本框 6"/>
           <p:cNvSpPr txBox="1"/>
           <p:nvPr/>
         </p:nvSpPr>
@@ -4178,13 +4538,7 @@
       </p:sp>
       <p:sp>
         <p:nvSpPr>
-          <p:cNvPr id="10" name="文本框 9">
-            <a:extLst>
-              <a:ext uri="{FF2B5EF4-FFF2-40B4-BE49-F238E27FC236}">
-                <a16:creationId xmlns:a16="http://schemas.microsoft.com/office/drawing/2014/main" id="{6F2F917F-29C8-47E0-97CA-F915AEE4F735}"/>
-              </a:ext>
-            </a:extLst>
-          </p:cNvPr>
+          <p:cNvPr id="10" name="文本框 9"/>
           <p:cNvSpPr txBox="1"/>
           <p:nvPr/>
         </p:nvSpPr>
@@ -4220,11 +4574,6 @@
         </p:txBody>
       </p:sp>
     </p:spTree>
-    <p:extLst>
-      <p:ext uri="{BB962C8B-B14F-4D97-AF65-F5344CB8AC3E}">
-        <p14:creationId xmlns:p14="http://schemas.microsoft.com/office/powerpoint/2010/main" val="615795220"/>
-      </p:ext>
-    </p:extLst>
   </p:cSld>
   <p:clrMapOvr>
     <a:masterClrMapping/>
@@ -4251,13 +4600,7 @@
       </p:grpSpPr>
       <p:sp>
         <p:nvSpPr>
-          <p:cNvPr id="4" name="矩形 3">
-            <a:extLst>
-              <a:ext uri="{FF2B5EF4-FFF2-40B4-BE49-F238E27FC236}">
-                <a16:creationId xmlns:a16="http://schemas.microsoft.com/office/drawing/2014/main" id="{E5A8D80B-E906-4608-8E04-64EF6FB87FE5}"/>
-              </a:ext>
-            </a:extLst>
-          </p:cNvPr>
+          <p:cNvPr id="4" name="矩形 3"/>
           <p:cNvSpPr/>
           <p:nvPr/>
         </p:nvSpPr>
@@ -4324,13 +4667,7 @@
       </p:sp>
       <p:sp>
         <p:nvSpPr>
-          <p:cNvPr id="5" name="文本框 4">
-            <a:extLst>
-              <a:ext uri="{FF2B5EF4-FFF2-40B4-BE49-F238E27FC236}">
-                <a16:creationId xmlns:a16="http://schemas.microsoft.com/office/drawing/2014/main" id="{969CE084-6001-476E-887B-F51A71654890}"/>
-              </a:ext>
-            </a:extLst>
-          </p:cNvPr>
+          <p:cNvPr id="5" name="文本框 4"/>
           <p:cNvSpPr txBox="1"/>
           <p:nvPr/>
         </p:nvSpPr>
@@ -4380,13 +4717,7 @@
       </p:sp>
       <p:sp>
         <p:nvSpPr>
-          <p:cNvPr id="6" name="矩形 5">
-            <a:extLst>
-              <a:ext uri="{FF2B5EF4-FFF2-40B4-BE49-F238E27FC236}">
-                <a16:creationId xmlns:a16="http://schemas.microsoft.com/office/drawing/2014/main" id="{ED9E4378-3B93-4FEF-AD31-2B1CDD075911}"/>
-              </a:ext>
-            </a:extLst>
-          </p:cNvPr>
+          <p:cNvPr id="6" name="矩形 5"/>
           <p:cNvSpPr/>
           <p:nvPr/>
         </p:nvSpPr>
@@ -4431,13 +4762,7 @@
       </p:sp>
       <p:sp>
         <p:nvSpPr>
-          <p:cNvPr id="7" name="矩形 6">
-            <a:extLst>
-              <a:ext uri="{FF2B5EF4-FFF2-40B4-BE49-F238E27FC236}">
-                <a16:creationId xmlns:a16="http://schemas.microsoft.com/office/drawing/2014/main" id="{DBA3A868-5669-4C77-B86B-2350E8135A29}"/>
-              </a:ext>
-            </a:extLst>
-          </p:cNvPr>
+          <p:cNvPr id="7" name="矩形 6"/>
           <p:cNvSpPr/>
           <p:nvPr/>
         </p:nvSpPr>
@@ -4488,15 +4813,8 @@
       </p:sp>
       <p:cxnSp>
         <p:nvCxnSpPr>
-          <p:cNvPr id="9" name="直接箭头连接符 8">
-            <a:extLst>
-              <a:ext uri="{FF2B5EF4-FFF2-40B4-BE49-F238E27FC236}">
-                <a16:creationId xmlns:a16="http://schemas.microsoft.com/office/drawing/2014/main" id="{1B6CD4B8-926E-43CE-B9B5-44E69E4085DB}"/>
-              </a:ext>
-            </a:extLst>
-          </p:cNvPr>
+          <p:cNvPr id="9" name="直接箭头连接符 8"/>
           <p:cNvCxnSpPr>
-            <a:cxnSpLocks/>
             <a:stCxn id="4" idx="2"/>
             <a:endCxn id="7" idx="0"/>
           </p:cNvCxnSpPr>
@@ -4531,13 +4849,7 @@
       </p:cxnSp>
       <p:sp>
         <p:nvSpPr>
-          <p:cNvPr id="13" name="矩形 12">
-            <a:extLst>
-              <a:ext uri="{FF2B5EF4-FFF2-40B4-BE49-F238E27FC236}">
-                <a16:creationId xmlns:a16="http://schemas.microsoft.com/office/drawing/2014/main" id="{666E4585-8593-451D-8559-426E45F91C67}"/>
-              </a:ext>
-            </a:extLst>
-          </p:cNvPr>
+          <p:cNvPr id="13" name="矩形 12"/>
           <p:cNvSpPr/>
           <p:nvPr/>
         </p:nvSpPr>
@@ -4573,13 +4885,7 @@
       </p:sp>
       <p:sp>
         <p:nvSpPr>
-          <p:cNvPr id="19" name="矩形 18">
-            <a:extLst>
-              <a:ext uri="{FF2B5EF4-FFF2-40B4-BE49-F238E27FC236}">
-                <a16:creationId xmlns:a16="http://schemas.microsoft.com/office/drawing/2014/main" id="{52996112-D0F9-4A2B-A05E-58FDFCD71633}"/>
-              </a:ext>
-            </a:extLst>
-          </p:cNvPr>
+          <p:cNvPr id="19" name="矩形 18"/>
           <p:cNvSpPr/>
           <p:nvPr/>
         </p:nvSpPr>
@@ -4657,13 +4963,7 @@
       </p:sp>
       <p:sp>
         <p:nvSpPr>
-          <p:cNvPr id="21" name="矩形 20">
-            <a:extLst>
-              <a:ext uri="{FF2B5EF4-FFF2-40B4-BE49-F238E27FC236}">
-                <a16:creationId xmlns:a16="http://schemas.microsoft.com/office/drawing/2014/main" id="{0C44554F-1107-4919-90AA-220791FCEA43}"/>
-              </a:ext>
-            </a:extLst>
-          </p:cNvPr>
+          <p:cNvPr id="21" name="矩形 20"/>
           <p:cNvSpPr/>
           <p:nvPr/>
         </p:nvSpPr>
@@ -4775,13 +5075,7 @@
       </p:sp>
       <p:sp>
         <p:nvSpPr>
-          <p:cNvPr id="26" name="矩形 25">
-            <a:extLst>
-              <a:ext uri="{FF2B5EF4-FFF2-40B4-BE49-F238E27FC236}">
-                <a16:creationId xmlns:a16="http://schemas.microsoft.com/office/drawing/2014/main" id="{3B9BC524-7B26-4F5C-82DA-C95844C4795C}"/>
-              </a:ext>
-            </a:extLst>
-          </p:cNvPr>
+          <p:cNvPr id="26" name="矩形 25"/>
           <p:cNvSpPr/>
           <p:nvPr/>
         </p:nvSpPr>
@@ -4826,13 +5120,7 @@
       </p:sp>
       <p:sp>
         <p:nvSpPr>
-          <p:cNvPr id="27" name="矩形 26">
-            <a:extLst>
-              <a:ext uri="{FF2B5EF4-FFF2-40B4-BE49-F238E27FC236}">
-                <a16:creationId xmlns:a16="http://schemas.microsoft.com/office/drawing/2014/main" id="{8B9F33FD-8DD7-47B9-A291-3F6D741EF84E}"/>
-              </a:ext>
-            </a:extLst>
-          </p:cNvPr>
+          <p:cNvPr id="27" name="矩形 26"/>
           <p:cNvSpPr/>
           <p:nvPr/>
         </p:nvSpPr>
@@ -4921,13 +5209,7 @@
       </p:sp>
       <p:sp>
         <p:nvSpPr>
-          <p:cNvPr id="28" name="矩形 27">
-            <a:extLst>
-              <a:ext uri="{FF2B5EF4-FFF2-40B4-BE49-F238E27FC236}">
-                <a16:creationId xmlns:a16="http://schemas.microsoft.com/office/drawing/2014/main" id="{F6524F8D-01BA-4526-8CE2-33C199DECDA6}"/>
-              </a:ext>
-            </a:extLst>
-          </p:cNvPr>
+          <p:cNvPr id="28" name="矩形 27"/>
           <p:cNvSpPr/>
           <p:nvPr/>
         </p:nvSpPr>
@@ -4963,13 +5245,7 @@
       </p:sp>
       <p:sp>
         <p:nvSpPr>
-          <p:cNvPr id="29" name="矩形 28">
-            <a:extLst>
-              <a:ext uri="{FF2B5EF4-FFF2-40B4-BE49-F238E27FC236}">
-                <a16:creationId xmlns:a16="http://schemas.microsoft.com/office/drawing/2014/main" id="{550C395A-DA1F-44F3-8222-90D9F64A4C19}"/>
-              </a:ext>
-            </a:extLst>
-          </p:cNvPr>
+          <p:cNvPr id="29" name="矩形 28"/>
           <p:cNvSpPr/>
           <p:nvPr/>
         </p:nvSpPr>
@@ -5014,13 +5290,7 @@
       </p:sp>
       <p:cxnSp>
         <p:nvCxnSpPr>
-          <p:cNvPr id="31" name="连接符: 肘形 30">
-            <a:extLst>
-              <a:ext uri="{FF2B5EF4-FFF2-40B4-BE49-F238E27FC236}">
-                <a16:creationId xmlns:a16="http://schemas.microsoft.com/office/drawing/2014/main" id="{ECC9752A-52B9-40F5-980D-FA612942A83A}"/>
-              </a:ext>
-            </a:extLst>
-          </p:cNvPr>
+          <p:cNvPr id="31" name="连接符: 肘形 30"/>
           <p:cNvCxnSpPr>
             <a:stCxn id="19" idx="3"/>
             <a:endCxn id="27" idx="1"/>
@@ -5058,13 +5328,7 @@
       </p:cxnSp>
       <p:sp>
         <p:nvSpPr>
-          <p:cNvPr id="33" name="矩形 32">
-            <a:extLst>
-              <a:ext uri="{FF2B5EF4-FFF2-40B4-BE49-F238E27FC236}">
-                <a16:creationId xmlns:a16="http://schemas.microsoft.com/office/drawing/2014/main" id="{75828D48-AD46-4909-830B-F65DB991AEDA}"/>
-              </a:ext>
-            </a:extLst>
-          </p:cNvPr>
+          <p:cNvPr id="33" name="矩形 32"/>
           <p:cNvSpPr/>
           <p:nvPr/>
         </p:nvSpPr>
@@ -5149,13 +5413,7 @@
       </p:sp>
       <p:sp>
         <p:nvSpPr>
-          <p:cNvPr id="34" name="矩形 33">
-            <a:extLst>
-              <a:ext uri="{FF2B5EF4-FFF2-40B4-BE49-F238E27FC236}">
-                <a16:creationId xmlns:a16="http://schemas.microsoft.com/office/drawing/2014/main" id="{98A7C771-F615-4054-A0D5-B029205869EB}"/>
-              </a:ext>
-            </a:extLst>
-          </p:cNvPr>
+          <p:cNvPr id="34" name="矩形 33"/>
           <p:cNvSpPr/>
           <p:nvPr/>
         </p:nvSpPr>
@@ -5191,13 +5449,7 @@
       </p:sp>
       <p:sp>
         <p:nvSpPr>
-          <p:cNvPr id="36" name="矩形 35">
-            <a:extLst>
-              <a:ext uri="{FF2B5EF4-FFF2-40B4-BE49-F238E27FC236}">
-                <a16:creationId xmlns:a16="http://schemas.microsoft.com/office/drawing/2014/main" id="{756A32C2-B2F2-450C-A538-2A411DDA04E3}"/>
-              </a:ext>
-            </a:extLst>
-          </p:cNvPr>
+          <p:cNvPr id="36" name="矩形 35"/>
           <p:cNvSpPr/>
           <p:nvPr/>
         </p:nvSpPr>
@@ -5242,20 +5494,14 @@
       </p:sp>
       <p:sp>
         <p:nvSpPr>
-          <p:cNvPr id="37" name="矩形 36">
-            <a:extLst>
-              <a:ext uri="{FF2B5EF4-FFF2-40B4-BE49-F238E27FC236}">
-                <a16:creationId xmlns:a16="http://schemas.microsoft.com/office/drawing/2014/main" id="{D802972C-C99D-4F5C-B7E9-5CA3015BEEC3}"/>
-              </a:ext>
-            </a:extLst>
-          </p:cNvPr>
+          <p:cNvPr id="37" name="矩形 36"/>
           <p:cNvSpPr/>
           <p:nvPr/>
         </p:nvSpPr>
         <p:spPr>
           <a:xfrm>
-            <a:off x="7356783" y="5087454"/>
-            <a:ext cx="4559549" cy="1097781"/>
+            <a:off x="7356475" y="5087620"/>
+            <a:ext cx="4559300" cy="504190"/>
           </a:xfrm>
           <a:prstGeom prst="rect">
             <a:avLst/>
@@ -5294,54 +5540,24 @@
           <a:lstStyle/>
           <a:p>
             <a:r>
+              <a:rPr lang="zh-CN" altLang="en-US" dirty="0"/>
+              <a:t>利用</a:t>
+            </a:r>
+            <a:r>
               <a:rPr lang="en-US" altLang="zh-CN" dirty="0"/>
-              <a:t>(1)</a:t>
+              <a:t>CGLIB</a:t>
             </a:r>
             <a:r>
               <a:rPr lang="zh-CN" altLang="en-US" dirty="0"/>
-              <a:t>创建代理工场</a:t>
-            </a:r>
-            <a:r>
-              <a:rPr lang="en-US" altLang="zh-CN" dirty="0" err="1"/>
-              <a:t>ProxyFactory</a:t>
-            </a:r>
-            <a:endParaRPr lang="en-US" altLang="zh-CN" dirty="0"/>
-          </a:p>
-          <a:p>
-            <a:r>
-              <a:rPr lang="en-US" altLang="zh-CN" dirty="0"/>
-              <a:t>(2)</a:t>
-            </a:r>
-            <a:r>
-              <a:rPr lang="zh-CN" altLang="en-US" dirty="0"/>
-              <a:t>进行一些其他的预处理工作</a:t>
-            </a:r>
-            <a:endParaRPr lang="en-US" altLang="zh-CN" dirty="0"/>
-          </a:p>
-          <a:p>
-            <a:r>
-              <a:rPr lang="en-US" altLang="zh-CN" dirty="0"/>
-              <a:t>(3)</a:t>
-            </a:r>
-            <a:r>
-              <a:rPr lang="zh-CN" altLang="en-US" dirty="0"/>
-              <a:t>调用真正对当前对象进行代理增强的方法</a:t>
-            </a:r>
-            <a:endParaRPr lang="en-US" altLang="zh-CN" dirty="0"/>
+              <a:t>进行代理增强</a:t>
+            </a:r>
           </a:p>
         </p:txBody>
       </p:sp>
       <p:cxnSp>
         <p:nvCxnSpPr>
-          <p:cNvPr id="39" name="连接符: 肘形 38">
-            <a:extLst>
-              <a:ext uri="{FF2B5EF4-FFF2-40B4-BE49-F238E27FC236}">
-                <a16:creationId xmlns:a16="http://schemas.microsoft.com/office/drawing/2014/main" id="{5ECE0F3D-C014-4E61-B965-DF1A3F1DDDAF}"/>
-              </a:ext>
-            </a:extLst>
-          </p:cNvPr>
+          <p:cNvPr id="39" name="连接符: 肘形 38"/>
           <p:cNvCxnSpPr>
-            <a:cxnSpLocks/>
             <a:stCxn id="21" idx="3"/>
             <a:endCxn id="33" idx="1"/>
           </p:cNvCxnSpPr>
@@ -5378,13 +5594,7 @@
       </p:cxnSp>
       <p:sp>
         <p:nvSpPr>
-          <p:cNvPr id="47" name="矩形 46">
-            <a:extLst>
-              <a:ext uri="{FF2B5EF4-FFF2-40B4-BE49-F238E27FC236}">
-                <a16:creationId xmlns:a16="http://schemas.microsoft.com/office/drawing/2014/main" id="{F63C74F0-C966-4C51-898D-4A9C1BED05FB}"/>
-              </a:ext>
-            </a:extLst>
-          </p:cNvPr>
+          <p:cNvPr id="47" name="矩形 46"/>
           <p:cNvSpPr/>
           <p:nvPr/>
         </p:nvSpPr>
@@ -5420,19 +5630,13 @@
       </p:sp>
       <p:sp>
         <p:nvSpPr>
-          <p:cNvPr id="48" name="矩形 47">
-            <a:extLst>
-              <a:ext uri="{FF2B5EF4-FFF2-40B4-BE49-F238E27FC236}">
-                <a16:creationId xmlns:a16="http://schemas.microsoft.com/office/drawing/2014/main" id="{98CF9A32-D027-46B6-B771-DE0DA1E96272}"/>
-              </a:ext>
-            </a:extLst>
-          </p:cNvPr>
+          <p:cNvPr id="48" name="矩形 47"/>
           <p:cNvSpPr/>
           <p:nvPr/>
         </p:nvSpPr>
         <p:spPr>
           <a:xfrm>
-            <a:off x="8859234" y="6185235"/>
+            <a:off x="8705564" y="5783280"/>
             <a:ext cx="3210046" cy="369332"/>
           </a:xfrm>
           <a:prstGeom prst="rect">
@@ -5471,13 +5675,7 @@
       </p:sp>
       <p:cxnSp>
         <p:nvCxnSpPr>
-          <p:cNvPr id="50" name="直接箭头连接符 49">
-            <a:extLst>
-              <a:ext uri="{FF2B5EF4-FFF2-40B4-BE49-F238E27FC236}">
-                <a16:creationId xmlns:a16="http://schemas.microsoft.com/office/drawing/2014/main" id="{CA87DF38-7614-4DA5-9B1A-57679929BBF6}"/>
-              </a:ext>
-            </a:extLst>
-          </p:cNvPr>
+          <p:cNvPr id="50" name="直接箭头连接符 49"/>
           <p:cNvCxnSpPr>
             <a:stCxn id="33" idx="2"/>
             <a:endCxn id="37" idx="0"/>
@@ -5486,8 +5684,8 @@
         </p:nvCxnSpPr>
         <p:spPr>
           <a:xfrm>
-            <a:off x="9636558" y="4142677"/>
-            <a:ext cx="0" cy="944777"/>
+            <a:off x="9635923" y="4142677"/>
+            <a:ext cx="0" cy="944880"/>
           </a:xfrm>
           <a:prstGeom prst="straightConnector1">
             <a:avLst/>
@@ -5512,16 +5710,3743 @@
         </p:style>
       </p:cxnSp>
     </p:spTree>
-    <p:extLst>
-      <p:ext uri="{BB962C8B-B14F-4D97-AF65-F5344CB8AC3E}">
-        <p14:creationId xmlns:p14="http://schemas.microsoft.com/office/powerpoint/2010/main" val="926069719"/>
-      </p:ext>
-    </p:extLst>
   </p:cSld>
   <p:clrMapOvr>
     <a:masterClrMapping/>
   </p:clrMapOvr>
 </p:sld>
+</file>
+
+<file path=ppt/slides/slide4.xml><?xml version="1.0" encoding="utf-8"?>
+<p:sld xmlns:a="http://schemas.openxmlformats.org/drawingml/2006/main" xmlns:r="http://schemas.openxmlformats.org/officeDocument/2006/relationships" xmlns:p="http://schemas.openxmlformats.org/presentationml/2006/main">
+  <p:cSld>
+    <p:spTree>
+      <p:nvGrpSpPr>
+        <p:cNvPr id="1" name=""/>
+        <p:cNvGrpSpPr/>
+        <p:nvPr/>
+      </p:nvGrpSpPr>
+      <p:grpSpPr>
+        <a:xfrm>
+          <a:off x="0" y="0"/>
+          <a:ext cx="0" cy="0"/>
+          <a:chOff x="0" y="0"/>
+          <a:chExt cx="0" cy="0"/>
+        </a:xfrm>
+      </p:grpSpPr>
+      <p:sp>
+        <p:nvSpPr>
+          <p:cNvPr id="2" name="矩形 1"/>
+          <p:cNvSpPr/>
+          <p:nvPr/>
+        </p:nvSpPr>
+        <p:spPr>
+          <a:xfrm>
+            <a:off x="1132840" y="1759585"/>
+            <a:ext cx="10436860" cy="4108450"/>
+          </a:xfrm>
+          <a:prstGeom prst="rect">
+            <a:avLst/>
+          </a:prstGeom>
+          <a:solidFill>
+            <a:schemeClr val="accent1">
+              <a:lumMod val="40000"/>
+              <a:lumOff val="60000"/>
+            </a:schemeClr>
+          </a:solidFill>
+          <a:ln>
+            <a:solidFill>
+              <a:schemeClr val="accent1">
+                <a:lumMod val="40000"/>
+                <a:lumOff val="60000"/>
+              </a:schemeClr>
+            </a:solidFill>
+          </a:ln>
+        </p:spPr>
+        <p:style>
+          <a:lnRef idx="1">
+            <a:schemeClr val="accent2"/>
+          </a:lnRef>
+          <a:fillRef idx="2">
+            <a:schemeClr val="accent2"/>
+          </a:fillRef>
+          <a:effectRef idx="1">
+            <a:schemeClr val="accent2"/>
+          </a:effectRef>
+          <a:fontRef idx="minor">
+            <a:schemeClr val="dk1"/>
+          </a:fontRef>
+        </p:style>
+        <p:txBody>
+          <a:bodyPr rtlCol="0" anchor="t" anchorCtr="0"/>
+          <a:lstStyle/>
+          <a:p>
+            <a:endParaRPr lang="en-US" altLang="zh-CN" b="1" dirty="0">
+              <a:solidFill>
+                <a:srgbClr val="00B050"/>
+              </a:solidFill>
+            </a:endParaRPr>
+          </a:p>
+          <a:p>
+            <a:r>
+              <a:rPr lang="en-US" altLang="zh-CN" b="1" dirty="0">
+                <a:solidFill>
+                  <a:srgbClr val="00B050"/>
+                </a:solidFill>
+              </a:rPr>
+              <a:t>//</a:t>
+            </a:r>
+            <a:r>
+              <a:rPr lang="zh-CN" altLang="en-US" b="1" dirty="0">
+                <a:solidFill>
+                  <a:srgbClr val="00B050"/>
+                </a:solidFill>
+              </a:rPr>
+              <a:t>将当前目标对象创建</a:t>
+            </a:r>
+            <a:r>
+              <a:rPr lang="en-US" altLang="zh-CN" b="1" dirty="0">
+                <a:solidFill>
+                  <a:srgbClr val="00B050"/>
+                </a:solidFill>
+              </a:rPr>
+              <a:t>+</a:t>
+            </a:r>
+            <a:r>
+              <a:rPr lang="zh-CN" altLang="en-US" b="1" dirty="0">
+                <a:solidFill>
+                  <a:srgbClr val="00B050"/>
+                </a:solidFill>
+              </a:rPr>
+              <a:t>初始化时织入的通知转换为方法拦截器</a:t>
+            </a:r>
+            <a:r>
+              <a:rPr lang="en-US" altLang="zh-CN" b="1" dirty="0">
+                <a:solidFill>
+                  <a:srgbClr val="00B050"/>
+                </a:solidFill>
+              </a:rPr>
+              <a:t>(MethodInterceptor)</a:t>
+            </a:r>
+            <a:r>
+              <a:rPr lang="zh-CN" altLang="en-US" b="1" dirty="0">
+                <a:solidFill>
+                  <a:srgbClr val="00B050"/>
+                </a:solidFill>
+              </a:rPr>
+              <a:t>链 </a:t>
+            </a:r>
+          </a:p>
+          <a:p>
+            <a:r>
+              <a:rPr lang="en-US" altLang="zh-CN" b="1" dirty="0">
+                <a:solidFill>
+                  <a:srgbClr val="00B050"/>
+                </a:solidFill>
+              </a:rPr>
+              <a:t>//</a:t>
+            </a:r>
+            <a:r>
+              <a:rPr lang="zh-CN" altLang="en-US" b="1" dirty="0">
+                <a:solidFill>
+                  <a:srgbClr val="00B050"/>
+                </a:solidFill>
+              </a:rPr>
+              <a:t> 注意</a:t>
+            </a:r>
+            <a:r>
+              <a:rPr lang="en-US" altLang="zh-CN" b="1" dirty="0">
+                <a:solidFill>
+                  <a:srgbClr val="00B050"/>
+                </a:solidFill>
+              </a:rPr>
+              <a:t>:</a:t>
+            </a:r>
+            <a:r>
+              <a:rPr lang="zh-CN" altLang="en-US" b="1" dirty="0">
+                <a:solidFill>
+                  <a:srgbClr val="00B050"/>
+                </a:solidFill>
+              </a:rPr>
+              <a:t>转换后的拦截链的顺序与织入的通知的顺序一致</a:t>
+            </a:r>
+          </a:p>
+          <a:p>
+            <a:r>
+              <a:rPr lang="en-US" altLang="zh-CN" b="1" dirty="0">
+                <a:solidFill>
+                  <a:srgbClr val="00B050"/>
+                </a:solidFill>
+              </a:rPr>
+              <a:t>//</a:t>
+            </a:r>
+            <a:r>
+              <a:rPr lang="zh-CN" altLang="en-US" b="1" dirty="0">
+                <a:solidFill>
+                  <a:srgbClr val="00B050"/>
+                </a:solidFill>
+              </a:rPr>
+              <a:t> </a:t>
+            </a:r>
+            <a:r>
+              <a:rPr lang="en-US" altLang="zh-CN" b="1" dirty="0">
+                <a:solidFill>
+                  <a:srgbClr val="00B050"/>
+                </a:solidFill>
+              </a:rPr>
+              <a:t>(</a:t>
+            </a:r>
+            <a:r>
+              <a:rPr lang="zh-CN" altLang="en-US" b="1" dirty="0">
+                <a:solidFill>
+                  <a:srgbClr val="00B050"/>
+                </a:solidFill>
+              </a:rPr>
+              <a:t>不做过多介绍</a:t>
+            </a:r>
+            <a:r>
+              <a:rPr lang="en-US" altLang="zh-CN" b="1" dirty="0">
+                <a:solidFill>
+                  <a:srgbClr val="00B050"/>
+                </a:solidFill>
+              </a:rPr>
+              <a:t>,</a:t>
+            </a:r>
+            <a:r>
+              <a:rPr lang="zh-CN" altLang="en-US" b="1" dirty="0">
+                <a:solidFill>
+                  <a:srgbClr val="00B050"/>
+                </a:solidFill>
+              </a:rPr>
+              <a:t>只简单看一下转换后的拦截链 </a:t>
+            </a:r>
+            <a:r>
+              <a:rPr lang="en-US" altLang="zh-CN" b="1" dirty="0">
+                <a:solidFill>
+                  <a:srgbClr val="00B050"/>
+                </a:solidFill>
+              </a:rPr>
+              <a:t>--- </a:t>
+            </a:r>
+            <a:r>
+              <a:rPr lang="zh-CN" altLang="en-US" b="1" dirty="0">
+                <a:solidFill>
+                  <a:srgbClr val="00B050"/>
+                </a:solidFill>
+              </a:rPr>
+              <a:t>具体源码有兴趣的可以自己跟</a:t>
+            </a:r>
+            <a:endParaRPr lang="en-US" altLang="zh-CN" b="1" dirty="0">
+              <a:solidFill>
+                <a:srgbClr val="00B050"/>
+              </a:solidFill>
+            </a:endParaRPr>
+          </a:p>
+          <a:p>
+            <a:r>
+              <a:rPr lang="en-US" altLang="zh-CN"/>
+              <a:t>List&lt;Object&gt; chain = this.advised.getInterceptorsAndDynamicInterceptionAdvice(method, targetClass);</a:t>
+            </a:r>
+          </a:p>
+          <a:p>
+            <a:endParaRPr lang="en-US" altLang="zh-CN" dirty="0"/>
+          </a:p>
+          <a:p>
+            <a:r>
+              <a:rPr lang="en-US" altLang="zh-CN" b="1" dirty="0">
+                <a:solidFill>
+                  <a:srgbClr val="00B050"/>
+                </a:solidFill>
+              </a:rPr>
+              <a:t>//</a:t>
+            </a:r>
+            <a:r>
+              <a:rPr lang="zh-CN" altLang="en-US" b="1" dirty="0">
+                <a:solidFill>
+                  <a:srgbClr val="00B050"/>
+                </a:solidFill>
+              </a:rPr>
+              <a:t>拿着获取到的拦截链</a:t>
+            </a:r>
+            <a:r>
+              <a:rPr lang="en-US" altLang="zh-CN" b="1" dirty="0">
+                <a:solidFill>
+                  <a:srgbClr val="00B050"/>
+                </a:solidFill>
+              </a:rPr>
+              <a:t>,</a:t>
+            </a:r>
+            <a:r>
+              <a:rPr lang="zh-CN" altLang="en-US" b="1" dirty="0">
+                <a:solidFill>
+                  <a:srgbClr val="00B050"/>
+                </a:solidFill>
+              </a:rPr>
+              <a:t>链式调用各个通知方法</a:t>
+            </a:r>
+            <a:r>
+              <a:rPr lang="en-US" altLang="zh-CN" b="1" dirty="0">
+                <a:solidFill>
+                  <a:srgbClr val="00B050"/>
+                </a:solidFill>
+              </a:rPr>
+              <a:t>(</a:t>
+            </a:r>
+            <a:r>
+              <a:rPr lang="zh-CN" altLang="en-US" b="1" dirty="0">
+                <a:solidFill>
+                  <a:srgbClr val="00B050"/>
+                </a:solidFill>
+              </a:rPr>
+              <a:t>会相对细致的进行分析</a:t>
+            </a:r>
+            <a:r>
+              <a:rPr lang="en-US" altLang="zh-CN" b="1" dirty="0">
+                <a:solidFill>
+                  <a:srgbClr val="00B050"/>
+                </a:solidFill>
+              </a:rPr>
+              <a:t>)</a:t>
+            </a:r>
+          </a:p>
+          <a:p>
+            <a:r>
+              <a:rPr lang="en-US" altLang="zh-CN" dirty="0"/>
+              <a:t>retVal = new CglibMethodInvocation(proxy, target, method, args, targetClass, chain, methodProxy).proceed();</a:t>
+            </a:r>
+          </a:p>
+          <a:p>
+            <a:endParaRPr lang="en-US" altLang="zh-CN" dirty="0"/>
+          </a:p>
+          <a:p>
+            <a:r>
+              <a:rPr lang="en-US" altLang="zh-CN" b="1" dirty="0">
+                <a:solidFill>
+                  <a:srgbClr val="00B050"/>
+                </a:solidFill>
+              </a:rPr>
+              <a:t>//</a:t>
+            </a:r>
+            <a:r>
+              <a:rPr lang="zh-CN" altLang="en-US" b="1" dirty="0">
+                <a:solidFill>
+                  <a:srgbClr val="00B050"/>
+                </a:solidFill>
+              </a:rPr>
+              <a:t>返回值类型相关处理 </a:t>
+            </a:r>
+            <a:r>
+              <a:rPr lang="en-US" altLang="zh-CN" b="1" dirty="0">
+                <a:solidFill>
+                  <a:srgbClr val="00B050"/>
+                </a:solidFill>
+              </a:rPr>
+              <a:t>--- </a:t>
+            </a:r>
+            <a:r>
+              <a:rPr lang="zh-CN" altLang="en-US" b="1" dirty="0">
+                <a:solidFill>
+                  <a:srgbClr val="00B050"/>
+                </a:solidFill>
+              </a:rPr>
+              <a:t>一般情况下啥也不做</a:t>
+            </a:r>
+            <a:r>
+              <a:rPr lang="en-US" altLang="zh-CN" b="1" dirty="0">
+                <a:solidFill>
+                  <a:srgbClr val="00B050"/>
+                </a:solidFill>
+              </a:rPr>
+              <a:t>(</a:t>
+            </a:r>
+            <a:r>
+              <a:rPr lang="zh-CN" altLang="en-US" b="1" dirty="0">
+                <a:solidFill>
+                  <a:srgbClr val="00B050"/>
+                </a:solidFill>
+              </a:rPr>
+              <a:t>不做过多讲解</a:t>
+            </a:r>
+            <a:r>
+              <a:rPr lang="en-US" altLang="zh-CN" b="1" dirty="0">
+                <a:solidFill>
+                  <a:srgbClr val="00B050"/>
+                </a:solidFill>
+              </a:rPr>
+              <a:t>)</a:t>
+            </a:r>
+          </a:p>
+          <a:p>
+            <a:r>
+              <a:rPr lang="en-US" altLang="zh-CN"/>
+              <a:t>retVal = processReturnType(proxy, target, method, retVal);</a:t>
+            </a:r>
+          </a:p>
+          <a:p>
+            <a:endParaRPr lang="en-US" altLang="zh-CN" b="1" dirty="0">
+              <a:solidFill>
+                <a:srgbClr val="00B050"/>
+              </a:solidFill>
+            </a:endParaRPr>
+          </a:p>
+          <a:p>
+            <a:r>
+              <a:rPr lang="en-US" altLang="zh-CN" b="1" dirty="0">
+                <a:solidFill>
+                  <a:srgbClr val="00B050"/>
+                </a:solidFill>
+              </a:rPr>
+              <a:t>//</a:t>
+            </a:r>
+            <a:r>
+              <a:rPr lang="zh-CN" altLang="en-US" b="1" dirty="0">
+                <a:solidFill>
+                  <a:srgbClr val="00B050"/>
+                </a:solidFill>
+              </a:rPr>
+              <a:t>将返回值返回给调用者</a:t>
+            </a:r>
+            <a:endParaRPr lang="en-US" altLang="zh-CN" b="1" dirty="0">
+              <a:solidFill>
+                <a:srgbClr val="00B050"/>
+              </a:solidFill>
+            </a:endParaRPr>
+          </a:p>
+          <a:p>
+            <a:r>
+              <a:rPr lang="en-US" altLang="zh-CN"/>
+              <a:t>return retVal;</a:t>
+            </a:r>
+            <a:r>
+              <a:rPr lang="zh-CN" altLang="en-US" dirty="0"/>
+              <a:t>                                                     </a:t>
+            </a:r>
+            <a:endParaRPr lang="en-US" altLang="zh-CN" dirty="0"/>
+          </a:p>
+          <a:p>
+            <a:r>
+              <a:rPr lang="en-US" altLang="zh-CN" dirty="0"/>
+              <a:t>                                                        </a:t>
+            </a:r>
+          </a:p>
+        </p:txBody>
+      </p:sp>
+      <p:sp>
+        <p:nvSpPr>
+          <p:cNvPr id="3" name="文本框 2"/>
+          <p:cNvSpPr txBox="1"/>
+          <p:nvPr/>
+        </p:nvSpPr>
+        <p:spPr>
+          <a:xfrm>
+            <a:off x="1132840" y="1292860"/>
+            <a:ext cx="6319520" cy="368300"/>
+          </a:xfrm>
+          <a:prstGeom prst="rect">
+            <a:avLst/>
+          </a:prstGeom>
+          <a:noFill/>
+        </p:spPr>
+        <p:txBody>
+          <a:bodyPr wrap="square" rtlCol="0" anchor="t">
+            <a:spAutoFit/>
+          </a:bodyPr>
+          <a:lstStyle/>
+          <a:p>
+            <a:r>
+              <a:rPr lang="zh-CN" altLang="en-US" b="1"/>
+              <a:t>intercept方法核心源码  </a:t>
+            </a:r>
+            <a:r>
+              <a:rPr lang="en-US" altLang="zh-CN" b="1">
+                <a:solidFill>
+                  <a:srgbClr val="FF0000"/>
+                </a:solidFill>
+              </a:rPr>
+              <a:t>(</a:t>
+            </a:r>
+            <a:r>
+              <a:rPr lang="zh-CN" altLang="en-US" b="1">
+                <a:solidFill>
+                  <a:srgbClr val="FF0000"/>
+                </a:solidFill>
+              </a:rPr>
+              <a:t>所在类</a:t>
+            </a:r>
+            <a:r>
+              <a:rPr lang="en-US" altLang="zh-CN" b="1">
+                <a:solidFill>
+                  <a:srgbClr val="FF0000"/>
+                </a:solidFill>
+              </a:rPr>
+              <a:t>:DynamicAdvisedInterceptor)</a:t>
+            </a:r>
+          </a:p>
+        </p:txBody>
+      </p:sp>
+    </p:spTree>
+  </p:cSld>
+  <p:clrMapOvr>
+    <a:masterClrMapping/>
+  </p:clrMapOvr>
+</p:sld>
+</file>
+
+<file path=ppt/slides/slide5.xml><?xml version="1.0" encoding="utf-8"?>
+<p:sld xmlns:a="http://schemas.openxmlformats.org/drawingml/2006/main" xmlns:r="http://schemas.openxmlformats.org/officeDocument/2006/relationships" xmlns:p="http://schemas.openxmlformats.org/presentationml/2006/main">
+  <p:cSld>
+    <p:spTree>
+      <p:nvGrpSpPr>
+        <p:cNvPr id="1" name=""/>
+        <p:cNvGrpSpPr/>
+        <p:nvPr/>
+      </p:nvGrpSpPr>
+      <p:grpSpPr>
+        <a:xfrm>
+          <a:off x="0" y="0"/>
+          <a:ext cx="0" cy="0"/>
+          <a:chOff x="0" y="0"/>
+          <a:chExt cx="0" cy="0"/>
+        </a:xfrm>
+      </p:grpSpPr>
+      <p:sp>
+        <p:nvSpPr>
+          <p:cNvPr id="10" name="矩形 9"/>
+          <p:cNvSpPr/>
+          <p:nvPr/>
+        </p:nvSpPr>
+        <p:spPr>
+          <a:xfrm>
+            <a:off x="3772041" y="281832"/>
+            <a:ext cx="4527611" cy="4760153"/>
+          </a:xfrm>
+          <a:prstGeom prst="rect">
+            <a:avLst/>
+          </a:prstGeom>
+          <a:solidFill>
+            <a:schemeClr val="accent1">
+              <a:lumMod val="40000"/>
+              <a:lumOff val="60000"/>
+            </a:schemeClr>
+          </a:solidFill>
+          <a:ln>
+            <a:solidFill>
+              <a:schemeClr val="accent1">
+                <a:lumMod val="40000"/>
+                <a:lumOff val="60000"/>
+              </a:schemeClr>
+            </a:solidFill>
+          </a:ln>
+        </p:spPr>
+        <p:style>
+          <a:lnRef idx="1">
+            <a:schemeClr val="accent2"/>
+          </a:lnRef>
+          <a:fillRef idx="2">
+            <a:schemeClr val="accent2"/>
+          </a:fillRef>
+          <a:effectRef idx="1">
+            <a:schemeClr val="accent2"/>
+          </a:effectRef>
+          <a:fontRef idx="minor">
+            <a:schemeClr val="dk1"/>
+          </a:fontRef>
+        </p:style>
+        <p:txBody>
+          <a:bodyPr rtlCol="0" anchor="t" anchorCtr="0"/>
+          <a:lstStyle/>
+          <a:p>
+            <a:r>
+              <a:rPr lang="en-US" altLang="zh-CN" sz="1100" dirty="0"/>
+              <a:t>@Override</a:t>
+            </a:r>
+          </a:p>
+          <a:p>
+            <a:r>
+              <a:rPr lang="en-US" altLang="zh-CN" sz="1100" dirty="0"/>
+              <a:t>@Nullable</a:t>
+            </a:r>
+          </a:p>
+          <a:p>
+            <a:r>
+              <a:rPr lang="en-US" altLang="zh-CN" sz="1100" dirty="0"/>
+              <a:t>public Object proceed() throws Throwable {</a:t>
+            </a:r>
+          </a:p>
+          <a:p>
+            <a:r>
+              <a:rPr lang="en-US" altLang="zh-CN" sz="1100" dirty="0">
+                <a:solidFill>
+                  <a:srgbClr val="00B050"/>
+                </a:solidFill>
+              </a:rPr>
+              <a:t>//</a:t>
+            </a:r>
+            <a:r>
+              <a:rPr lang="en-US" altLang="zh-CN" sz="1100" b="1" dirty="0">
+                <a:solidFill>
+                  <a:srgbClr val="00B050"/>
+                </a:solidFill>
+              </a:rPr>
+              <a:t> </a:t>
+            </a:r>
+            <a:r>
+              <a:rPr lang="en-US" altLang="zh-CN" sz="1100" b="1" dirty="0" err="1">
+                <a:solidFill>
+                  <a:srgbClr val="00B050"/>
+                </a:solidFill>
+              </a:rPr>
+              <a:t>this.currentInterceptorIndex</a:t>
+            </a:r>
+            <a:r>
+              <a:rPr lang="zh-CN" altLang="en-US" sz="1100" b="1" dirty="0">
+                <a:solidFill>
+                  <a:srgbClr val="00B050"/>
+                </a:solidFill>
+              </a:rPr>
+              <a:t>的初始值为</a:t>
+            </a:r>
+            <a:r>
+              <a:rPr lang="en-US" altLang="zh-CN" sz="1100" b="1" dirty="0">
+                <a:solidFill>
+                  <a:srgbClr val="00B050"/>
+                </a:solidFill>
+              </a:rPr>
+              <a:t>-1</a:t>
+            </a:r>
+          </a:p>
+          <a:p>
+            <a:r>
+              <a:rPr lang="en-US" altLang="zh-CN" sz="1100" b="1" dirty="0">
+                <a:solidFill>
+                  <a:srgbClr val="00B050"/>
+                </a:solidFill>
+              </a:rPr>
+              <a:t>//</a:t>
+            </a:r>
+            <a:r>
+              <a:rPr lang="zh-CN" altLang="en-US" sz="1100" b="1" dirty="0">
+                <a:solidFill>
+                  <a:srgbClr val="00B050"/>
+                </a:solidFill>
+              </a:rPr>
+              <a:t>当下面的判断条件成立时才会真正调用到目标方法</a:t>
+            </a:r>
+            <a:endParaRPr lang="en-US" altLang="zh-CN" sz="1100" dirty="0">
+              <a:solidFill>
+                <a:srgbClr val="00B050"/>
+              </a:solidFill>
+            </a:endParaRPr>
+          </a:p>
+          <a:p>
+            <a:r>
+              <a:rPr lang="en-US" altLang="zh-CN" sz="900" dirty="0"/>
+              <a:t> if (</a:t>
+            </a:r>
+            <a:r>
+              <a:rPr lang="en-US" altLang="zh-CN" sz="900" b="1" dirty="0" err="1">
+                <a:solidFill>
+                  <a:srgbClr val="FF0000"/>
+                </a:solidFill>
+              </a:rPr>
+              <a:t>this.currentInterceptorIndex</a:t>
+            </a:r>
+            <a:r>
+              <a:rPr lang="en-US" altLang="zh-CN" sz="900" b="1" dirty="0">
+                <a:solidFill>
+                  <a:srgbClr val="FF0000"/>
+                </a:solidFill>
+              </a:rPr>
+              <a:t> == </a:t>
+            </a:r>
+            <a:r>
+              <a:rPr lang="en-US" altLang="zh-CN" sz="900" b="1" dirty="0" err="1">
+                <a:solidFill>
+                  <a:srgbClr val="FF0000"/>
+                </a:solidFill>
+              </a:rPr>
+              <a:t>this.interceptorsAndDynamicMethodMatchers.size</a:t>
+            </a:r>
+            <a:r>
+              <a:rPr lang="en-US" altLang="zh-CN" sz="900" b="1" dirty="0">
+                <a:solidFill>
+                  <a:srgbClr val="FF0000"/>
+                </a:solidFill>
+              </a:rPr>
+              <a:t>() - 1</a:t>
+            </a:r>
+            <a:r>
+              <a:rPr lang="en-US" altLang="zh-CN" sz="900" dirty="0"/>
+              <a:t>) {</a:t>
+            </a:r>
+          </a:p>
+          <a:p>
+            <a:r>
+              <a:rPr lang="en-US" altLang="zh-CN" sz="1100" dirty="0"/>
+              <a:t>        return </a:t>
+            </a:r>
+            <a:r>
+              <a:rPr lang="en-US" altLang="zh-CN" sz="1100" dirty="0" err="1"/>
+              <a:t>invokeJoinpoint</a:t>
+            </a:r>
+            <a:r>
+              <a:rPr lang="en-US" altLang="zh-CN" sz="1100" dirty="0"/>
+              <a:t>(); //</a:t>
+            </a:r>
+            <a:r>
+              <a:rPr lang="zh-CN" altLang="en-US" sz="1100" dirty="0"/>
+              <a:t>真正调用目标方法    </a:t>
+            </a:r>
+            <a:endParaRPr lang="en-US" altLang="zh-CN" sz="1100" dirty="0"/>
+          </a:p>
+          <a:p>
+            <a:r>
+              <a:rPr lang="en-US" altLang="zh-CN" sz="1100" dirty="0"/>
+              <a:t>}</a:t>
+            </a:r>
+          </a:p>
+          <a:p>
+            <a:endParaRPr lang="en-US" altLang="zh-CN" sz="1100" dirty="0"/>
+          </a:p>
+          <a:p>
+            <a:r>
+              <a:rPr lang="en-US" altLang="zh-CN" sz="1100" b="1" dirty="0">
+                <a:solidFill>
+                  <a:srgbClr val="00B050"/>
+                </a:solidFill>
+              </a:rPr>
+              <a:t>//</a:t>
+            </a:r>
+            <a:r>
+              <a:rPr lang="zh-CN" altLang="en-US" sz="1100" b="1" dirty="0">
+                <a:solidFill>
+                  <a:srgbClr val="00B050"/>
+                </a:solidFill>
+              </a:rPr>
+              <a:t>从方法拦接器链中拿出第</a:t>
+            </a:r>
+            <a:r>
+              <a:rPr lang="en-US" altLang="zh-CN" sz="1100" b="1" dirty="0">
+                <a:solidFill>
+                  <a:srgbClr val="00B050"/>
+                </a:solidFill>
+              </a:rPr>
+              <a:t>++</a:t>
+            </a:r>
+            <a:r>
+              <a:rPr lang="en-US" altLang="zh-CN" sz="1100" b="1" dirty="0" err="1">
+                <a:solidFill>
+                  <a:srgbClr val="00B050"/>
+                </a:solidFill>
+              </a:rPr>
+              <a:t>this.currentInterceptorIndex</a:t>
+            </a:r>
+            <a:r>
+              <a:rPr lang="zh-CN" altLang="en-US" sz="1100" b="1" dirty="0">
+                <a:solidFill>
+                  <a:srgbClr val="00B050"/>
+                </a:solidFill>
+              </a:rPr>
+              <a:t>个拦截器</a:t>
+            </a:r>
+            <a:endParaRPr lang="en-US" altLang="zh-CN" sz="1100" b="1" dirty="0">
+              <a:solidFill>
+                <a:srgbClr val="00B050"/>
+              </a:solidFill>
+            </a:endParaRPr>
+          </a:p>
+          <a:p>
+            <a:r>
+              <a:rPr lang="en-US" altLang="zh-CN" sz="950" b="1" dirty="0"/>
+              <a:t>Object </a:t>
+            </a:r>
+            <a:r>
+              <a:rPr lang="en-US" altLang="zh-CN" sz="950" b="1" dirty="0" err="1"/>
+              <a:t>interceptorOrInterceptionAdvice</a:t>
+            </a:r>
+            <a:r>
+              <a:rPr lang="en-US" altLang="zh-CN" sz="950" b="1" dirty="0"/>
+              <a:t> =</a:t>
+            </a:r>
+            <a:r>
+              <a:rPr lang="en-US" altLang="zh-CN" sz="950" b="1" dirty="0" err="1"/>
+              <a:t>this.interceptorsAndDynamicMethodMatchers.get</a:t>
+            </a:r>
+            <a:r>
+              <a:rPr lang="en-US" altLang="zh-CN" sz="950" b="1" dirty="0"/>
+              <a:t>(++</a:t>
+            </a:r>
+            <a:r>
+              <a:rPr lang="en-US" altLang="zh-CN" sz="950" b="1" dirty="0" err="1"/>
+              <a:t>this.currentInterceptorIndex</a:t>
+            </a:r>
+            <a:r>
+              <a:rPr lang="en-US" altLang="zh-CN" sz="950" b="1" dirty="0"/>
+              <a:t>);</a:t>
+            </a:r>
+          </a:p>
+          <a:p>
+            <a:r>
+              <a:rPr lang="en-US" altLang="zh-CN" sz="1100" dirty="0"/>
+              <a:t>    </a:t>
+            </a:r>
+          </a:p>
+          <a:p>
+            <a:endParaRPr lang="en-US" altLang="zh-CN" sz="1100" dirty="0"/>
+          </a:p>
+          <a:p>
+            <a:r>
+              <a:rPr lang="en-US" altLang="zh-CN" sz="1100" dirty="0"/>
+              <a:t>//</a:t>
+            </a:r>
+            <a:r>
+              <a:rPr lang="zh-CN" altLang="en-US" sz="1100" dirty="0"/>
+              <a:t>省略</a:t>
+            </a:r>
+            <a:r>
+              <a:rPr lang="en-US" altLang="zh-CN" sz="1100" dirty="0"/>
+              <a:t>n</a:t>
+            </a:r>
+            <a:r>
+              <a:rPr lang="zh-CN" altLang="en-US" sz="1100" dirty="0"/>
+              <a:t>行代码。。。。</a:t>
+            </a:r>
+          </a:p>
+          <a:p>
+            <a:r>
+              <a:rPr lang="zh-CN" altLang="en-US" sz="1100" dirty="0"/>
+              <a:t>    </a:t>
+            </a:r>
+            <a:endParaRPr lang="en-US" altLang="zh-CN" sz="1100" dirty="0"/>
+          </a:p>
+          <a:p>
+            <a:r>
+              <a:rPr lang="en-US" altLang="zh-CN" sz="1100" dirty="0">
+                <a:solidFill>
+                  <a:srgbClr val="00B050"/>
+                </a:solidFill>
+              </a:rPr>
+              <a:t>//</a:t>
+            </a:r>
+            <a:r>
+              <a:rPr lang="zh-CN" altLang="en-US" sz="1100" dirty="0">
+                <a:solidFill>
+                  <a:srgbClr val="00B050"/>
+                </a:solidFill>
+              </a:rPr>
+              <a:t>调用第</a:t>
+            </a:r>
+            <a:r>
+              <a:rPr lang="en-US" altLang="zh-CN" sz="1100" b="1" dirty="0">
+                <a:solidFill>
+                  <a:srgbClr val="00B050"/>
+                </a:solidFill>
+              </a:rPr>
+              <a:t>++</a:t>
+            </a:r>
+            <a:r>
+              <a:rPr lang="en-US" altLang="zh-CN" sz="1100" b="1" dirty="0" err="1">
+                <a:solidFill>
+                  <a:srgbClr val="00B050"/>
+                </a:solidFill>
+              </a:rPr>
+              <a:t>this.currentInterceptorIndex</a:t>
+            </a:r>
+            <a:r>
+              <a:rPr lang="zh-CN" altLang="en-US" sz="1100" b="1" dirty="0">
+                <a:solidFill>
+                  <a:srgbClr val="00B050"/>
+                </a:solidFill>
+              </a:rPr>
+              <a:t>个拦截器方法</a:t>
+            </a:r>
+            <a:endParaRPr lang="en-US" altLang="zh-CN" sz="1100" b="1" dirty="0">
+              <a:solidFill>
+                <a:srgbClr val="00B050"/>
+              </a:solidFill>
+            </a:endParaRPr>
+          </a:p>
+          <a:p>
+            <a:r>
+              <a:rPr lang="en-US" altLang="zh-CN" sz="1100" b="1" dirty="0">
+                <a:solidFill>
+                  <a:srgbClr val="00B050"/>
+                </a:solidFill>
+              </a:rPr>
+              <a:t>//</a:t>
+            </a:r>
+            <a:r>
+              <a:rPr lang="zh-CN" altLang="en-US" sz="1100" b="1" dirty="0">
+                <a:solidFill>
+                  <a:srgbClr val="00B050"/>
+                </a:solidFill>
+              </a:rPr>
+              <a:t>最先会被调用的是</a:t>
+            </a:r>
+            <a:r>
+              <a:rPr lang="en-US" altLang="zh-CN" sz="1100" b="1" dirty="0" err="1">
+                <a:solidFill>
+                  <a:srgbClr val="7030A0"/>
+                </a:solidFill>
+              </a:rPr>
+              <a:t>ExposeInvocationInterceptor</a:t>
+            </a:r>
+            <a:r>
+              <a:rPr lang="zh-CN" altLang="en-US" sz="1100" b="1" dirty="0">
+                <a:solidFill>
+                  <a:srgbClr val="00B050"/>
+                </a:solidFill>
+              </a:rPr>
+              <a:t>中的</a:t>
+            </a:r>
+            <a:r>
+              <a:rPr lang="en-US" altLang="zh-CN" sz="1100" b="1" dirty="0">
+                <a:solidFill>
+                  <a:srgbClr val="00B050"/>
+                </a:solidFill>
+              </a:rPr>
+              <a:t>invoke </a:t>
+            </a:r>
+          </a:p>
+          <a:p>
+            <a:r>
+              <a:rPr lang="en-US" altLang="zh-CN" sz="1100" dirty="0"/>
+              <a:t>//</a:t>
+            </a:r>
+            <a:r>
+              <a:rPr lang="zh-CN" altLang="en-US" sz="1100" dirty="0"/>
+              <a:t>第</a:t>
+            </a:r>
+            <a:r>
+              <a:rPr lang="en-US" altLang="zh-CN" sz="1100" dirty="0"/>
+              <a:t>2</a:t>
+            </a:r>
+            <a:r>
+              <a:rPr lang="zh-CN" altLang="en-US" sz="1100" dirty="0"/>
+              <a:t>次会被调用的是</a:t>
+            </a:r>
+            <a:r>
+              <a:rPr lang="en-US" altLang="zh-CN" sz="1100" b="1" dirty="0" err="1">
+                <a:solidFill>
+                  <a:schemeClr val="accent2"/>
+                </a:solidFill>
+              </a:rPr>
+              <a:t>AspectJAfterThrowingAdvice</a:t>
+            </a:r>
+            <a:r>
+              <a:rPr lang="zh-CN" altLang="en-US" sz="1100" dirty="0">
+                <a:solidFill>
+                  <a:schemeClr val="tx1"/>
+                </a:solidFill>
+              </a:rPr>
+              <a:t>中的</a:t>
+            </a:r>
+            <a:r>
+              <a:rPr lang="en-US" altLang="zh-CN" sz="1100" dirty="0">
+                <a:solidFill>
+                  <a:schemeClr val="tx1"/>
+                </a:solidFill>
+              </a:rPr>
+              <a:t>invoke </a:t>
+            </a:r>
+          </a:p>
+          <a:p>
+            <a:r>
+              <a:rPr lang="en-US" altLang="zh-CN" sz="1100" dirty="0"/>
+              <a:t>//</a:t>
+            </a:r>
+            <a:r>
+              <a:rPr lang="zh-CN" altLang="en-US" sz="1100" dirty="0"/>
+              <a:t>第</a:t>
+            </a:r>
+            <a:r>
+              <a:rPr lang="en-US" altLang="zh-CN" sz="1100" dirty="0"/>
+              <a:t>3</a:t>
+            </a:r>
+            <a:r>
+              <a:rPr lang="zh-CN" altLang="en-US" sz="1100" dirty="0"/>
+              <a:t>次会被调用的是</a:t>
+            </a:r>
+            <a:r>
+              <a:rPr lang="en-US" altLang="zh-CN" sz="1100" b="1" dirty="0" err="1">
+                <a:solidFill>
+                  <a:schemeClr val="accent2"/>
+                </a:solidFill>
+              </a:rPr>
+              <a:t>AfterReturningAdviceInterceptor</a:t>
+            </a:r>
+            <a:r>
+              <a:rPr lang="zh-CN" altLang="en-US" sz="1100" dirty="0">
+                <a:solidFill>
+                  <a:schemeClr val="tx1"/>
+                </a:solidFill>
+              </a:rPr>
+              <a:t>中的</a:t>
+            </a:r>
+            <a:r>
+              <a:rPr lang="en-US" altLang="zh-CN" sz="1100" dirty="0">
+                <a:solidFill>
+                  <a:schemeClr val="tx1"/>
+                </a:solidFill>
+              </a:rPr>
+              <a:t>invoke </a:t>
+            </a:r>
+          </a:p>
+          <a:p>
+            <a:r>
+              <a:rPr lang="en-US" altLang="zh-CN" sz="1100" dirty="0"/>
+              <a:t>//</a:t>
+            </a:r>
+            <a:r>
+              <a:rPr lang="zh-CN" altLang="en-US" sz="1100" dirty="0"/>
+              <a:t>第</a:t>
+            </a:r>
+            <a:r>
+              <a:rPr lang="en-US" altLang="zh-CN" sz="1100" dirty="0"/>
+              <a:t>4</a:t>
+            </a:r>
+            <a:r>
+              <a:rPr lang="zh-CN" altLang="en-US" sz="1100" dirty="0"/>
+              <a:t>次会被调用的是</a:t>
+            </a:r>
+            <a:r>
+              <a:rPr lang="en-US" altLang="zh-CN" sz="1100" b="1" dirty="0" err="1">
+                <a:solidFill>
+                  <a:schemeClr val="accent2"/>
+                </a:solidFill>
+              </a:rPr>
+              <a:t>AspectJAfterAdvice</a:t>
+            </a:r>
+            <a:r>
+              <a:rPr lang="zh-CN" altLang="en-US" sz="1100" dirty="0">
+                <a:solidFill>
+                  <a:schemeClr val="tx1"/>
+                </a:solidFill>
+              </a:rPr>
+              <a:t>中的</a:t>
+            </a:r>
+            <a:r>
+              <a:rPr lang="en-US" altLang="zh-CN" sz="1100" dirty="0">
+                <a:solidFill>
+                  <a:schemeClr val="tx1"/>
+                </a:solidFill>
+              </a:rPr>
+              <a:t>invoke </a:t>
+            </a:r>
+          </a:p>
+          <a:p>
+            <a:r>
+              <a:rPr lang="en-US" altLang="zh-CN" sz="1100" dirty="0"/>
+              <a:t>//</a:t>
+            </a:r>
+            <a:r>
+              <a:rPr lang="zh-CN" altLang="en-US" sz="1100" dirty="0"/>
+              <a:t>第</a:t>
+            </a:r>
+            <a:r>
+              <a:rPr lang="en-US" altLang="zh-CN" sz="1100" dirty="0"/>
+              <a:t>5</a:t>
+            </a:r>
+            <a:r>
+              <a:rPr lang="zh-CN" altLang="en-US" sz="1100" dirty="0"/>
+              <a:t>次会被调用的是</a:t>
+            </a:r>
+            <a:r>
+              <a:rPr lang="en-US" altLang="zh-CN" sz="1100" b="1" dirty="0" err="1">
+                <a:solidFill>
+                  <a:schemeClr val="accent2"/>
+                </a:solidFill>
+              </a:rPr>
+              <a:t>AspectJAroundAdvice</a:t>
+            </a:r>
+            <a:r>
+              <a:rPr lang="zh-CN" altLang="en-US" sz="1100" dirty="0">
+                <a:solidFill>
+                  <a:schemeClr val="tx1"/>
+                </a:solidFill>
+              </a:rPr>
+              <a:t>中的</a:t>
+            </a:r>
+            <a:r>
+              <a:rPr lang="en-US" altLang="zh-CN" sz="1100" dirty="0">
+                <a:solidFill>
+                  <a:schemeClr val="tx1"/>
+                </a:solidFill>
+              </a:rPr>
+              <a:t>invoke  </a:t>
+            </a:r>
+          </a:p>
+          <a:p>
+            <a:r>
+              <a:rPr lang="en-US" altLang="zh-CN" sz="1100" dirty="0">
+                <a:solidFill>
+                  <a:schemeClr val="tx1"/>
+                </a:solidFill>
+              </a:rPr>
+              <a:t>//</a:t>
+            </a:r>
+            <a:r>
+              <a:rPr lang="zh-CN" altLang="en-US" sz="1100" dirty="0">
+                <a:solidFill>
+                  <a:schemeClr val="tx1"/>
+                </a:solidFill>
+              </a:rPr>
+              <a:t>第</a:t>
+            </a:r>
+            <a:r>
+              <a:rPr lang="en-US" altLang="zh-CN" sz="1100" dirty="0">
+                <a:solidFill>
+                  <a:schemeClr val="tx1"/>
+                </a:solidFill>
+              </a:rPr>
+              <a:t>6</a:t>
+            </a:r>
+            <a:r>
+              <a:rPr lang="zh-CN" altLang="en-US" sz="1100" dirty="0">
+                <a:solidFill>
+                  <a:schemeClr val="tx1"/>
+                </a:solidFill>
+              </a:rPr>
+              <a:t>次会被调用的是</a:t>
+            </a:r>
+            <a:r>
+              <a:rPr lang="en-US" altLang="zh-CN" sz="1100" b="1" dirty="0" err="1">
+                <a:solidFill>
+                  <a:schemeClr val="accent2"/>
+                </a:solidFill>
+              </a:rPr>
+              <a:t>MethodBeforeAdviceInterceptor</a:t>
+            </a:r>
+            <a:r>
+              <a:rPr lang="zh-CN" altLang="en-US" sz="1100" dirty="0">
+                <a:solidFill>
+                  <a:schemeClr val="tx1"/>
+                </a:solidFill>
+              </a:rPr>
+              <a:t>中的</a:t>
+            </a:r>
+            <a:r>
+              <a:rPr lang="en-US" altLang="zh-CN" sz="1100" dirty="0">
+                <a:solidFill>
+                  <a:schemeClr val="tx1"/>
+                </a:solidFill>
+              </a:rPr>
+              <a:t>invoke </a:t>
+            </a:r>
+          </a:p>
+          <a:p>
+            <a:r>
+              <a:rPr lang="en-US" altLang="zh-CN" sz="1100" b="1" i="1" dirty="0">
+                <a:solidFill>
+                  <a:srgbClr val="FF33CC"/>
+                </a:solidFill>
+              </a:rPr>
+              <a:t>//</a:t>
+            </a:r>
+            <a:r>
+              <a:rPr lang="zh-CN" altLang="en-US" sz="1100" b="1" i="1" dirty="0">
+                <a:solidFill>
+                  <a:srgbClr val="FF33CC"/>
+                </a:solidFill>
+              </a:rPr>
+              <a:t>注意：这里会被调用</a:t>
+            </a:r>
+            <a:r>
+              <a:rPr lang="en-US" altLang="zh-CN" sz="1100" b="1" i="1" dirty="0">
+                <a:solidFill>
+                  <a:srgbClr val="FF33CC"/>
+                </a:solidFill>
+              </a:rPr>
+              <a:t>6</a:t>
+            </a:r>
+            <a:r>
+              <a:rPr lang="zh-CN" altLang="en-US" sz="1100" b="1" i="1" dirty="0">
+                <a:solidFill>
+                  <a:srgbClr val="FF33CC"/>
+                </a:solidFill>
+              </a:rPr>
+              <a:t>次，第一次</a:t>
+            </a:r>
+            <a:r>
+              <a:rPr lang="en-US" altLang="zh-CN" sz="1100" b="1" i="1" dirty="0" err="1">
+                <a:solidFill>
+                  <a:srgbClr val="FF33CC"/>
+                </a:solidFill>
+              </a:rPr>
+              <a:t>this.currentInterceptorIndex</a:t>
+            </a:r>
+            <a:r>
+              <a:rPr lang="en-US" altLang="zh-CN" sz="1100" b="1" i="1" dirty="0">
+                <a:solidFill>
+                  <a:srgbClr val="FF33CC"/>
+                </a:solidFill>
+              </a:rPr>
+              <a:t> = 0</a:t>
+            </a:r>
+          </a:p>
+          <a:p>
+            <a:r>
+              <a:rPr lang="en-US" altLang="zh-CN" sz="1100" b="1" dirty="0">
+                <a:solidFill>
+                  <a:srgbClr val="FF33CC"/>
+                </a:solidFill>
+              </a:rPr>
+              <a:t>//</a:t>
+            </a:r>
+            <a:r>
+              <a:rPr lang="zh-CN" altLang="en-US" sz="1100" b="1" dirty="0">
+                <a:solidFill>
+                  <a:srgbClr val="FF33CC"/>
+                </a:solidFill>
+              </a:rPr>
+              <a:t>第</a:t>
+            </a:r>
+            <a:r>
+              <a:rPr lang="en-US" altLang="zh-CN" sz="1100" b="1" dirty="0">
+                <a:solidFill>
+                  <a:srgbClr val="FF33CC"/>
+                </a:solidFill>
+              </a:rPr>
+              <a:t>6</a:t>
+            </a:r>
+            <a:r>
+              <a:rPr lang="zh-CN" altLang="en-US" sz="1100" b="1" dirty="0">
+                <a:solidFill>
+                  <a:srgbClr val="FF33CC"/>
+                </a:solidFill>
+              </a:rPr>
+              <a:t>次</a:t>
+            </a:r>
+            <a:r>
+              <a:rPr lang="en-US" altLang="zh-CN" sz="1100" b="1" i="1" dirty="0" err="1">
+                <a:solidFill>
+                  <a:srgbClr val="FF33CC"/>
+                </a:solidFill>
+              </a:rPr>
+              <a:t>this.currentInterceptorIndex</a:t>
+            </a:r>
+            <a:r>
+              <a:rPr lang="en-US" altLang="zh-CN" sz="1100" b="1" i="1" dirty="0">
+                <a:solidFill>
+                  <a:srgbClr val="FF33CC"/>
+                </a:solidFill>
+              </a:rPr>
+              <a:t> = 5</a:t>
+            </a:r>
+            <a:endParaRPr lang="en-US" altLang="zh-CN" sz="1100" b="1" dirty="0">
+              <a:solidFill>
+                <a:srgbClr val="FF33CC"/>
+              </a:solidFill>
+            </a:endParaRPr>
+          </a:p>
+          <a:p>
+            <a:r>
+              <a:rPr lang="en-US" altLang="zh-CN" sz="1100" dirty="0"/>
+              <a:t>return ((</a:t>
+            </a:r>
+            <a:r>
+              <a:rPr lang="en-US" altLang="zh-CN" sz="1100" dirty="0" err="1"/>
+              <a:t>MethodInterceptor</a:t>
+            </a:r>
+            <a:r>
+              <a:rPr lang="en-US" altLang="zh-CN" sz="1100" dirty="0"/>
+              <a:t>)</a:t>
+            </a:r>
+            <a:r>
+              <a:rPr lang="en-US" altLang="zh-CN" sz="1100" dirty="0" err="1"/>
+              <a:t>interceptorOrInterceptionAdvice</a:t>
+            </a:r>
+            <a:r>
+              <a:rPr lang="en-US" altLang="zh-CN" sz="1100" dirty="0"/>
+              <a:t>).invoke(this);    </a:t>
+            </a:r>
+          </a:p>
+          <a:p>
+            <a:r>
+              <a:rPr lang="en-US" altLang="zh-CN" sz="1100" dirty="0"/>
+              <a:t>}</a:t>
+            </a:r>
+          </a:p>
+        </p:txBody>
+      </p:sp>
+      <p:sp>
+        <p:nvSpPr>
+          <p:cNvPr id="12" name="矩形 11"/>
+          <p:cNvSpPr/>
+          <p:nvPr/>
+        </p:nvSpPr>
+        <p:spPr>
+          <a:xfrm>
+            <a:off x="0" y="3846830"/>
+            <a:ext cx="3484942" cy="1188000"/>
+          </a:xfrm>
+          <a:prstGeom prst="rect">
+            <a:avLst/>
+          </a:prstGeom>
+          <a:solidFill>
+            <a:schemeClr val="accent1">
+              <a:lumMod val="40000"/>
+              <a:lumOff val="60000"/>
+            </a:schemeClr>
+          </a:solidFill>
+          <a:ln>
+            <a:solidFill>
+              <a:schemeClr val="accent1">
+                <a:lumMod val="40000"/>
+                <a:lumOff val="60000"/>
+              </a:schemeClr>
+            </a:solidFill>
+          </a:ln>
+        </p:spPr>
+        <p:style>
+          <a:lnRef idx="1">
+            <a:schemeClr val="accent2"/>
+          </a:lnRef>
+          <a:fillRef idx="2">
+            <a:schemeClr val="accent2"/>
+          </a:fillRef>
+          <a:effectRef idx="1">
+            <a:schemeClr val="accent2"/>
+          </a:effectRef>
+          <a:fontRef idx="minor">
+            <a:schemeClr val="dk1"/>
+          </a:fontRef>
+        </p:style>
+        <p:txBody>
+          <a:bodyPr rtlCol="0" anchor="t" anchorCtr="0"/>
+          <a:lstStyle/>
+          <a:p>
+            <a:r>
+              <a:rPr lang="en-US" altLang="zh-CN" sz="1000" dirty="0"/>
+              <a:t>@Override</a:t>
+            </a:r>
+          </a:p>
+          <a:p>
+            <a:r>
+              <a:rPr lang="en-US" altLang="zh-CN" sz="1000" dirty="0"/>
+              <a:t>public Object invoke(MethodInvocation mi) throws Throwable {</a:t>
+            </a:r>
+          </a:p>
+          <a:p>
+            <a:r>
+              <a:rPr lang="en-US" altLang="zh-CN" sz="1000" dirty="0"/>
+              <a:t>    Object retVal = mi.proceed(); </a:t>
+            </a:r>
+            <a:r>
+              <a:rPr lang="en-US" altLang="zh-CN" sz="1000" b="1" dirty="0">
+                <a:solidFill>
+                  <a:srgbClr val="00B0F0"/>
+                </a:solidFill>
+              </a:rPr>
+              <a:t>//</a:t>
+            </a:r>
+            <a:r>
+              <a:rPr lang="zh-CN" altLang="en-US" sz="1000" b="1" dirty="0">
+                <a:solidFill>
+                  <a:srgbClr val="00B0F0"/>
+                </a:solidFill>
+              </a:rPr>
+              <a:t>会直接调用</a:t>
+            </a:r>
+            <a:r>
+              <a:rPr lang="en-US" altLang="zh-CN" sz="1000" b="1" dirty="0">
+                <a:solidFill>
+                  <a:srgbClr val="00B0F0"/>
+                </a:solidFill>
+              </a:rPr>
+              <a:t>proceed()</a:t>
+            </a:r>
+            <a:endParaRPr lang="en-US" altLang="zh-CN" sz="1000" dirty="0"/>
+          </a:p>
+          <a:p>
+            <a:r>
+              <a:rPr lang="en-US" altLang="zh-CN" sz="1000" dirty="0"/>
+              <a:t>    this.advice.afterReturning</a:t>
+            </a:r>
+            <a:r>
+              <a:rPr lang="zh-CN" altLang="en-US" sz="1000" dirty="0"/>
+              <a:t>。。。</a:t>
+            </a:r>
+            <a:r>
+              <a:rPr lang="en-US" altLang="zh-CN" sz="1000" dirty="0"/>
+              <a:t>//</a:t>
+            </a:r>
+            <a:r>
+              <a:rPr lang="zh-CN" altLang="en-US" sz="1000" dirty="0"/>
+              <a:t>调用</a:t>
+            </a:r>
+            <a:r>
+              <a:rPr lang="zh-CN" altLang="en-US" sz="1000" b="1" dirty="0">
+                <a:solidFill>
+                  <a:srgbClr val="FF0000"/>
+                </a:solidFill>
+              </a:rPr>
+              <a:t>返回通知</a:t>
+            </a:r>
+            <a:r>
+              <a:rPr lang="zh-CN" altLang="en-US" sz="1000" dirty="0"/>
+              <a:t>方法</a:t>
+            </a:r>
+            <a:endParaRPr lang="en-US" altLang="zh-CN" sz="1000" dirty="0"/>
+          </a:p>
+          <a:p>
+            <a:r>
+              <a:rPr lang="en-US" altLang="zh-CN" sz="1000" dirty="0"/>
+              <a:t>    return retVal; //</a:t>
+            </a:r>
+            <a:r>
+              <a:rPr lang="zh-CN" altLang="en-US" sz="1000" dirty="0"/>
+              <a:t>将获取的结果返回</a:t>
+            </a:r>
+            <a:endParaRPr lang="en-US" altLang="zh-CN" sz="1000" dirty="0"/>
+          </a:p>
+          <a:p>
+            <a:r>
+              <a:rPr lang="en-US" altLang="zh-CN" sz="1000" dirty="0"/>
+              <a:t>}</a:t>
+            </a:r>
+          </a:p>
+        </p:txBody>
+      </p:sp>
+      <p:sp>
+        <p:nvSpPr>
+          <p:cNvPr id="13" name="矩形 12"/>
+          <p:cNvSpPr/>
+          <p:nvPr/>
+        </p:nvSpPr>
+        <p:spPr>
+          <a:xfrm>
+            <a:off x="3764133" y="5318125"/>
+            <a:ext cx="4527610" cy="1490980"/>
+          </a:xfrm>
+          <a:prstGeom prst="rect">
+            <a:avLst/>
+          </a:prstGeom>
+          <a:solidFill>
+            <a:schemeClr val="accent1">
+              <a:lumMod val="40000"/>
+              <a:lumOff val="60000"/>
+            </a:schemeClr>
+          </a:solidFill>
+          <a:ln>
+            <a:solidFill>
+              <a:schemeClr val="accent1">
+                <a:lumMod val="40000"/>
+                <a:lumOff val="60000"/>
+              </a:schemeClr>
+            </a:solidFill>
+          </a:ln>
+        </p:spPr>
+        <p:style>
+          <a:lnRef idx="1">
+            <a:schemeClr val="accent2"/>
+          </a:lnRef>
+          <a:fillRef idx="2">
+            <a:schemeClr val="accent2"/>
+          </a:fillRef>
+          <a:effectRef idx="1">
+            <a:schemeClr val="accent2"/>
+          </a:effectRef>
+          <a:fontRef idx="minor">
+            <a:schemeClr val="dk1"/>
+          </a:fontRef>
+        </p:style>
+        <p:txBody>
+          <a:bodyPr rtlCol="0" anchor="t" anchorCtr="0"/>
+          <a:lstStyle/>
+          <a:p>
+            <a:r>
+              <a:rPr lang="zh-CN" altLang="en-US" sz="1000" dirty="0"/>
+              <a:t>@Override</a:t>
+            </a:r>
+          </a:p>
+          <a:p>
+            <a:r>
+              <a:rPr lang="zh-CN" altLang="en-US" sz="1000" dirty="0"/>
+              <a:t>public Object invoke(MethodInvocation mi) throws Throwable {</a:t>
+            </a:r>
+          </a:p>
+          <a:p>
+            <a:r>
+              <a:rPr lang="zh-CN" altLang="en-US" sz="1000" dirty="0"/>
+              <a:t>    try {</a:t>
+            </a:r>
+          </a:p>
+          <a:p>
+            <a:r>
+              <a:rPr lang="zh-CN" altLang="en-US" sz="1000" dirty="0"/>
+              <a:t>        return mi.proceed(); </a:t>
+            </a:r>
+            <a:r>
+              <a:rPr lang="en-US" altLang="zh-CN" sz="1000" b="1" dirty="0">
+                <a:solidFill>
+                  <a:srgbClr val="00B0F0"/>
+                </a:solidFill>
+              </a:rPr>
+              <a:t>//</a:t>
+            </a:r>
+            <a:r>
+              <a:rPr lang="zh-CN" altLang="en-US" sz="1000" b="1" dirty="0">
+                <a:solidFill>
+                  <a:srgbClr val="00B0F0"/>
+                </a:solidFill>
+              </a:rPr>
+              <a:t>会直接调用</a:t>
+            </a:r>
+            <a:r>
+              <a:rPr lang="en-US" altLang="zh-CN" sz="1000" b="1" dirty="0">
+                <a:solidFill>
+                  <a:srgbClr val="00B0F0"/>
+                </a:solidFill>
+              </a:rPr>
+              <a:t>proceed()</a:t>
+            </a:r>
+            <a:endParaRPr lang="zh-CN" altLang="en-US" sz="1000" dirty="0"/>
+          </a:p>
+          <a:p>
+            <a:r>
+              <a:rPr lang="zh-CN" altLang="en-US" sz="1000" dirty="0"/>
+              <a:t>    }</a:t>
+            </a:r>
+          </a:p>
+          <a:p>
+            <a:r>
+              <a:rPr lang="zh-CN" altLang="en-US" sz="1000" dirty="0"/>
+              <a:t>    finally {</a:t>
+            </a:r>
+            <a:r>
+              <a:rPr lang="en-US" altLang="zh-CN" sz="1000" dirty="0"/>
+              <a:t>//</a:t>
+            </a:r>
+            <a:r>
+              <a:rPr lang="zh-CN" altLang="en-US" sz="1000" dirty="0"/>
+              <a:t>无论后面失败与否都要调用</a:t>
+            </a:r>
+            <a:r>
+              <a:rPr lang="zh-CN" altLang="en-US" sz="1000" b="1" dirty="0">
+                <a:solidFill>
+                  <a:srgbClr val="FF0000"/>
+                </a:solidFill>
+              </a:rPr>
+              <a:t>后置通知</a:t>
+            </a:r>
+            <a:r>
+              <a:rPr lang="zh-CN" altLang="en-US" sz="1000" dirty="0">
+                <a:solidFill>
+                  <a:schemeClr val="tx1"/>
+                </a:solidFill>
+              </a:rPr>
+              <a:t>方法</a:t>
+            </a:r>
+          </a:p>
+          <a:p>
+            <a:r>
+              <a:rPr lang="zh-CN" altLang="en-US" sz="1000" dirty="0"/>
+              <a:t>        invokeAdviceMethod(getJoinPointMatch(), null, null);</a:t>
+            </a:r>
+          </a:p>
+          <a:p>
+            <a:r>
+              <a:rPr lang="zh-CN" altLang="en-US" sz="1000" dirty="0"/>
+              <a:t>    }</a:t>
+            </a:r>
+          </a:p>
+          <a:p>
+            <a:r>
+              <a:rPr lang="zh-CN" altLang="en-US" sz="1000" dirty="0"/>
+              <a:t>}</a:t>
+            </a:r>
+          </a:p>
+        </p:txBody>
+      </p:sp>
+      <p:sp>
+        <p:nvSpPr>
+          <p:cNvPr id="19" name="矩形 18"/>
+          <p:cNvSpPr/>
+          <p:nvPr/>
+        </p:nvSpPr>
+        <p:spPr>
+          <a:xfrm>
+            <a:off x="0" y="460504"/>
+            <a:ext cx="3484942" cy="1188000"/>
+          </a:xfrm>
+          <a:prstGeom prst="rect">
+            <a:avLst/>
+          </a:prstGeom>
+          <a:solidFill>
+            <a:schemeClr val="accent1">
+              <a:lumMod val="40000"/>
+              <a:lumOff val="60000"/>
+            </a:schemeClr>
+          </a:solidFill>
+          <a:ln>
+            <a:solidFill>
+              <a:schemeClr val="accent1">
+                <a:lumMod val="40000"/>
+                <a:lumOff val="60000"/>
+              </a:schemeClr>
+            </a:solidFill>
+          </a:ln>
+        </p:spPr>
+        <p:style>
+          <a:lnRef idx="1">
+            <a:schemeClr val="accent2"/>
+          </a:lnRef>
+          <a:fillRef idx="2">
+            <a:schemeClr val="accent2"/>
+          </a:fillRef>
+          <a:effectRef idx="1">
+            <a:schemeClr val="accent2"/>
+          </a:effectRef>
+          <a:fontRef idx="minor">
+            <a:schemeClr val="dk1"/>
+          </a:fontRef>
+        </p:style>
+        <p:txBody>
+          <a:bodyPr rtlCol="0" anchor="t" anchorCtr="0"/>
+          <a:lstStyle/>
+          <a:p>
+            <a:r>
+              <a:rPr lang="en-US" altLang="zh-CN" sz="1000" dirty="0"/>
+              <a:t>@Override</a:t>
+            </a:r>
+          </a:p>
+          <a:p>
+            <a:r>
+              <a:rPr lang="en-US" altLang="zh-CN" sz="1000" dirty="0"/>
+              <a:t>public Object invoke(</a:t>
+            </a:r>
+            <a:r>
+              <a:rPr lang="en-US" altLang="zh-CN" sz="1000" dirty="0" err="1"/>
+              <a:t>MethodInvocation</a:t>
+            </a:r>
+            <a:r>
+              <a:rPr lang="en-US" altLang="zh-CN" sz="1000" dirty="0"/>
+              <a:t> mi) throws Throwable {</a:t>
+            </a:r>
+          </a:p>
+          <a:p>
+            <a:pPr algn="l"/>
+            <a:r>
+              <a:rPr lang="en-US" altLang="zh-CN" sz="1000" dirty="0"/>
+              <a:t>try   {return </a:t>
+            </a:r>
+            <a:r>
+              <a:rPr lang="en-US" altLang="zh-CN" sz="1000" dirty="0" err="1"/>
+              <a:t>mi.proceed</a:t>
+            </a:r>
+            <a:r>
+              <a:rPr lang="en-US" altLang="zh-CN" sz="1000" dirty="0"/>
+              <a:t>(); } </a:t>
+            </a:r>
+            <a:r>
+              <a:rPr lang="en-US" altLang="zh-CN" sz="1000" b="1" dirty="0">
+                <a:solidFill>
+                  <a:srgbClr val="00B0F0"/>
+                </a:solidFill>
+              </a:rPr>
+              <a:t>//</a:t>
+            </a:r>
+            <a:r>
+              <a:rPr lang="zh-CN" altLang="en-US" sz="1000" b="1" dirty="0">
+                <a:solidFill>
+                  <a:srgbClr val="00B0F0"/>
+                </a:solidFill>
+              </a:rPr>
+              <a:t>会直接调用</a:t>
+            </a:r>
+            <a:r>
+              <a:rPr lang="en-US" altLang="zh-CN" sz="1000" b="1" dirty="0">
+                <a:solidFill>
+                  <a:srgbClr val="00B0F0"/>
+                </a:solidFill>
+              </a:rPr>
+              <a:t>proceed()</a:t>
+            </a:r>
+          </a:p>
+          <a:p>
+            <a:pPr algn="l"/>
+            <a:r>
+              <a:rPr lang="en-US" altLang="zh-CN" sz="1000" dirty="0"/>
+              <a:t>finally {</a:t>
+            </a:r>
+          </a:p>
+          <a:p>
+            <a:pPr algn="l"/>
+            <a:r>
+              <a:rPr lang="en-US" altLang="zh-CN" sz="1000" dirty="0"/>
+              <a:t>  </a:t>
+            </a:r>
+            <a:r>
+              <a:rPr lang="en-US" altLang="zh-CN" sz="1000" dirty="0" err="1"/>
+              <a:t>invocation.set</a:t>
+            </a:r>
+            <a:r>
+              <a:rPr lang="en-US" altLang="zh-CN" sz="1000" dirty="0"/>
+              <a:t>(</a:t>
+            </a:r>
+            <a:r>
+              <a:rPr lang="en-US" altLang="zh-CN" sz="1000" dirty="0" err="1"/>
+              <a:t>oldInvocation</a:t>
+            </a:r>
+            <a:r>
+              <a:rPr lang="en-US" altLang="zh-CN" sz="1000" dirty="0"/>
+              <a:t>);</a:t>
+            </a:r>
+          </a:p>
+          <a:p>
+            <a:pPr algn="l"/>
+            <a:r>
+              <a:rPr lang="en-US" altLang="zh-CN" sz="1000" dirty="0"/>
+              <a:t>    }</a:t>
+            </a:r>
+          </a:p>
+          <a:p>
+            <a:pPr algn="l"/>
+            <a:r>
+              <a:rPr lang="en-US" altLang="zh-CN" sz="1000" dirty="0"/>
+              <a:t>}</a:t>
+            </a:r>
+          </a:p>
+        </p:txBody>
+      </p:sp>
+      <p:sp>
+        <p:nvSpPr>
+          <p:cNvPr id="21" name="矩形 20"/>
+          <p:cNvSpPr/>
+          <p:nvPr/>
+        </p:nvSpPr>
+        <p:spPr>
+          <a:xfrm>
+            <a:off x="2448" y="2153667"/>
+            <a:ext cx="3484942" cy="1188000"/>
+          </a:xfrm>
+          <a:prstGeom prst="rect">
+            <a:avLst/>
+          </a:prstGeom>
+          <a:solidFill>
+            <a:schemeClr val="accent1">
+              <a:lumMod val="40000"/>
+              <a:lumOff val="60000"/>
+            </a:schemeClr>
+          </a:solidFill>
+          <a:ln>
+            <a:solidFill>
+              <a:schemeClr val="accent1">
+                <a:lumMod val="40000"/>
+                <a:lumOff val="60000"/>
+              </a:schemeClr>
+            </a:solidFill>
+          </a:ln>
+        </p:spPr>
+        <p:style>
+          <a:lnRef idx="1">
+            <a:schemeClr val="accent2"/>
+          </a:lnRef>
+          <a:fillRef idx="2">
+            <a:schemeClr val="accent2"/>
+          </a:fillRef>
+          <a:effectRef idx="1">
+            <a:schemeClr val="accent2"/>
+          </a:effectRef>
+          <a:fontRef idx="minor">
+            <a:schemeClr val="dk1"/>
+          </a:fontRef>
+        </p:style>
+        <p:txBody>
+          <a:bodyPr rtlCol="0" anchor="t" anchorCtr="0"/>
+          <a:lstStyle/>
+          <a:p>
+            <a:r>
+              <a:rPr lang="en-US" altLang="zh-CN" sz="1000" dirty="0"/>
+              <a:t>try {</a:t>
+            </a:r>
+          </a:p>
+          <a:p>
+            <a:r>
+              <a:rPr lang="en-US" altLang="zh-CN" sz="1000" dirty="0"/>
+              <a:t>        return </a:t>
+            </a:r>
+            <a:r>
+              <a:rPr lang="en-US" altLang="zh-CN" sz="1000" dirty="0" err="1"/>
+              <a:t>mi.proceed</a:t>
+            </a:r>
+            <a:r>
+              <a:rPr lang="en-US" altLang="zh-CN" sz="1000" dirty="0"/>
+              <a:t>(); </a:t>
+            </a:r>
+            <a:r>
+              <a:rPr lang="en-US" altLang="zh-CN" sz="1000" b="1" dirty="0">
+                <a:solidFill>
+                  <a:srgbClr val="00B0F0"/>
+                </a:solidFill>
+              </a:rPr>
+              <a:t>//</a:t>
+            </a:r>
+            <a:r>
+              <a:rPr lang="zh-CN" altLang="en-US" sz="1000" b="1" dirty="0">
+                <a:solidFill>
+                  <a:srgbClr val="00B0F0"/>
+                </a:solidFill>
+              </a:rPr>
+              <a:t>会直接调用</a:t>
+            </a:r>
+            <a:r>
+              <a:rPr lang="en-US" altLang="zh-CN" sz="1000" b="1" dirty="0">
+                <a:solidFill>
+                  <a:srgbClr val="00B0F0"/>
+                </a:solidFill>
+              </a:rPr>
+              <a:t>proceed()</a:t>
+            </a:r>
+          </a:p>
+          <a:p>
+            <a:r>
+              <a:rPr lang="en-US" altLang="zh-CN" sz="1000" dirty="0"/>
+              <a:t>    }</a:t>
+            </a:r>
+          </a:p>
+          <a:p>
+            <a:r>
+              <a:rPr lang="en-US" altLang="zh-CN" sz="1000" dirty="0"/>
+              <a:t>    catch (Throwable ex) {</a:t>
+            </a:r>
+          </a:p>
+          <a:p>
+            <a:r>
+              <a:rPr lang="en-US" altLang="zh-CN" sz="1000" dirty="0"/>
+              <a:t>     invokeAdviceMethod</a:t>
+            </a:r>
+            <a:r>
+              <a:rPr lang="zh-CN" altLang="en-US" sz="1000" dirty="0"/>
+              <a:t>。。。</a:t>
+            </a:r>
+            <a:r>
+              <a:rPr lang="en-US" altLang="zh-CN" sz="1000" dirty="0"/>
+              <a:t>//</a:t>
+            </a:r>
+            <a:r>
+              <a:rPr lang="zh-CN" altLang="en-US" sz="1000" dirty="0"/>
+              <a:t>调用</a:t>
+            </a:r>
+            <a:r>
+              <a:rPr lang="zh-CN" altLang="en-US" sz="1000" b="1" dirty="0">
+                <a:solidFill>
+                  <a:srgbClr val="FF0000"/>
+                </a:solidFill>
+              </a:rPr>
+              <a:t>异常通知</a:t>
+            </a:r>
+            <a:r>
+              <a:rPr lang="zh-CN" altLang="en-US" sz="1000" dirty="0"/>
+              <a:t>方法</a:t>
+            </a:r>
+            <a:endParaRPr lang="en-US" altLang="zh-CN" sz="1000" dirty="0"/>
+          </a:p>
+          <a:p>
+            <a:r>
+              <a:rPr lang="en-US" altLang="zh-CN" sz="1000" dirty="0"/>
+              <a:t>     throw ex ; //</a:t>
+            </a:r>
+            <a:r>
+              <a:rPr lang="zh-CN" altLang="en-US" sz="1000" dirty="0"/>
+              <a:t>把异常抛出去</a:t>
+            </a:r>
+            <a:endParaRPr lang="en-US" altLang="zh-CN" sz="1000" dirty="0"/>
+          </a:p>
+          <a:p>
+            <a:r>
+              <a:rPr lang="en-US" altLang="zh-CN" sz="1000" dirty="0"/>
+              <a:t>    }</a:t>
+            </a:r>
+          </a:p>
+        </p:txBody>
+      </p:sp>
+      <p:sp>
+        <p:nvSpPr>
+          <p:cNvPr id="26" name="矩形 25"/>
+          <p:cNvSpPr/>
+          <p:nvPr/>
+        </p:nvSpPr>
+        <p:spPr>
+          <a:xfrm>
+            <a:off x="8556000" y="2022771"/>
+            <a:ext cx="3636000" cy="1449791"/>
+          </a:xfrm>
+          <a:prstGeom prst="rect">
+            <a:avLst/>
+          </a:prstGeom>
+          <a:solidFill>
+            <a:schemeClr val="accent1">
+              <a:lumMod val="40000"/>
+              <a:lumOff val="60000"/>
+            </a:schemeClr>
+          </a:solidFill>
+          <a:ln>
+            <a:solidFill>
+              <a:schemeClr val="accent1">
+                <a:lumMod val="40000"/>
+                <a:lumOff val="60000"/>
+              </a:schemeClr>
+            </a:solidFill>
+          </a:ln>
+        </p:spPr>
+        <p:style>
+          <a:lnRef idx="1">
+            <a:schemeClr val="accent2"/>
+          </a:lnRef>
+          <a:fillRef idx="2">
+            <a:schemeClr val="accent2"/>
+          </a:fillRef>
+          <a:effectRef idx="1">
+            <a:schemeClr val="accent2"/>
+          </a:effectRef>
+          <a:fontRef idx="minor">
+            <a:schemeClr val="dk1"/>
+          </a:fontRef>
+        </p:style>
+        <p:txBody>
+          <a:bodyPr rtlCol="0" anchor="t" anchorCtr="0"/>
+          <a:lstStyle/>
+          <a:p>
+            <a:r>
+              <a:rPr lang="en-US" altLang="zh-CN" sz="1000" dirty="0"/>
+              <a:t>@Around("</a:t>
+            </a:r>
+            <a:r>
+              <a:rPr lang="en-US" altLang="zh-CN" sz="1000" dirty="0" err="1"/>
+              <a:t>pointCut</a:t>
+            </a:r>
+            <a:r>
+              <a:rPr lang="en-US" altLang="zh-CN" sz="1000" dirty="0"/>
+              <a:t>()") //</a:t>
+            </a:r>
+            <a:r>
+              <a:rPr lang="zh-CN" altLang="en-US" sz="1000" dirty="0"/>
+              <a:t>环绕通知 </a:t>
+            </a:r>
+            <a:r>
+              <a:rPr lang="en-US" altLang="zh-CN" sz="1000" dirty="0"/>
+              <a:t>--- </a:t>
+            </a:r>
+            <a:r>
+              <a:rPr lang="zh-CN" altLang="en-US" sz="1000" dirty="0"/>
+              <a:t>工作中我习惯用这个</a:t>
+            </a:r>
+            <a:r>
+              <a:rPr lang="en-US" altLang="zh-CN" sz="1000" dirty="0"/>
+              <a:t>public Object Around(</a:t>
+            </a:r>
+            <a:r>
+              <a:rPr lang="en-US" altLang="zh-CN" sz="1000" dirty="0" err="1"/>
+              <a:t>ProceedingJoinPoint</a:t>
+            </a:r>
+            <a:r>
+              <a:rPr lang="en-US" altLang="zh-CN" sz="1000" dirty="0"/>
+              <a:t> </a:t>
+            </a:r>
+            <a:r>
+              <a:rPr lang="en-US" altLang="zh-CN" sz="1000" dirty="0" err="1"/>
+              <a:t>proceedingJoinPoint</a:t>
+            </a:r>
+            <a:r>
+              <a:rPr lang="en-US" altLang="zh-CN" sz="1000" dirty="0"/>
+              <a:t>) throws Throwable {</a:t>
+            </a:r>
+          </a:p>
+          <a:p>
+            <a:r>
+              <a:rPr lang="en-US" altLang="zh-CN" sz="1000" dirty="0"/>
+              <a:t>        </a:t>
+            </a:r>
+            <a:r>
+              <a:rPr lang="en-US" altLang="zh-CN" sz="1000" dirty="0" err="1"/>
+              <a:t>System.out.println</a:t>
+            </a:r>
+            <a:r>
+              <a:rPr lang="en-US" altLang="zh-CN" sz="1000" dirty="0"/>
+              <a:t>(“@</a:t>
+            </a:r>
+            <a:r>
+              <a:rPr lang="en-US" altLang="zh-CN" sz="1000" dirty="0" err="1"/>
+              <a:t>Arount</a:t>
+            </a:r>
+            <a:r>
+              <a:rPr lang="en-US" altLang="zh-CN" sz="1000" dirty="0"/>
+              <a:t>:</a:t>
+            </a:r>
+            <a:r>
+              <a:rPr lang="zh-CN" altLang="en-US" sz="1000" dirty="0"/>
+              <a:t>执行目标方法之前</a:t>
+            </a:r>
+            <a:r>
+              <a:rPr lang="en-US" altLang="zh-CN" sz="1000" dirty="0"/>
+              <a:t>…”);</a:t>
+            </a:r>
+          </a:p>
+          <a:p>
+            <a:r>
+              <a:rPr lang="en-US" altLang="zh-CN" sz="1000" dirty="0"/>
+              <a:t>        </a:t>
+            </a:r>
+            <a:r>
+              <a:rPr lang="en-US" altLang="zh-CN" sz="1000" b="1" i="1" dirty="0">
+                <a:solidFill>
+                  <a:srgbClr val="00B0F0"/>
+                </a:solidFill>
+              </a:rPr>
+              <a:t>//</a:t>
+            </a:r>
+            <a:r>
+              <a:rPr lang="zh-CN" altLang="en-US" sz="1000" b="1" i="1" dirty="0">
+                <a:solidFill>
+                  <a:srgbClr val="00B0F0"/>
+                </a:solidFill>
+              </a:rPr>
+              <a:t>会调用到</a:t>
+            </a:r>
+            <a:r>
+              <a:rPr lang="en-US" altLang="zh-CN" sz="1000" b="1" i="1" dirty="0">
+                <a:solidFill>
+                  <a:srgbClr val="00B0F0"/>
+                </a:solidFill>
+              </a:rPr>
+              <a:t>proceed()</a:t>
+            </a:r>
+            <a:r>
+              <a:rPr lang="zh-CN" altLang="en-US" sz="1000" b="1" i="1" dirty="0">
+                <a:solidFill>
+                  <a:srgbClr val="00B0F0"/>
+                </a:solidFill>
+              </a:rPr>
+              <a:t>方法</a:t>
+            </a:r>
+          </a:p>
+          <a:p>
+            <a:r>
+              <a:rPr lang="zh-CN" altLang="en-US" sz="1000" dirty="0"/>
+              <a:t>        </a:t>
+            </a:r>
+            <a:r>
+              <a:rPr lang="en-US" altLang="zh-CN" sz="1000" dirty="0"/>
+              <a:t>Object obj = </a:t>
+            </a:r>
+            <a:r>
+              <a:rPr lang="en-US" altLang="zh-CN" sz="1000" dirty="0" err="1"/>
+              <a:t>proceedingJoinPoint.proceed</a:t>
+            </a:r>
+            <a:r>
+              <a:rPr lang="en-US" altLang="zh-CN" sz="1000" dirty="0"/>
+              <a:t>();</a:t>
+            </a:r>
+          </a:p>
+          <a:p>
+            <a:r>
+              <a:rPr lang="en-US" altLang="zh-CN" sz="1000" dirty="0"/>
+              <a:t>        </a:t>
+            </a:r>
+            <a:r>
+              <a:rPr lang="en-US" altLang="zh-CN" sz="1000" dirty="0" err="1"/>
+              <a:t>System.out.println</a:t>
+            </a:r>
+            <a:r>
+              <a:rPr lang="en-US" altLang="zh-CN" sz="1000" dirty="0"/>
+              <a:t>("@</a:t>
+            </a:r>
+            <a:r>
+              <a:rPr lang="en-US" altLang="zh-CN" sz="1000" dirty="0" err="1"/>
+              <a:t>Arount</a:t>
+            </a:r>
+            <a:r>
+              <a:rPr lang="en-US" altLang="zh-CN" sz="1000" dirty="0"/>
+              <a:t>:</a:t>
+            </a:r>
+            <a:r>
+              <a:rPr lang="zh-CN" altLang="en-US" sz="1000" dirty="0"/>
+              <a:t>执行目标方法之后</a:t>
+            </a:r>
+            <a:r>
+              <a:rPr lang="en-US" altLang="zh-CN" sz="1000" dirty="0"/>
+              <a:t>...");</a:t>
+            </a:r>
+          </a:p>
+          <a:p>
+            <a:r>
+              <a:rPr lang="en-US" altLang="zh-CN" sz="1000" dirty="0"/>
+              <a:t>        return obj;</a:t>
+            </a:r>
+          </a:p>
+          <a:p>
+            <a:r>
+              <a:rPr lang="en-US" altLang="zh-CN" sz="1000" dirty="0"/>
+              <a:t>    }</a:t>
+            </a:r>
+          </a:p>
+        </p:txBody>
+      </p:sp>
+      <p:sp>
+        <p:nvSpPr>
+          <p:cNvPr id="14" name="矩形 13">
+            <a:extLst>
+              <a:ext uri="{FF2B5EF4-FFF2-40B4-BE49-F238E27FC236}">
+                <a16:creationId xmlns:a16="http://schemas.microsoft.com/office/drawing/2014/main" id="{9758E2F2-BBD0-4E28-A1D5-3646B53E443E}"/>
+              </a:ext>
+            </a:extLst>
+          </p:cNvPr>
+          <p:cNvSpPr/>
+          <p:nvPr/>
+        </p:nvSpPr>
+        <p:spPr>
+          <a:xfrm>
+            <a:off x="8556000" y="3846830"/>
+            <a:ext cx="3636000" cy="1188000"/>
+          </a:xfrm>
+          <a:prstGeom prst="rect">
+            <a:avLst/>
+          </a:prstGeom>
+          <a:solidFill>
+            <a:schemeClr val="accent1">
+              <a:lumMod val="40000"/>
+              <a:lumOff val="60000"/>
+            </a:schemeClr>
+          </a:solidFill>
+          <a:ln>
+            <a:solidFill>
+              <a:schemeClr val="accent1">
+                <a:lumMod val="40000"/>
+                <a:lumOff val="60000"/>
+              </a:schemeClr>
+            </a:solidFill>
+          </a:ln>
+        </p:spPr>
+        <p:style>
+          <a:lnRef idx="1">
+            <a:schemeClr val="accent2"/>
+          </a:lnRef>
+          <a:fillRef idx="2">
+            <a:schemeClr val="accent2"/>
+          </a:fillRef>
+          <a:effectRef idx="1">
+            <a:schemeClr val="accent2"/>
+          </a:effectRef>
+          <a:fontRef idx="minor">
+            <a:schemeClr val="dk1"/>
+          </a:fontRef>
+        </p:style>
+        <p:txBody>
+          <a:bodyPr rtlCol="0" anchor="t" anchorCtr="0"/>
+          <a:lstStyle/>
+          <a:p>
+            <a:r>
+              <a:rPr lang="en-US" altLang="zh-CN" sz="1000" dirty="0"/>
+              <a:t>@Override</a:t>
+            </a:r>
+          </a:p>
+          <a:p>
+            <a:r>
+              <a:rPr lang="en-US" altLang="zh-CN" sz="1000" dirty="0"/>
+              <a:t>public Object invoke(</a:t>
+            </a:r>
+            <a:r>
+              <a:rPr lang="en-US" altLang="zh-CN" sz="1000" dirty="0" err="1"/>
+              <a:t>MethodInvocation</a:t>
+            </a:r>
+            <a:r>
+              <a:rPr lang="en-US" altLang="zh-CN" sz="1000" dirty="0"/>
+              <a:t> mi) throws Throwable {</a:t>
+            </a:r>
+          </a:p>
+          <a:p>
+            <a:r>
+              <a:rPr lang="en-US" altLang="zh-CN" sz="1000" dirty="0"/>
+              <a:t>    //</a:t>
+            </a:r>
+            <a:r>
+              <a:rPr lang="zh-CN" altLang="en-US" sz="1000" dirty="0"/>
+              <a:t>省略</a:t>
+            </a:r>
+            <a:r>
+              <a:rPr lang="en-US" altLang="zh-CN" sz="1000" dirty="0"/>
+              <a:t>n</a:t>
+            </a:r>
+            <a:r>
+              <a:rPr lang="zh-CN" altLang="en-US" sz="1000" dirty="0"/>
+              <a:t>行</a:t>
+            </a:r>
+            <a:endParaRPr lang="en-US" altLang="zh-CN" sz="1000" dirty="0"/>
+          </a:p>
+          <a:p>
+            <a:r>
+              <a:rPr lang="en-US" altLang="zh-CN" sz="1000" dirty="0"/>
+              <a:t>    </a:t>
+            </a:r>
+          </a:p>
+          <a:p>
+            <a:r>
+              <a:rPr lang="en-US" altLang="zh-CN" sz="1000" dirty="0"/>
+              <a:t>   //</a:t>
+            </a:r>
+            <a:r>
+              <a:rPr lang="zh-CN" altLang="en-US" sz="1000" dirty="0"/>
+              <a:t>调用</a:t>
+            </a:r>
+            <a:r>
+              <a:rPr lang="zh-CN" altLang="en-US" sz="1000" b="1" dirty="0">
+                <a:solidFill>
+                  <a:srgbClr val="FF0000"/>
+                </a:solidFill>
+              </a:rPr>
+              <a:t>环绕通知</a:t>
+            </a:r>
+            <a:r>
+              <a:rPr lang="zh-CN" altLang="en-US" sz="1000" dirty="0"/>
+              <a:t>方法</a:t>
+            </a:r>
+            <a:endParaRPr lang="en-US" altLang="zh-CN" sz="1000" dirty="0"/>
+          </a:p>
+          <a:p>
+            <a:r>
+              <a:rPr lang="en-US" altLang="zh-CN" sz="1000" dirty="0"/>
+              <a:t>return </a:t>
+            </a:r>
+            <a:r>
+              <a:rPr lang="en-US" altLang="zh-CN" sz="1000" dirty="0" err="1"/>
+              <a:t>invokeAdviceMethod</a:t>
+            </a:r>
+            <a:r>
+              <a:rPr lang="en-US" altLang="zh-CN" sz="1000" dirty="0"/>
+              <a:t>(</a:t>
+            </a:r>
+            <a:r>
+              <a:rPr lang="en-US" altLang="zh-CN" sz="1000" dirty="0" err="1"/>
+              <a:t>pjp</a:t>
+            </a:r>
+            <a:r>
+              <a:rPr lang="en-US" altLang="zh-CN" sz="1000" dirty="0"/>
+              <a:t>, </a:t>
+            </a:r>
+            <a:r>
+              <a:rPr lang="en-US" altLang="zh-CN" sz="1000" dirty="0" err="1"/>
+              <a:t>jpm</a:t>
+            </a:r>
+            <a:r>
+              <a:rPr lang="en-US" altLang="zh-CN" sz="1000" dirty="0"/>
+              <a:t>, null, null);</a:t>
+            </a:r>
+          </a:p>
+          <a:p>
+            <a:r>
+              <a:rPr lang="en-US" altLang="zh-CN" sz="1000" dirty="0"/>
+              <a:t>}</a:t>
+            </a:r>
+          </a:p>
+        </p:txBody>
+      </p:sp>
+      <p:sp>
+        <p:nvSpPr>
+          <p:cNvPr id="17" name="矩形 16">
+            <a:extLst>
+              <a:ext uri="{FF2B5EF4-FFF2-40B4-BE49-F238E27FC236}">
+                <a16:creationId xmlns:a16="http://schemas.microsoft.com/office/drawing/2014/main" id="{3CAE6949-E0F1-4E51-B4F9-2778982128AF}"/>
+              </a:ext>
+            </a:extLst>
+          </p:cNvPr>
+          <p:cNvSpPr/>
+          <p:nvPr/>
+        </p:nvSpPr>
+        <p:spPr>
+          <a:xfrm>
+            <a:off x="8556000" y="505460"/>
+            <a:ext cx="3636000" cy="1188000"/>
+          </a:xfrm>
+          <a:prstGeom prst="rect">
+            <a:avLst/>
+          </a:prstGeom>
+          <a:solidFill>
+            <a:schemeClr val="accent1">
+              <a:lumMod val="40000"/>
+              <a:lumOff val="60000"/>
+            </a:schemeClr>
+          </a:solidFill>
+          <a:ln>
+            <a:solidFill>
+              <a:schemeClr val="accent1">
+                <a:lumMod val="40000"/>
+                <a:lumOff val="60000"/>
+              </a:schemeClr>
+            </a:solidFill>
+          </a:ln>
+        </p:spPr>
+        <p:style>
+          <a:lnRef idx="1">
+            <a:schemeClr val="accent2"/>
+          </a:lnRef>
+          <a:fillRef idx="2">
+            <a:schemeClr val="accent2"/>
+          </a:fillRef>
+          <a:effectRef idx="1">
+            <a:schemeClr val="accent2"/>
+          </a:effectRef>
+          <a:fontRef idx="minor">
+            <a:schemeClr val="dk1"/>
+          </a:fontRef>
+        </p:style>
+        <p:txBody>
+          <a:bodyPr rtlCol="0" anchor="t" anchorCtr="0"/>
+          <a:lstStyle/>
+          <a:p>
+            <a:r>
+              <a:rPr lang="en-US" altLang="zh-CN" sz="1000" dirty="0"/>
+              <a:t>@Override</a:t>
+            </a:r>
+          </a:p>
+          <a:p>
+            <a:r>
+              <a:rPr lang="en-US" altLang="zh-CN" sz="1000" dirty="0"/>
+              <a:t>public Object invoke(</a:t>
+            </a:r>
+            <a:r>
+              <a:rPr lang="en-US" altLang="zh-CN" sz="1000" dirty="0" err="1"/>
+              <a:t>MethodInvocation</a:t>
+            </a:r>
+            <a:r>
+              <a:rPr lang="en-US" altLang="zh-CN" sz="1000" dirty="0"/>
+              <a:t> mi) throws Throwable {</a:t>
+            </a:r>
+          </a:p>
+          <a:p>
+            <a:endParaRPr lang="en-US" altLang="zh-CN" sz="1000" dirty="0"/>
+          </a:p>
+          <a:p>
+            <a:r>
+              <a:rPr lang="en-US" altLang="zh-CN" sz="1000" dirty="0"/>
+              <a:t>    </a:t>
+            </a:r>
+            <a:r>
+              <a:rPr lang="en-US" altLang="zh-CN" sz="1000" dirty="0" err="1"/>
+              <a:t>this.advice.before</a:t>
+            </a:r>
+            <a:r>
+              <a:rPr lang="en-US" altLang="zh-CN" sz="1000" dirty="0"/>
+              <a:t> </a:t>
+            </a:r>
+            <a:r>
+              <a:rPr lang="zh-CN" altLang="en-US" sz="1000" dirty="0"/>
+              <a:t>。。。</a:t>
+            </a:r>
+            <a:r>
+              <a:rPr lang="en-US" altLang="zh-CN" sz="1000" dirty="0"/>
+              <a:t>//</a:t>
+            </a:r>
+            <a:r>
+              <a:rPr lang="zh-CN" altLang="en-US" sz="1000" dirty="0"/>
+              <a:t>会先调用</a:t>
+            </a:r>
+            <a:r>
+              <a:rPr lang="zh-CN" altLang="en-US" sz="1000" b="1" dirty="0">
+                <a:solidFill>
+                  <a:srgbClr val="FF0000"/>
+                </a:solidFill>
+              </a:rPr>
+              <a:t>前置通知</a:t>
+            </a:r>
+            <a:r>
+              <a:rPr lang="zh-CN" altLang="en-US" sz="1000" dirty="0"/>
+              <a:t>方法</a:t>
+            </a:r>
+            <a:endParaRPr lang="en-US" altLang="zh-CN" sz="1000" dirty="0"/>
+          </a:p>
+          <a:p>
+            <a:r>
+              <a:rPr lang="en-US" altLang="zh-CN" sz="1000" b="1" dirty="0">
+                <a:solidFill>
+                  <a:srgbClr val="7030A0"/>
+                </a:solidFill>
+              </a:rPr>
+              <a:t>    //</a:t>
+            </a:r>
+            <a:r>
+              <a:rPr lang="zh-CN" altLang="en-US" sz="1000" b="1" dirty="0">
+                <a:solidFill>
+                  <a:srgbClr val="7030A0"/>
+                </a:solidFill>
+              </a:rPr>
+              <a:t>然后调用</a:t>
+            </a:r>
+            <a:r>
+              <a:rPr lang="en-US" altLang="zh-CN" sz="1000" b="1" i="1" dirty="0">
+                <a:solidFill>
+                  <a:srgbClr val="7030A0"/>
+                </a:solidFill>
+              </a:rPr>
+              <a:t>proceed()</a:t>
+            </a:r>
+            <a:r>
+              <a:rPr lang="zh-CN" altLang="en-US" sz="1000" b="1" i="1" dirty="0">
+                <a:solidFill>
+                  <a:srgbClr val="7030A0"/>
+                </a:solidFill>
+              </a:rPr>
+              <a:t>方法</a:t>
+            </a:r>
+            <a:endParaRPr lang="en-US" altLang="zh-CN" sz="1000" b="1" dirty="0">
+              <a:solidFill>
+                <a:srgbClr val="7030A0"/>
+              </a:solidFill>
+            </a:endParaRPr>
+          </a:p>
+          <a:p>
+            <a:r>
+              <a:rPr lang="en-US" altLang="zh-CN" sz="1000" dirty="0"/>
+              <a:t>    return </a:t>
+            </a:r>
+            <a:r>
+              <a:rPr lang="en-US" altLang="zh-CN" sz="1000" dirty="0" err="1"/>
+              <a:t>mi.proceed</a:t>
+            </a:r>
+            <a:r>
+              <a:rPr lang="en-US" altLang="zh-CN" sz="1000" dirty="0"/>
+              <a:t>();	</a:t>
+            </a:r>
+          </a:p>
+          <a:p>
+            <a:r>
+              <a:rPr lang="en-US" altLang="zh-CN" sz="1000" dirty="0"/>
+              <a:t>}</a:t>
+            </a:r>
+          </a:p>
+        </p:txBody>
+      </p:sp>
+      <p:sp>
+        <p:nvSpPr>
+          <p:cNvPr id="5" name="矩形 4">
+            <a:extLst>
+              <a:ext uri="{FF2B5EF4-FFF2-40B4-BE49-F238E27FC236}">
+                <a16:creationId xmlns:a16="http://schemas.microsoft.com/office/drawing/2014/main" id="{E2DDC26B-8C10-4879-A5CD-E516B461C911}"/>
+              </a:ext>
+            </a:extLst>
+          </p:cNvPr>
+          <p:cNvSpPr/>
+          <p:nvPr/>
+        </p:nvSpPr>
+        <p:spPr>
+          <a:xfrm>
+            <a:off x="0" y="152727"/>
+            <a:ext cx="3403752" cy="307777"/>
+          </a:xfrm>
+          <a:prstGeom prst="rect">
+            <a:avLst/>
+          </a:prstGeom>
+        </p:spPr>
+        <p:txBody>
+          <a:bodyPr wrap="none">
+            <a:spAutoFit/>
+          </a:bodyPr>
+          <a:lstStyle/>
+          <a:p>
+            <a:r>
+              <a:rPr lang="en-US" altLang="zh-CN" sz="1400" b="1" dirty="0" err="1">
+                <a:solidFill>
+                  <a:srgbClr val="7030A0"/>
+                </a:solidFill>
+              </a:rPr>
+              <a:t>ExposeInvocationInterceptor</a:t>
+            </a:r>
+            <a:r>
+              <a:rPr lang="zh-CN" altLang="en-US" sz="1400" b="1" dirty="0">
+                <a:solidFill>
+                  <a:srgbClr val="7030A0"/>
+                </a:solidFill>
+              </a:rPr>
+              <a:t>（默认有的）</a:t>
+            </a:r>
+          </a:p>
+        </p:txBody>
+      </p:sp>
+      <p:sp>
+        <p:nvSpPr>
+          <p:cNvPr id="8" name="文本框 7">
+            <a:extLst>
+              <a:ext uri="{FF2B5EF4-FFF2-40B4-BE49-F238E27FC236}">
+                <a16:creationId xmlns:a16="http://schemas.microsoft.com/office/drawing/2014/main" id="{90AA6CC0-3A1B-4BBF-8897-93E74BF8C62D}"/>
+              </a:ext>
+            </a:extLst>
+          </p:cNvPr>
+          <p:cNvSpPr txBox="1"/>
+          <p:nvPr/>
+        </p:nvSpPr>
+        <p:spPr>
+          <a:xfrm>
+            <a:off x="0" y="1845890"/>
+            <a:ext cx="2365712" cy="307777"/>
+          </a:xfrm>
+          <a:prstGeom prst="rect">
+            <a:avLst/>
+          </a:prstGeom>
+        </p:spPr>
+        <p:txBody>
+          <a:bodyPr wrap="none">
+            <a:spAutoFit/>
+          </a:bodyPr>
+          <a:lstStyle>
+            <a:defPPr>
+              <a:defRPr lang="zh-CN"/>
+            </a:defPPr>
+            <a:lvl1pPr>
+              <a:defRPr sz="1400" b="1"/>
+            </a:lvl1pPr>
+          </a:lstStyle>
+          <a:p>
+            <a:r>
+              <a:rPr lang="en-US" altLang="zh-CN" dirty="0" err="1">
+                <a:solidFill>
+                  <a:schemeClr val="accent2"/>
+                </a:solidFill>
+              </a:rPr>
+              <a:t>AspectJAfterThrowingAdvice</a:t>
+            </a:r>
+            <a:r>
+              <a:rPr lang="en-US" altLang="zh-CN" dirty="0"/>
+              <a:t> </a:t>
+            </a:r>
+            <a:endParaRPr lang="zh-CN" altLang="en-US" dirty="0"/>
+          </a:p>
+        </p:txBody>
+      </p:sp>
+      <p:sp>
+        <p:nvSpPr>
+          <p:cNvPr id="9" name="矩形 8">
+            <a:extLst>
+              <a:ext uri="{FF2B5EF4-FFF2-40B4-BE49-F238E27FC236}">
+                <a16:creationId xmlns:a16="http://schemas.microsoft.com/office/drawing/2014/main" id="{4E350DEF-3BAF-4DBC-9789-6C1100047C32}"/>
+              </a:ext>
+            </a:extLst>
+          </p:cNvPr>
+          <p:cNvSpPr/>
+          <p:nvPr/>
+        </p:nvSpPr>
+        <p:spPr>
+          <a:xfrm>
+            <a:off x="0" y="3499972"/>
+            <a:ext cx="2672078" cy="307777"/>
+          </a:xfrm>
+          <a:prstGeom prst="rect">
+            <a:avLst/>
+          </a:prstGeom>
+        </p:spPr>
+        <p:txBody>
+          <a:bodyPr wrap="none">
+            <a:spAutoFit/>
+          </a:bodyPr>
+          <a:lstStyle/>
+          <a:p>
+            <a:r>
+              <a:rPr lang="en-US" altLang="zh-CN" sz="1400" b="1" dirty="0" err="1">
+                <a:solidFill>
+                  <a:schemeClr val="accent2"/>
+                </a:solidFill>
+              </a:rPr>
+              <a:t>AfterReturningAdviceInterceptor</a:t>
+            </a:r>
+            <a:r>
+              <a:rPr lang="en-US" altLang="zh-CN" sz="1400" b="1" dirty="0">
+                <a:solidFill>
+                  <a:schemeClr val="accent2"/>
+                </a:solidFill>
+              </a:rPr>
+              <a:t> </a:t>
+            </a:r>
+            <a:endParaRPr lang="zh-CN" altLang="en-US" sz="1400" b="1" dirty="0">
+              <a:solidFill>
+                <a:schemeClr val="accent2"/>
+              </a:solidFill>
+            </a:endParaRPr>
+          </a:p>
+        </p:txBody>
+      </p:sp>
+      <p:sp>
+        <p:nvSpPr>
+          <p:cNvPr id="11" name="矩形 10">
+            <a:extLst>
+              <a:ext uri="{FF2B5EF4-FFF2-40B4-BE49-F238E27FC236}">
+                <a16:creationId xmlns:a16="http://schemas.microsoft.com/office/drawing/2014/main" id="{B8AA0AAE-F343-43A8-8B07-C26388056A13}"/>
+              </a:ext>
+            </a:extLst>
+          </p:cNvPr>
+          <p:cNvSpPr/>
+          <p:nvPr/>
+        </p:nvSpPr>
+        <p:spPr>
+          <a:xfrm>
+            <a:off x="2012594" y="6501328"/>
+            <a:ext cx="1664495" cy="307777"/>
+          </a:xfrm>
+          <a:prstGeom prst="rect">
+            <a:avLst/>
+          </a:prstGeom>
+        </p:spPr>
+        <p:txBody>
+          <a:bodyPr wrap="none">
+            <a:spAutoFit/>
+          </a:bodyPr>
+          <a:lstStyle/>
+          <a:p>
+            <a:r>
+              <a:rPr lang="en-US" altLang="zh-CN" sz="1400" b="1" dirty="0" err="1">
+                <a:solidFill>
+                  <a:schemeClr val="accent2"/>
+                </a:solidFill>
+              </a:rPr>
+              <a:t>AspectJAfterAdvice</a:t>
+            </a:r>
+            <a:r>
+              <a:rPr lang="en-US" altLang="zh-CN" sz="1400" b="1" dirty="0"/>
+              <a:t> </a:t>
+            </a:r>
+            <a:endParaRPr lang="zh-CN" altLang="en-US" sz="1400" b="1" dirty="0"/>
+          </a:p>
+        </p:txBody>
+      </p:sp>
+      <p:sp>
+        <p:nvSpPr>
+          <p:cNvPr id="18" name="矩形 17">
+            <a:extLst>
+              <a:ext uri="{FF2B5EF4-FFF2-40B4-BE49-F238E27FC236}">
+                <a16:creationId xmlns:a16="http://schemas.microsoft.com/office/drawing/2014/main" id="{7C7A036C-1874-4344-AF32-C3D4A246FD95}"/>
+              </a:ext>
+            </a:extLst>
+          </p:cNvPr>
+          <p:cNvSpPr/>
+          <p:nvPr/>
+        </p:nvSpPr>
+        <p:spPr>
+          <a:xfrm>
+            <a:off x="8533175" y="3539053"/>
+            <a:ext cx="1840825" cy="307777"/>
+          </a:xfrm>
+          <a:prstGeom prst="rect">
+            <a:avLst/>
+          </a:prstGeom>
+        </p:spPr>
+        <p:txBody>
+          <a:bodyPr wrap="none">
+            <a:spAutoFit/>
+          </a:bodyPr>
+          <a:lstStyle/>
+          <a:p>
+            <a:r>
+              <a:rPr lang="en-US" altLang="zh-CN" sz="1400" b="1" dirty="0" err="1">
+                <a:solidFill>
+                  <a:schemeClr val="accent2"/>
+                </a:solidFill>
+              </a:rPr>
+              <a:t>AspectJAroundAdvice</a:t>
+            </a:r>
+            <a:r>
+              <a:rPr lang="en-US" altLang="zh-CN" sz="1400" b="1" dirty="0"/>
+              <a:t> </a:t>
+            </a:r>
+            <a:endParaRPr lang="zh-CN" altLang="en-US" sz="1400" b="1" dirty="0"/>
+          </a:p>
+        </p:txBody>
+      </p:sp>
+      <p:sp>
+        <p:nvSpPr>
+          <p:cNvPr id="20" name="矩形 19">
+            <a:extLst>
+              <a:ext uri="{FF2B5EF4-FFF2-40B4-BE49-F238E27FC236}">
+                <a16:creationId xmlns:a16="http://schemas.microsoft.com/office/drawing/2014/main" id="{E1B65CC6-8C80-42FA-BBCB-DB2B24582FC3}"/>
+              </a:ext>
+            </a:extLst>
+          </p:cNvPr>
+          <p:cNvSpPr/>
+          <p:nvPr/>
+        </p:nvSpPr>
+        <p:spPr>
+          <a:xfrm>
+            <a:off x="8533175" y="1728309"/>
+            <a:ext cx="2159566" cy="307777"/>
+          </a:xfrm>
+          <a:prstGeom prst="rect">
+            <a:avLst/>
+          </a:prstGeom>
+        </p:spPr>
+        <p:txBody>
+          <a:bodyPr wrap="none">
+            <a:spAutoFit/>
+          </a:bodyPr>
+          <a:lstStyle/>
+          <a:p>
+            <a:r>
+              <a:rPr lang="zh-CN" altLang="en-US" sz="1400" b="1" dirty="0">
+                <a:solidFill>
+                  <a:schemeClr val="accent2"/>
+                </a:solidFill>
+              </a:rPr>
+              <a:t>我自己写的环绕通知方法</a:t>
+            </a:r>
+          </a:p>
+        </p:txBody>
+      </p:sp>
+      <p:sp>
+        <p:nvSpPr>
+          <p:cNvPr id="22" name="矩形 21">
+            <a:extLst>
+              <a:ext uri="{FF2B5EF4-FFF2-40B4-BE49-F238E27FC236}">
+                <a16:creationId xmlns:a16="http://schemas.microsoft.com/office/drawing/2014/main" id="{12AE1889-0D57-4485-8C9C-5C750401825A}"/>
+              </a:ext>
+            </a:extLst>
+          </p:cNvPr>
+          <p:cNvSpPr/>
+          <p:nvPr/>
+        </p:nvSpPr>
+        <p:spPr>
+          <a:xfrm>
+            <a:off x="8503032" y="152727"/>
+            <a:ext cx="2661241" cy="369332"/>
+          </a:xfrm>
+          <a:prstGeom prst="rect">
+            <a:avLst/>
+          </a:prstGeom>
+        </p:spPr>
+        <p:txBody>
+          <a:bodyPr wrap="none">
+            <a:spAutoFit/>
+          </a:bodyPr>
+          <a:lstStyle/>
+          <a:p>
+            <a:r>
+              <a:rPr lang="en-US" altLang="zh-CN" sz="1400" b="1" dirty="0" err="1">
+                <a:solidFill>
+                  <a:schemeClr val="accent2"/>
+                </a:solidFill>
+              </a:rPr>
+              <a:t>MethodBeforeAdviceInterceptor</a:t>
+            </a:r>
+            <a:r>
+              <a:rPr lang="en-US" altLang="zh-CN" dirty="0"/>
+              <a:t> </a:t>
+            </a:r>
+            <a:endParaRPr lang="zh-CN" altLang="en-US" dirty="0"/>
+          </a:p>
+        </p:txBody>
+      </p:sp>
+      <p:cxnSp>
+        <p:nvCxnSpPr>
+          <p:cNvPr id="27" name="直接箭头连接符 26">
+            <a:extLst>
+              <a:ext uri="{FF2B5EF4-FFF2-40B4-BE49-F238E27FC236}">
+                <a16:creationId xmlns:a16="http://schemas.microsoft.com/office/drawing/2014/main" id="{0F5867A9-9CF3-47FA-A62C-73160F0E8734}"/>
+              </a:ext>
+            </a:extLst>
+          </p:cNvPr>
+          <p:cNvCxnSpPr>
+            <a:cxnSpLocks/>
+          </p:cNvCxnSpPr>
+          <p:nvPr/>
+        </p:nvCxnSpPr>
+        <p:spPr>
+          <a:xfrm>
+            <a:off x="4375723" y="0"/>
+            <a:ext cx="0" cy="281832"/>
+          </a:xfrm>
+          <a:prstGeom prst="straightConnector1">
+            <a:avLst/>
+          </a:prstGeom>
+          <a:ln>
+            <a:tailEnd type="triangle"/>
+          </a:ln>
+        </p:spPr>
+        <p:style>
+          <a:lnRef idx="1">
+            <a:schemeClr val="accent1"/>
+          </a:lnRef>
+          <a:fillRef idx="0">
+            <a:schemeClr val="accent1"/>
+          </a:fillRef>
+          <a:effectRef idx="0">
+            <a:schemeClr val="accent1"/>
+          </a:effectRef>
+          <a:fontRef idx="minor">
+            <a:schemeClr val="tx1"/>
+          </a:fontRef>
+        </p:style>
+      </p:cxnSp>
+      <p:sp>
+        <p:nvSpPr>
+          <p:cNvPr id="28" name="文本框 27">
+            <a:extLst>
+              <a:ext uri="{FF2B5EF4-FFF2-40B4-BE49-F238E27FC236}">
+                <a16:creationId xmlns:a16="http://schemas.microsoft.com/office/drawing/2014/main" id="{D7D08E8F-E960-4379-BD96-568F2348CC68}"/>
+              </a:ext>
+            </a:extLst>
+          </p:cNvPr>
+          <p:cNvSpPr txBox="1"/>
+          <p:nvPr/>
+        </p:nvSpPr>
+        <p:spPr>
+          <a:xfrm>
+            <a:off x="4418878" y="-17755"/>
+            <a:ext cx="442750" cy="369332"/>
+          </a:xfrm>
+          <a:prstGeom prst="rect">
+            <a:avLst/>
+          </a:prstGeom>
+          <a:noFill/>
+        </p:spPr>
+        <p:txBody>
+          <a:bodyPr wrap="none" rtlCol="0">
+            <a:spAutoFit/>
+          </a:bodyPr>
+          <a:lstStyle/>
+          <a:p>
+            <a:r>
+              <a:rPr lang="en-US" altLang="zh-CN" dirty="0"/>
+              <a:t>(0)</a:t>
+            </a:r>
+            <a:endParaRPr lang="zh-CN" altLang="en-US" dirty="0"/>
+          </a:p>
+        </p:txBody>
+      </p:sp>
+      <p:cxnSp>
+        <p:nvCxnSpPr>
+          <p:cNvPr id="32" name="直接箭头连接符 31">
+            <a:extLst>
+              <a:ext uri="{FF2B5EF4-FFF2-40B4-BE49-F238E27FC236}">
+                <a16:creationId xmlns:a16="http://schemas.microsoft.com/office/drawing/2014/main" id="{39E201F2-BF97-43C1-B900-DDDFB5D93F15}"/>
+              </a:ext>
+            </a:extLst>
+          </p:cNvPr>
+          <p:cNvCxnSpPr/>
+          <p:nvPr/>
+        </p:nvCxnSpPr>
+        <p:spPr>
+          <a:xfrm>
+            <a:off x="2920753" y="914400"/>
+            <a:ext cx="932156" cy="0"/>
+          </a:xfrm>
+          <a:prstGeom prst="straightConnector1">
+            <a:avLst/>
+          </a:prstGeom>
+          <a:ln>
+            <a:tailEnd type="triangle"/>
+          </a:ln>
+        </p:spPr>
+        <p:style>
+          <a:lnRef idx="1">
+            <a:schemeClr val="accent1"/>
+          </a:lnRef>
+          <a:fillRef idx="0">
+            <a:schemeClr val="accent1"/>
+          </a:fillRef>
+          <a:effectRef idx="0">
+            <a:schemeClr val="accent1"/>
+          </a:effectRef>
+          <a:fontRef idx="minor">
+            <a:schemeClr val="tx1"/>
+          </a:fontRef>
+        </p:style>
+      </p:cxnSp>
+      <p:sp>
+        <p:nvSpPr>
+          <p:cNvPr id="33" name="文本框 32">
+            <a:extLst>
+              <a:ext uri="{FF2B5EF4-FFF2-40B4-BE49-F238E27FC236}">
+                <a16:creationId xmlns:a16="http://schemas.microsoft.com/office/drawing/2014/main" id="{2DA8C903-2E3C-4462-8000-CB5109750EF9}"/>
+              </a:ext>
+            </a:extLst>
+          </p:cNvPr>
+          <p:cNvSpPr txBox="1"/>
+          <p:nvPr/>
+        </p:nvSpPr>
+        <p:spPr>
+          <a:xfrm>
+            <a:off x="3369211" y="526139"/>
+            <a:ext cx="442750" cy="369332"/>
+          </a:xfrm>
+          <a:prstGeom prst="rect">
+            <a:avLst/>
+          </a:prstGeom>
+          <a:noFill/>
+        </p:spPr>
+        <p:txBody>
+          <a:bodyPr wrap="none" rtlCol="0">
+            <a:spAutoFit/>
+          </a:bodyPr>
+          <a:lstStyle/>
+          <a:p>
+            <a:r>
+              <a:rPr lang="en-US" altLang="zh-CN" dirty="0"/>
+              <a:t>(2)</a:t>
+            </a:r>
+            <a:endParaRPr lang="zh-CN" altLang="en-US" dirty="0"/>
+          </a:p>
+        </p:txBody>
+      </p:sp>
+      <p:sp>
+        <p:nvSpPr>
+          <p:cNvPr id="34" name="文本框 33">
+            <a:extLst>
+              <a:ext uri="{FF2B5EF4-FFF2-40B4-BE49-F238E27FC236}">
+                <a16:creationId xmlns:a16="http://schemas.microsoft.com/office/drawing/2014/main" id="{F7B4131A-C9A2-43B9-AFD0-B65018D8D29A}"/>
+              </a:ext>
+            </a:extLst>
+          </p:cNvPr>
+          <p:cNvSpPr txBox="1"/>
+          <p:nvPr/>
+        </p:nvSpPr>
+        <p:spPr>
+          <a:xfrm>
+            <a:off x="7492790" y="3059668"/>
+            <a:ext cx="442750" cy="369332"/>
+          </a:xfrm>
+          <a:prstGeom prst="rect">
+            <a:avLst/>
+          </a:prstGeom>
+          <a:noFill/>
+        </p:spPr>
+        <p:txBody>
+          <a:bodyPr wrap="none" rtlCol="0">
+            <a:spAutoFit/>
+          </a:bodyPr>
+          <a:lstStyle/>
+          <a:p>
+            <a:r>
+              <a:rPr lang="en-US" altLang="zh-CN" dirty="0"/>
+              <a:t>(1)</a:t>
+            </a:r>
+            <a:endParaRPr lang="zh-CN" altLang="en-US" dirty="0"/>
+          </a:p>
+        </p:txBody>
+      </p:sp>
+      <p:sp>
+        <p:nvSpPr>
+          <p:cNvPr id="35" name="文本框 34">
+            <a:extLst>
+              <a:ext uri="{FF2B5EF4-FFF2-40B4-BE49-F238E27FC236}">
+                <a16:creationId xmlns:a16="http://schemas.microsoft.com/office/drawing/2014/main" id="{54870BA8-90B9-4C94-A473-9794CC295058}"/>
+              </a:ext>
+            </a:extLst>
+          </p:cNvPr>
+          <p:cNvSpPr txBox="1"/>
+          <p:nvPr/>
+        </p:nvSpPr>
+        <p:spPr>
+          <a:xfrm>
+            <a:off x="7695264" y="3329542"/>
+            <a:ext cx="442750" cy="369332"/>
+          </a:xfrm>
+          <a:prstGeom prst="rect">
+            <a:avLst/>
+          </a:prstGeom>
+          <a:noFill/>
+        </p:spPr>
+        <p:txBody>
+          <a:bodyPr wrap="none" rtlCol="0">
+            <a:spAutoFit/>
+          </a:bodyPr>
+          <a:lstStyle/>
+          <a:p>
+            <a:r>
+              <a:rPr lang="en-US" altLang="zh-CN" dirty="0"/>
+              <a:t>(3)</a:t>
+            </a:r>
+            <a:endParaRPr lang="zh-CN" altLang="en-US" dirty="0"/>
+          </a:p>
+        </p:txBody>
+      </p:sp>
+      <p:cxnSp>
+        <p:nvCxnSpPr>
+          <p:cNvPr id="36" name="直接箭头连接符 35">
+            <a:extLst>
+              <a:ext uri="{FF2B5EF4-FFF2-40B4-BE49-F238E27FC236}">
+                <a16:creationId xmlns:a16="http://schemas.microsoft.com/office/drawing/2014/main" id="{5514384E-B7E7-48DD-B23B-313A3338F557}"/>
+              </a:ext>
+            </a:extLst>
+          </p:cNvPr>
+          <p:cNvCxnSpPr>
+            <a:cxnSpLocks/>
+          </p:cNvCxnSpPr>
+          <p:nvPr/>
+        </p:nvCxnSpPr>
+        <p:spPr>
+          <a:xfrm>
+            <a:off x="2987471" y="4252404"/>
+            <a:ext cx="776662" cy="0"/>
+          </a:xfrm>
+          <a:prstGeom prst="straightConnector1">
+            <a:avLst/>
+          </a:prstGeom>
+          <a:ln>
+            <a:tailEnd type="triangle"/>
+          </a:ln>
+        </p:spPr>
+        <p:style>
+          <a:lnRef idx="1">
+            <a:schemeClr val="accent1"/>
+          </a:lnRef>
+          <a:fillRef idx="0">
+            <a:schemeClr val="accent1"/>
+          </a:fillRef>
+          <a:effectRef idx="0">
+            <a:schemeClr val="accent1"/>
+          </a:effectRef>
+          <a:fontRef idx="minor">
+            <a:schemeClr val="tx1"/>
+          </a:fontRef>
+        </p:style>
+      </p:cxnSp>
+      <p:sp>
+        <p:nvSpPr>
+          <p:cNvPr id="37" name="文本框 36">
+            <a:extLst>
+              <a:ext uri="{FF2B5EF4-FFF2-40B4-BE49-F238E27FC236}">
+                <a16:creationId xmlns:a16="http://schemas.microsoft.com/office/drawing/2014/main" id="{04E8B3C4-4858-43FA-9DF8-A791E6DABA89}"/>
+              </a:ext>
+            </a:extLst>
+          </p:cNvPr>
+          <p:cNvSpPr txBox="1"/>
+          <p:nvPr/>
+        </p:nvSpPr>
+        <p:spPr>
+          <a:xfrm>
+            <a:off x="3344208" y="2082334"/>
+            <a:ext cx="442750" cy="369332"/>
+          </a:xfrm>
+          <a:prstGeom prst="rect">
+            <a:avLst/>
+          </a:prstGeom>
+          <a:noFill/>
+        </p:spPr>
+        <p:txBody>
+          <a:bodyPr wrap="square" rtlCol="0">
+            <a:spAutoFit/>
+          </a:bodyPr>
+          <a:lstStyle/>
+          <a:p>
+            <a:r>
+              <a:rPr lang="en-US" altLang="zh-CN" dirty="0"/>
+              <a:t>(4)</a:t>
+            </a:r>
+            <a:endParaRPr lang="zh-CN" altLang="en-US" dirty="0"/>
+          </a:p>
+        </p:txBody>
+      </p:sp>
+      <p:sp>
+        <p:nvSpPr>
+          <p:cNvPr id="38" name="文本框 37">
+            <a:extLst>
+              <a:ext uri="{FF2B5EF4-FFF2-40B4-BE49-F238E27FC236}">
+                <a16:creationId xmlns:a16="http://schemas.microsoft.com/office/drawing/2014/main" id="{5E68B8F3-71C4-4A34-A2B6-0FF5DD09F2E9}"/>
+              </a:ext>
+            </a:extLst>
+          </p:cNvPr>
+          <p:cNvSpPr txBox="1"/>
+          <p:nvPr/>
+        </p:nvSpPr>
+        <p:spPr>
+          <a:xfrm>
+            <a:off x="7812026" y="3609567"/>
+            <a:ext cx="442750" cy="369332"/>
+          </a:xfrm>
+          <a:prstGeom prst="rect">
+            <a:avLst/>
+          </a:prstGeom>
+          <a:noFill/>
+        </p:spPr>
+        <p:txBody>
+          <a:bodyPr wrap="none" rtlCol="0">
+            <a:spAutoFit/>
+          </a:bodyPr>
+          <a:lstStyle/>
+          <a:p>
+            <a:r>
+              <a:rPr lang="en-US" altLang="zh-CN" dirty="0"/>
+              <a:t>(5)</a:t>
+            </a:r>
+            <a:endParaRPr lang="zh-CN" altLang="en-US" dirty="0"/>
+          </a:p>
+        </p:txBody>
+      </p:sp>
+      <p:cxnSp>
+        <p:nvCxnSpPr>
+          <p:cNvPr id="43" name="直接箭头连接符 42">
+            <a:extLst>
+              <a:ext uri="{FF2B5EF4-FFF2-40B4-BE49-F238E27FC236}">
+                <a16:creationId xmlns:a16="http://schemas.microsoft.com/office/drawing/2014/main" id="{2E7E6C70-D9EE-4604-B2A1-126053207F9D}"/>
+              </a:ext>
+            </a:extLst>
+          </p:cNvPr>
+          <p:cNvCxnSpPr>
+            <a:cxnSpLocks/>
+          </p:cNvCxnSpPr>
+          <p:nvPr/>
+        </p:nvCxnSpPr>
+        <p:spPr>
+          <a:xfrm>
+            <a:off x="3037913" y="2540493"/>
+            <a:ext cx="776662" cy="0"/>
+          </a:xfrm>
+          <a:prstGeom prst="straightConnector1">
+            <a:avLst/>
+          </a:prstGeom>
+          <a:ln>
+            <a:tailEnd type="triangle"/>
+          </a:ln>
+        </p:spPr>
+        <p:style>
+          <a:lnRef idx="1">
+            <a:schemeClr val="accent1"/>
+          </a:lnRef>
+          <a:fillRef idx="0">
+            <a:schemeClr val="accent1"/>
+          </a:fillRef>
+          <a:effectRef idx="0">
+            <a:schemeClr val="accent1"/>
+          </a:effectRef>
+          <a:fontRef idx="minor">
+            <a:schemeClr val="tx1"/>
+          </a:fontRef>
+        </p:style>
+      </p:cxnSp>
+      <p:sp>
+        <p:nvSpPr>
+          <p:cNvPr id="44" name="文本框 43">
+            <a:extLst>
+              <a:ext uri="{FF2B5EF4-FFF2-40B4-BE49-F238E27FC236}">
+                <a16:creationId xmlns:a16="http://schemas.microsoft.com/office/drawing/2014/main" id="{9CE7926A-B3C9-46B6-8E2D-758826F932ED}"/>
+              </a:ext>
+            </a:extLst>
+          </p:cNvPr>
+          <p:cNvSpPr txBox="1"/>
+          <p:nvPr/>
+        </p:nvSpPr>
+        <p:spPr>
+          <a:xfrm>
+            <a:off x="3368162" y="3883072"/>
+            <a:ext cx="442750" cy="369332"/>
+          </a:xfrm>
+          <a:prstGeom prst="rect">
+            <a:avLst/>
+          </a:prstGeom>
+          <a:noFill/>
+        </p:spPr>
+        <p:txBody>
+          <a:bodyPr wrap="none" rtlCol="0">
+            <a:spAutoFit/>
+          </a:bodyPr>
+          <a:lstStyle/>
+          <a:p>
+            <a:r>
+              <a:rPr lang="en-US" altLang="zh-CN" dirty="0"/>
+              <a:t>(6)</a:t>
+            </a:r>
+            <a:endParaRPr lang="zh-CN" altLang="en-US" dirty="0"/>
+          </a:p>
+        </p:txBody>
+      </p:sp>
+      <p:sp>
+        <p:nvSpPr>
+          <p:cNvPr id="45" name="文本框 44">
+            <a:extLst>
+              <a:ext uri="{FF2B5EF4-FFF2-40B4-BE49-F238E27FC236}">
+                <a16:creationId xmlns:a16="http://schemas.microsoft.com/office/drawing/2014/main" id="{034D5448-D540-4F33-B613-3278D17A8B6A}"/>
+              </a:ext>
+            </a:extLst>
+          </p:cNvPr>
+          <p:cNvSpPr txBox="1"/>
+          <p:nvPr/>
+        </p:nvSpPr>
+        <p:spPr>
+          <a:xfrm>
+            <a:off x="6929902" y="3623083"/>
+            <a:ext cx="442750" cy="369332"/>
+          </a:xfrm>
+          <a:prstGeom prst="rect">
+            <a:avLst/>
+          </a:prstGeom>
+          <a:noFill/>
+        </p:spPr>
+        <p:txBody>
+          <a:bodyPr wrap="none" rtlCol="0">
+            <a:spAutoFit/>
+          </a:bodyPr>
+          <a:lstStyle/>
+          <a:p>
+            <a:r>
+              <a:rPr lang="en-US" altLang="zh-CN" dirty="0"/>
+              <a:t>(7)</a:t>
+            </a:r>
+            <a:endParaRPr lang="zh-CN" altLang="en-US" dirty="0"/>
+          </a:p>
+        </p:txBody>
+      </p:sp>
+      <p:sp>
+        <p:nvSpPr>
+          <p:cNvPr id="46" name="文本框 45">
+            <a:extLst>
+              <a:ext uri="{FF2B5EF4-FFF2-40B4-BE49-F238E27FC236}">
+                <a16:creationId xmlns:a16="http://schemas.microsoft.com/office/drawing/2014/main" id="{98106382-C8D9-47BC-8187-4AC6D7119096}"/>
+              </a:ext>
+            </a:extLst>
+          </p:cNvPr>
+          <p:cNvSpPr txBox="1"/>
+          <p:nvPr/>
+        </p:nvSpPr>
+        <p:spPr>
+          <a:xfrm>
+            <a:off x="7213241" y="3818896"/>
+            <a:ext cx="655614" cy="369332"/>
+          </a:xfrm>
+          <a:prstGeom prst="rect">
+            <a:avLst/>
+          </a:prstGeom>
+          <a:noFill/>
+        </p:spPr>
+        <p:txBody>
+          <a:bodyPr wrap="square" rtlCol="0">
+            <a:spAutoFit/>
+          </a:bodyPr>
+          <a:lstStyle/>
+          <a:p>
+            <a:r>
+              <a:rPr lang="en-US" altLang="zh-CN" dirty="0"/>
+              <a:t>(9)</a:t>
+            </a:r>
+            <a:endParaRPr lang="zh-CN" altLang="en-US" dirty="0"/>
+          </a:p>
+        </p:txBody>
+      </p:sp>
+      <p:cxnSp>
+        <p:nvCxnSpPr>
+          <p:cNvPr id="48" name="直接箭头连接符 47">
+            <a:extLst>
+              <a:ext uri="{FF2B5EF4-FFF2-40B4-BE49-F238E27FC236}">
+                <a16:creationId xmlns:a16="http://schemas.microsoft.com/office/drawing/2014/main" id="{A3ED3825-6DF6-4B03-9142-4F78AF4E9703}"/>
+              </a:ext>
+            </a:extLst>
+          </p:cNvPr>
+          <p:cNvCxnSpPr/>
+          <p:nvPr/>
+        </p:nvCxnSpPr>
+        <p:spPr>
+          <a:xfrm flipV="1">
+            <a:off x="5521911" y="5034830"/>
+            <a:ext cx="0" cy="780044"/>
+          </a:xfrm>
+          <a:prstGeom prst="straightConnector1">
+            <a:avLst/>
+          </a:prstGeom>
+          <a:ln>
+            <a:tailEnd type="triangle"/>
+          </a:ln>
+        </p:spPr>
+        <p:style>
+          <a:lnRef idx="1">
+            <a:schemeClr val="accent1"/>
+          </a:lnRef>
+          <a:fillRef idx="0">
+            <a:schemeClr val="accent1"/>
+          </a:fillRef>
+          <a:effectRef idx="0">
+            <a:schemeClr val="accent1"/>
+          </a:effectRef>
+          <a:fontRef idx="minor">
+            <a:schemeClr val="tx1"/>
+          </a:fontRef>
+        </p:style>
+      </p:cxnSp>
+      <p:sp>
+        <p:nvSpPr>
+          <p:cNvPr id="49" name="文本框 48">
+            <a:extLst>
+              <a:ext uri="{FF2B5EF4-FFF2-40B4-BE49-F238E27FC236}">
+                <a16:creationId xmlns:a16="http://schemas.microsoft.com/office/drawing/2014/main" id="{ACE362B2-1CF4-47ED-BF3C-443D4CF8535C}"/>
+              </a:ext>
+            </a:extLst>
+          </p:cNvPr>
+          <p:cNvSpPr txBox="1"/>
+          <p:nvPr/>
+        </p:nvSpPr>
+        <p:spPr>
+          <a:xfrm>
+            <a:off x="5564793" y="5012141"/>
+            <a:ext cx="442750" cy="369332"/>
+          </a:xfrm>
+          <a:prstGeom prst="rect">
+            <a:avLst/>
+          </a:prstGeom>
+          <a:noFill/>
+        </p:spPr>
+        <p:txBody>
+          <a:bodyPr wrap="none" rtlCol="0">
+            <a:spAutoFit/>
+          </a:bodyPr>
+          <a:lstStyle/>
+          <a:p>
+            <a:r>
+              <a:rPr lang="en-US" altLang="zh-CN" dirty="0"/>
+              <a:t>(8)</a:t>
+            </a:r>
+            <a:endParaRPr lang="zh-CN" altLang="en-US" dirty="0"/>
+          </a:p>
+        </p:txBody>
+      </p:sp>
+      <p:cxnSp>
+        <p:nvCxnSpPr>
+          <p:cNvPr id="51" name="直接箭头连接符 50">
+            <a:extLst>
+              <a:ext uri="{FF2B5EF4-FFF2-40B4-BE49-F238E27FC236}">
+                <a16:creationId xmlns:a16="http://schemas.microsoft.com/office/drawing/2014/main" id="{00DF1BBB-C4FF-48F4-BB9A-C958402C2C70}"/>
+              </a:ext>
+            </a:extLst>
+          </p:cNvPr>
+          <p:cNvCxnSpPr>
+            <a:cxnSpLocks/>
+          </p:cNvCxnSpPr>
+          <p:nvPr/>
+        </p:nvCxnSpPr>
+        <p:spPr>
+          <a:xfrm flipV="1">
+            <a:off x="10928412" y="3472562"/>
+            <a:ext cx="0" cy="410510"/>
+          </a:xfrm>
+          <a:prstGeom prst="straightConnector1">
+            <a:avLst/>
+          </a:prstGeom>
+          <a:ln>
+            <a:tailEnd type="triangle"/>
+          </a:ln>
+        </p:spPr>
+        <p:style>
+          <a:lnRef idx="1">
+            <a:schemeClr val="accent1"/>
+          </a:lnRef>
+          <a:fillRef idx="0">
+            <a:schemeClr val="accent1"/>
+          </a:fillRef>
+          <a:effectRef idx="0">
+            <a:schemeClr val="accent1"/>
+          </a:effectRef>
+          <a:fontRef idx="minor">
+            <a:schemeClr val="tx1"/>
+          </a:fontRef>
+        </p:style>
+      </p:cxnSp>
+      <p:sp>
+        <p:nvSpPr>
+          <p:cNvPr id="52" name="文本框 51">
+            <a:extLst>
+              <a:ext uri="{FF2B5EF4-FFF2-40B4-BE49-F238E27FC236}">
+                <a16:creationId xmlns:a16="http://schemas.microsoft.com/office/drawing/2014/main" id="{4075F52D-8454-45A7-9E9C-960AF2E93A8E}"/>
+              </a:ext>
+            </a:extLst>
+          </p:cNvPr>
+          <p:cNvSpPr txBox="1"/>
+          <p:nvPr/>
+        </p:nvSpPr>
+        <p:spPr>
+          <a:xfrm>
+            <a:off x="11232309" y="3508275"/>
+            <a:ext cx="559769" cy="369332"/>
+          </a:xfrm>
+          <a:prstGeom prst="rect">
+            <a:avLst/>
+          </a:prstGeom>
+          <a:noFill/>
+        </p:spPr>
+        <p:txBody>
+          <a:bodyPr wrap="none" rtlCol="0">
+            <a:spAutoFit/>
+          </a:bodyPr>
+          <a:lstStyle/>
+          <a:p>
+            <a:r>
+              <a:rPr lang="en-US" altLang="zh-CN" dirty="0"/>
+              <a:t>(10)</a:t>
+            </a:r>
+            <a:endParaRPr lang="zh-CN" altLang="en-US" dirty="0"/>
+          </a:p>
+        </p:txBody>
+      </p:sp>
+      <p:cxnSp>
+        <p:nvCxnSpPr>
+          <p:cNvPr id="54" name="直接箭头连接符 53">
+            <a:extLst>
+              <a:ext uri="{FF2B5EF4-FFF2-40B4-BE49-F238E27FC236}">
+                <a16:creationId xmlns:a16="http://schemas.microsoft.com/office/drawing/2014/main" id="{6B4594A2-EB4D-4378-8DA3-552D794D9405}"/>
+              </a:ext>
+            </a:extLst>
+          </p:cNvPr>
+          <p:cNvCxnSpPr>
+            <a:cxnSpLocks/>
+            <a:endCxn id="10" idx="3"/>
+          </p:cNvCxnSpPr>
+          <p:nvPr/>
+        </p:nvCxnSpPr>
+        <p:spPr>
+          <a:xfrm flipH="1" flipV="1">
+            <a:off x="8299652" y="2661909"/>
+            <a:ext cx="560263" cy="85757"/>
+          </a:xfrm>
+          <a:prstGeom prst="straightConnector1">
+            <a:avLst/>
+          </a:prstGeom>
+          <a:ln>
+            <a:tailEnd type="triangle"/>
+          </a:ln>
+        </p:spPr>
+        <p:style>
+          <a:lnRef idx="1">
+            <a:schemeClr val="accent1"/>
+          </a:lnRef>
+          <a:fillRef idx="0">
+            <a:schemeClr val="accent1"/>
+          </a:fillRef>
+          <a:effectRef idx="0">
+            <a:schemeClr val="accent1"/>
+          </a:effectRef>
+          <a:fontRef idx="minor">
+            <a:schemeClr val="tx1"/>
+          </a:fontRef>
+        </p:style>
+      </p:cxnSp>
+      <p:sp>
+        <p:nvSpPr>
+          <p:cNvPr id="55" name="文本框 54">
+            <a:extLst>
+              <a:ext uri="{FF2B5EF4-FFF2-40B4-BE49-F238E27FC236}">
+                <a16:creationId xmlns:a16="http://schemas.microsoft.com/office/drawing/2014/main" id="{E7804D7E-16C1-4FAC-A15C-F3E406079DD9}"/>
+              </a:ext>
+            </a:extLst>
+          </p:cNvPr>
+          <p:cNvSpPr txBox="1"/>
+          <p:nvPr/>
+        </p:nvSpPr>
+        <p:spPr>
+          <a:xfrm>
+            <a:off x="8125159" y="2175098"/>
+            <a:ext cx="559769" cy="369332"/>
+          </a:xfrm>
+          <a:prstGeom prst="rect">
+            <a:avLst/>
+          </a:prstGeom>
+          <a:noFill/>
+        </p:spPr>
+        <p:txBody>
+          <a:bodyPr wrap="none" rtlCol="0">
+            <a:spAutoFit/>
+          </a:bodyPr>
+          <a:lstStyle/>
+          <a:p>
+            <a:r>
+              <a:rPr lang="en-US" altLang="zh-CN" dirty="0"/>
+              <a:t>(11)</a:t>
+            </a:r>
+            <a:endParaRPr lang="zh-CN" altLang="en-US" dirty="0"/>
+          </a:p>
+        </p:txBody>
+      </p:sp>
+      <p:sp>
+        <p:nvSpPr>
+          <p:cNvPr id="56" name="文本框 55">
+            <a:extLst>
+              <a:ext uri="{FF2B5EF4-FFF2-40B4-BE49-F238E27FC236}">
+                <a16:creationId xmlns:a16="http://schemas.microsoft.com/office/drawing/2014/main" id="{D786A6F3-8D49-4688-AFD7-2CAA04FFF47E}"/>
+              </a:ext>
+            </a:extLst>
+          </p:cNvPr>
+          <p:cNvSpPr txBox="1"/>
+          <p:nvPr/>
+        </p:nvSpPr>
+        <p:spPr>
+          <a:xfrm>
+            <a:off x="7636754" y="4009322"/>
+            <a:ext cx="559769" cy="369332"/>
+          </a:xfrm>
+          <a:prstGeom prst="rect">
+            <a:avLst/>
+          </a:prstGeom>
+          <a:noFill/>
+        </p:spPr>
+        <p:txBody>
+          <a:bodyPr wrap="none" rtlCol="0">
+            <a:spAutoFit/>
+          </a:bodyPr>
+          <a:lstStyle/>
+          <a:p>
+            <a:r>
+              <a:rPr lang="en-US" altLang="zh-CN" dirty="0"/>
+              <a:t>(12)</a:t>
+            </a:r>
+            <a:endParaRPr lang="zh-CN" altLang="en-US" dirty="0"/>
+          </a:p>
+        </p:txBody>
+      </p:sp>
+      <p:cxnSp>
+        <p:nvCxnSpPr>
+          <p:cNvPr id="29" name="直接箭头连接符 28">
+            <a:extLst>
+              <a:ext uri="{FF2B5EF4-FFF2-40B4-BE49-F238E27FC236}">
+                <a16:creationId xmlns:a16="http://schemas.microsoft.com/office/drawing/2014/main" id="{70C36A19-8ED5-4066-B3AC-97476842CB0D}"/>
+              </a:ext>
+            </a:extLst>
+          </p:cNvPr>
+          <p:cNvCxnSpPr>
+            <a:cxnSpLocks/>
+          </p:cNvCxnSpPr>
+          <p:nvPr/>
+        </p:nvCxnSpPr>
+        <p:spPr>
+          <a:xfrm flipH="1" flipV="1">
+            <a:off x="6196614" y="678739"/>
+            <a:ext cx="2569949" cy="689014"/>
+          </a:xfrm>
+          <a:prstGeom prst="straightConnector1">
+            <a:avLst/>
+          </a:prstGeom>
+          <a:ln>
+            <a:tailEnd type="triangle"/>
+          </a:ln>
+        </p:spPr>
+        <p:style>
+          <a:lnRef idx="1">
+            <a:schemeClr val="accent1"/>
+          </a:lnRef>
+          <a:fillRef idx="0">
+            <a:schemeClr val="accent1"/>
+          </a:fillRef>
+          <a:effectRef idx="0">
+            <a:schemeClr val="accent1"/>
+          </a:effectRef>
+          <a:fontRef idx="minor">
+            <a:schemeClr val="tx1"/>
+          </a:fontRef>
+        </p:style>
+      </p:cxnSp>
+      <p:sp>
+        <p:nvSpPr>
+          <p:cNvPr id="31" name="文本框 30">
+            <a:extLst>
+              <a:ext uri="{FF2B5EF4-FFF2-40B4-BE49-F238E27FC236}">
+                <a16:creationId xmlns:a16="http://schemas.microsoft.com/office/drawing/2014/main" id="{950543A4-B137-4CC4-9C73-E5308BFF48D2}"/>
+              </a:ext>
+            </a:extLst>
+          </p:cNvPr>
+          <p:cNvSpPr txBox="1"/>
+          <p:nvPr/>
+        </p:nvSpPr>
+        <p:spPr>
+          <a:xfrm>
+            <a:off x="5668168" y="72376"/>
+            <a:ext cx="2991203" cy="1200329"/>
+          </a:xfrm>
+          <a:prstGeom prst="rect">
+            <a:avLst/>
+          </a:prstGeom>
+          <a:noFill/>
+        </p:spPr>
+        <p:txBody>
+          <a:bodyPr wrap="square" rtlCol="0">
+            <a:spAutoFit/>
+          </a:bodyPr>
+          <a:lstStyle/>
+          <a:p>
+            <a:r>
+              <a:rPr lang="zh-CN" altLang="en-US" sz="1200" b="1" dirty="0">
+                <a:solidFill>
+                  <a:srgbClr val="FF33CC"/>
+                </a:solidFill>
+              </a:rPr>
+              <a:t>此时</a:t>
+            </a:r>
+            <a:r>
+              <a:rPr lang="en-US" altLang="zh-CN" sz="1200" b="1" dirty="0">
+                <a:solidFill>
+                  <a:srgbClr val="FF33CC"/>
+                </a:solidFill>
+              </a:rPr>
+              <a:t>if</a:t>
+            </a:r>
+            <a:r>
+              <a:rPr lang="zh-CN" altLang="en-US" sz="1200" b="1" dirty="0">
+                <a:solidFill>
+                  <a:srgbClr val="FF33CC"/>
+                </a:solidFill>
+              </a:rPr>
+              <a:t>条件判断成立，会调取到真正的目标方法，取到返回值，接着会一步步返回    </a:t>
+            </a:r>
+            <a:endParaRPr lang="en-US" altLang="zh-CN" sz="1200" b="1" dirty="0">
+              <a:solidFill>
+                <a:srgbClr val="FF33CC"/>
+              </a:solidFill>
+            </a:endParaRPr>
+          </a:p>
+          <a:p>
+            <a:r>
+              <a:rPr lang="en-US" altLang="zh-CN" sz="1200" b="1" dirty="0">
+                <a:solidFill>
+                  <a:srgbClr val="FF33CC"/>
+                </a:solidFill>
+              </a:rPr>
+              <a:t>                              </a:t>
+            </a:r>
+            <a:r>
+              <a:rPr lang="zh-CN" altLang="en-US" sz="1200" b="1" dirty="0">
+                <a:solidFill>
+                  <a:srgbClr val="FF33CC"/>
+                </a:solidFill>
+              </a:rPr>
+              <a:t>各个通知拦截器调取相应   </a:t>
+            </a:r>
+            <a:endParaRPr lang="en-US" altLang="zh-CN" sz="1200" b="1" dirty="0">
+              <a:solidFill>
+                <a:srgbClr val="FF33CC"/>
+              </a:solidFill>
+            </a:endParaRPr>
+          </a:p>
+          <a:p>
+            <a:r>
+              <a:rPr lang="en-US" altLang="zh-CN" sz="1200" b="1" dirty="0">
+                <a:solidFill>
+                  <a:srgbClr val="FF33CC"/>
+                </a:solidFill>
+              </a:rPr>
+              <a:t>                          </a:t>
+            </a:r>
+            <a:r>
+              <a:rPr lang="zh-CN" altLang="en-US" sz="1200" b="1" dirty="0">
+                <a:solidFill>
+                  <a:srgbClr val="FF33CC"/>
+                </a:solidFill>
+              </a:rPr>
+              <a:t>的通知方法，并最终从（</a:t>
+            </a:r>
+            <a:r>
+              <a:rPr lang="en-US" altLang="zh-CN" sz="1200" b="1" dirty="0">
+                <a:solidFill>
+                  <a:srgbClr val="FF33CC"/>
+                </a:solidFill>
+              </a:rPr>
+              <a:t>0</a:t>
+            </a:r>
+            <a:r>
+              <a:rPr lang="zh-CN" altLang="en-US" sz="1200" b="1" dirty="0">
+                <a:solidFill>
+                  <a:srgbClr val="FF33CC"/>
+                </a:solidFill>
+              </a:rPr>
+              <a:t>）                         </a:t>
+            </a:r>
+            <a:endParaRPr lang="en-US" altLang="zh-CN" sz="1200" b="1" dirty="0">
+              <a:solidFill>
+                <a:srgbClr val="FF33CC"/>
+              </a:solidFill>
+            </a:endParaRPr>
+          </a:p>
+          <a:p>
+            <a:r>
+              <a:rPr lang="en-US" altLang="zh-CN" sz="1200" b="1" dirty="0">
+                <a:solidFill>
+                  <a:srgbClr val="FF33CC"/>
+                </a:solidFill>
+              </a:rPr>
+              <a:t>                                                                      </a:t>
+            </a:r>
+            <a:r>
+              <a:rPr lang="zh-CN" altLang="en-US" sz="1200" b="1" dirty="0">
+                <a:solidFill>
+                  <a:srgbClr val="FF33CC"/>
+                </a:solidFill>
+              </a:rPr>
+              <a:t>返回</a:t>
+            </a:r>
+            <a:endParaRPr lang="en-US" altLang="zh-CN" sz="1200" b="1" dirty="0">
+              <a:solidFill>
+                <a:srgbClr val="FF33CC"/>
+              </a:solidFill>
+            </a:endParaRPr>
+          </a:p>
+          <a:p>
+            <a:r>
+              <a:rPr lang="en-US" altLang="zh-CN" sz="1200" b="1" dirty="0">
+                <a:solidFill>
+                  <a:srgbClr val="FF33CC"/>
+                </a:solidFill>
+              </a:rPr>
+              <a:t> </a:t>
+            </a:r>
+            <a:endParaRPr lang="en-US" altLang="zh-CN" sz="1200" b="1" dirty="0">
+              <a:solidFill>
+                <a:srgbClr val="7030A0"/>
+              </a:solidFill>
+            </a:endParaRPr>
+          </a:p>
+        </p:txBody>
+      </p:sp>
+      <p:sp>
+        <p:nvSpPr>
+          <p:cNvPr id="53" name="文本框 52">
+            <a:extLst>
+              <a:ext uri="{FF2B5EF4-FFF2-40B4-BE49-F238E27FC236}">
+                <a16:creationId xmlns:a16="http://schemas.microsoft.com/office/drawing/2014/main" id="{DF57E197-19E3-48E8-8496-73BEF062C3AA}"/>
+              </a:ext>
+            </a:extLst>
+          </p:cNvPr>
+          <p:cNvSpPr txBox="1"/>
+          <p:nvPr/>
+        </p:nvSpPr>
+        <p:spPr>
+          <a:xfrm>
+            <a:off x="7213241" y="838580"/>
+            <a:ext cx="1025302" cy="369332"/>
+          </a:xfrm>
+          <a:prstGeom prst="rect">
+            <a:avLst/>
+          </a:prstGeom>
+          <a:noFill/>
+        </p:spPr>
+        <p:txBody>
+          <a:bodyPr wrap="square" rtlCol="0">
+            <a:spAutoFit/>
+          </a:bodyPr>
+          <a:lstStyle/>
+          <a:p>
+            <a:r>
+              <a:rPr lang="en-US" altLang="zh-CN" dirty="0"/>
+              <a:t>(13)</a:t>
+            </a:r>
+            <a:endParaRPr lang="zh-CN" altLang="en-US" dirty="0"/>
+          </a:p>
+        </p:txBody>
+      </p:sp>
+    </p:spTree>
+    <p:custDataLst>
+      <p:tags r:id="rId1"/>
+    </p:custDataLst>
+  </p:cSld>
+  <p:clrMapOvr>
+    <a:masterClrMapping/>
+  </p:clrMapOvr>
+</p:sld>
+</file>
+
+<file path=ppt/tags/tag1.xml><?xml version="1.0" encoding="utf-8"?>
+<p:tagLst xmlns:a="http://schemas.openxmlformats.org/drawingml/2006/main" xmlns:r="http://schemas.openxmlformats.org/officeDocument/2006/relationships" xmlns:p="http://schemas.openxmlformats.org/presentationml/2006/main">
+  <p:tag name="KSO_WM_TEMPLATE_THUMBS_INDEX" val="1"/>
+  <p:tag name="KSO_WM_SLIDE_ID" val="custom20187308_1"/>
+  <p:tag name="KSO_WM_TEMPLATE_SUBCATEGORY" val="0"/>
+  <p:tag name="KSO_WM_SLIDE_TYPE" val="title"/>
+  <p:tag name="KSO_WM_SLIDE_SUBTYPE" val="defaultBlank"/>
+  <p:tag name="KSO_WM_SLIDE_ITEM_CNT" val="0"/>
+  <p:tag name="KSO_WM_SLIDE_INDEX" val="1"/>
+  <p:tag name="KSO_WM_TAG_VERSION" val="1.0"/>
+  <p:tag name="KSO_WM_BEAUTIFY_FLAG" val="#wm#"/>
+  <p:tag name="KSO_WM_TEMPLATE_CATEGORY" val="custom"/>
+  <p:tag name="KSO_WM_TEMPLATE_INDEX" val="20187308"/>
+  <p:tag name="KSO_WM_SLIDE_LAYOUT" val="a_b"/>
+  <p:tag name="KSO_WM_SLIDE_LAYOUT_CNT" val="1_1"/>
+</p:tagLst>
 </file>
 
 <file path=ppt/theme/theme1.xml><?xml version="1.0" encoding="utf-8"?>
@@ -5783,4 +9708,299 @@
     </a:ext>
   </a:extLst>
 </a:theme>
+</file>
+
+<file path=ppt/theme/theme2.xml><?xml version="1.0" encoding="utf-8"?>
+<a:theme xmlns:a="http://schemas.openxmlformats.org/drawingml/2006/main" name="Office 主题​​">
+  <a:themeElements>
+    <a:clrScheme name="Office">
+      <a:dk1>
+        <a:sysClr val="windowText" lastClr="000000"/>
+      </a:dk1>
+      <a:lt1>
+        <a:sysClr val="window" lastClr="FFFFFF"/>
+      </a:lt1>
+      <a:dk2>
+        <a:srgbClr val="44546A"/>
+      </a:dk2>
+      <a:lt2>
+        <a:srgbClr val="E7E6E6"/>
+      </a:lt2>
+      <a:accent1>
+        <a:srgbClr val="4472C4"/>
+      </a:accent1>
+      <a:accent2>
+        <a:srgbClr val="ED7D31"/>
+      </a:accent2>
+      <a:accent3>
+        <a:srgbClr val="A5A5A5"/>
+      </a:accent3>
+      <a:accent4>
+        <a:srgbClr val="FFC000"/>
+      </a:accent4>
+      <a:accent5>
+        <a:srgbClr val="5B9BD5"/>
+      </a:accent5>
+      <a:accent6>
+        <a:srgbClr val="70AD47"/>
+      </a:accent6>
+      <a:hlink>
+        <a:srgbClr val="0563C1"/>
+      </a:hlink>
+      <a:folHlink>
+        <a:srgbClr val="954F72"/>
+      </a:folHlink>
+    </a:clrScheme>
+    <a:fontScheme name="Office">
+      <a:majorFont>
+        <a:latin typeface="等线 Light" panose="020F0302020204030204"/>
+        <a:ea typeface=""/>
+        <a:cs typeface=""/>
+        <a:font script="Jpan" typeface="游ゴシック Light"/>
+        <a:font script="Hang" typeface="맑은 고딕"/>
+        <a:font script="Hans" typeface="等线 Light"/>
+        <a:font script="Hant" typeface="新細明體"/>
+        <a:font script="Arab" typeface="Times New Roman"/>
+        <a:font script="Hebr" typeface="Times New Roman"/>
+        <a:font script="Thai" typeface="Angsana New"/>
+        <a:font script="Ethi" typeface="Nyala"/>
+        <a:font script="Beng" typeface="Vrinda"/>
+        <a:font script="Gujr" typeface="Shruti"/>
+        <a:font script="Khmr" typeface="MoolBoran"/>
+        <a:font script="Knda" typeface="Tunga"/>
+        <a:font script="Guru" typeface="Raavi"/>
+        <a:font script="Cans" typeface="Euphemia"/>
+        <a:font script="Cher" typeface="Plantagenet Cherokee"/>
+        <a:font script="Yiii" typeface="Microsoft Yi Baiti"/>
+        <a:font script="Tibt" typeface="Microsoft Himalaya"/>
+        <a:font script="Thaa" typeface="MV Boli"/>
+        <a:font script="Deva" typeface="Mangal"/>
+        <a:font script="Telu" typeface="Gautami"/>
+        <a:font script="Taml" typeface="Latha"/>
+        <a:font script="Syrc" typeface="Estrangelo Edessa"/>
+        <a:font script="Orya" typeface="Kalinga"/>
+        <a:font script="Mlym" typeface="Kartika"/>
+        <a:font script="Laoo" typeface="DokChampa"/>
+        <a:font script="Sinh" typeface="Iskoola Pota"/>
+        <a:font script="Mong" typeface="Mongolian Baiti"/>
+        <a:font script="Viet" typeface="Times New Roman"/>
+        <a:font script="Uigh" typeface="Microsoft Uighur"/>
+        <a:font script="Geor" typeface="Sylfaen"/>
+        <a:font script="Armn" typeface="Arial"/>
+        <a:font script="Bugi" typeface="Leelawadee UI"/>
+        <a:font script="Bopo" typeface="Microsoft JhengHei"/>
+        <a:font script="Java" typeface="Javanese Text"/>
+        <a:font script="Lisu" typeface="Segoe UI"/>
+        <a:font script="Mymr" typeface="Myanmar Text"/>
+        <a:font script="Nkoo" typeface="Ebrima"/>
+        <a:font script="Olck" typeface="Nirmala UI"/>
+        <a:font script="Osma" typeface="Ebrima"/>
+        <a:font script="Phag" typeface="Phagspa"/>
+        <a:font script="Syrn" typeface="Estrangelo Edessa"/>
+        <a:font script="Syrj" typeface="Estrangelo Edessa"/>
+        <a:font script="Syre" typeface="Estrangelo Edessa"/>
+        <a:font script="Sora" typeface="Nirmala UI"/>
+        <a:font script="Tale" typeface="Microsoft Tai Le"/>
+        <a:font script="Talu" typeface="Microsoft New Tai Lue"/>
+        <a:font script="Tfng" typeface="Ebrima"/>
+      </a:majorFont>
+      <a:minorFont>
+        <a:latin typeface="等线" panose="020F0502020204030204"/>
+        <a:ea typeface=""/>
+        <a:cs typeface=""/>
+        <a:font script="Jpan" typeface="游ゴシック"/>
+        <a:font script="Hang" typeface="맑은 고딕"/>
+        <a:font script="Hans" typeface="等线"/>
+        <a:font script="Hant" typeface="新細明體"/>
+        <a:font script="Arab" typeface="Arial"/>
+        <a:font script="Hebr" typeface="Arial"/>
+        <a:font script="Thai" typeface="Cordia New"/>
+        <a:font script="Ethi" typeface="Nyala"/>
+        <a:font script="Beng" typeface="Vrinda"/>
+        <a:font script="Gujr" typeface="Shruti"/>
+        <a:font script="Khmr" typeface="DaunPenh"/>
+        <a:font script="Knda" typeface="Tunga"/>
+        <a:font script="Guru" typeface="Raavi"/>
+        <a:font script="Cans" typeface="Euphemia"/>
+        <a:font script="Cher" typeface="Plantagenet Cherokee"/>
+        <a:font script="Yiii" typeface="Microsoft Yi Baiti"/>
+        <a:font script="Tibt" typeface="Microsoft Himalaya"/>
+        <a:font script="Thaa" typeface="MV Boli"/>
+        <a:font script="Deva" typeface="Mangal"/>
+        <a:font script="Telu" typeface="Gautami"/>
+        <a:font script="Taml" typeface="Latha"/>
+        <a:font script="Syrc" typeface="Estrangelo Edessa"/>
+        <a:font script="Orya" typeface="Kalinga"/>
+        <a:font script="Mlym" typeface="Kartika"/>
+        <a:font script="Laoo" typeface="DokChampa"/>
+        <a:font script="Sinh" typeface="Iskoola Pota"/>
+        <a:font script="Mong" typeface="Mongolian Baiti"/>
+        <a:font script="Viet" typeface="Arial"/>
+        <a:font script="Uigh" typeface="Microsoft Uighur"/>
+        <a:font script="Geor" typeface="Sylfaen"/>
+        <a:font script="Armn" typeface="Arial"/>
+        <a:font script="Bugi" typeface="Leelawadee UI"/>
+        <a:font script="Bopo" typeface="Microsoft JhengHei"/>
+        <a:font script="Java" typeface="Javanese Text"/>
+        <a:font script="Lisu" typeface="Segoe UI"/>
+        <a:font script="Mymr" typeface="Myanmar Text"/>
+        <a:font script="Nkoo" typeface="Ebrima"/>
+        <a:font script="Olck" typeface="Nirmala UI"/>
+        <a:font script="Osma" typeface="Ebrima"/>
+        <a:font script="Phag" typeface="Phagspa"/>
+        <a:font script="Syrn" typeface="Estrangelo Edessa"/>
+        <a:font script="Syrj" typeface="Estrangelo Edessa"/>
+        <a:font script="Syre" typeface="Estrangelo Edessa"/>
+        <a:font script="Sora" typeface="Nirmala UI"/>
+        <a:font script="Tale" typeface="Microsoft Tai Le"/>
+        <a:font script="Talu" typeface="Microsoft New Tai Lue"/>
+        <a:font script="Tfng" typeface="Ebrima"/>
+      </a:minorFont>
+    </a:fontScheme>
+    <a:fmtScheme name="Office">
+      <a:fillStyleLst>
+        <a:solidFill>
+          <a:schemeClr val="phClr"/>
+        </a:solidFill>
+        <a:gradFill rotWithShape="1">
+          <a:gsLst>
+            <a:gs pos="0">
+              <a:schemeClr val="phClr">
+                <a:lumMod val="110000"/>
+                <a:satMod val="105000"/>
+                <a:tint val="67000"/>
+              </a:schemeClr>
+            </a:gs>
+            <a:gs pos="50000">
+              <a:schemeClr val="phClr">
+                <a:lumMod val="105000"/>
+                <a:satMod val="103000"/>
+                <a:tint val="73000"/>
+              </a:schemeClr>
+            </a:gs>
+            <a:gs pos="100000">
+              <a:schemeClr val="phClr">
+                <a:lumMod val="105000"/>
+                <a:satMod val="109000"/>
+                <a:tint val="81000"/>
+              </a:schemeClr>
+            </a:gs>
+          </a:gsLst>
+          <a:lin ang="5400000" scaled="0"/>
+        </a:gradFill>
+        <a:gradFill rotWithShape="1">
+          <a:gsLst>
+            <a:gs pos="0">
+              <a:schemeClr val="phClr">
+                <a:satMod val="103000"/>
+                <a:lumMod val="102000"/>
+                <a:tint val="94000"/>
+              </a:schemeClr>
+            </a:gs>
+            <a:gs pos="50000">
+              <a:schemeClr val="phClr">
+                <a:satMod val="110000"/>
+                <a:lumMod val="100000"/>
+                <a:shade val="100000"/>
+              </a:schemeClr>
+            </a:gs>
+            <a:gs pos="100000">
+              <a:schemeClr val="phClr">
+                <a:lumMod val="99000"/>
+                <a:satMod val="120000"/>
+                <a:shade val="78000"/>
+              </a:schemeClr>
+            </a:gs>
+          </a:gsLst>
+          <a:lin ang="5400000" scaled="0"/>
+        </a:gradFill>
+      </a:fillStyleLst>
+      <a:lnStyleLst>
+        <a:ln w="6350" cap="flat" cmpd="sng" algn="ctr">
+          <a:solidFill>
+            <a:schemeClr val="phClr"/>
+          </a:solidFill>
+          <a:prstDash val="solid"/>
+          <a:miter lim="800000"/>
+        </a:ln>
+        <a:ln w="12700" cap="flat" cmpd="sng" algn="ctr">
+          <a:solidFill>
+            <a:schemeClr val="phClr"/>
+          </a:solidFill>
+          <a:prstDash val="solid"/>
+          <a:miter lim="800000"/>
+        </a:ln>
+        <a:ln w="19050" cap="flat" cmpd="sng" algn="ctr">
+          <a:solidFill>
+            <a:schemeClr val="phClr"/>
+          </a:solidFill>
+          <a:prstDash val="solid"/>
+          <a:miter lim="800000"/>
+        </a:ln>
+      </a:lnStyleLst>
+      <a:effectStyleLst>
+        <a:effectStyle>
+          <a:effectLst/>
+        </a:effectStyle>
+        <a:effectStyle>
+          <a:effectLst/>
+        </a:effectStyle>
+        <a:effectStyle>
+          <a:effectLst>
+            <a:outerShdw blurRad="57150" dist="19050" dir="5400000" algn="ctr" rotWithShape="0">
+              <a:srgbClr val="000000">
+                <a:alpha val="63000"/>
+              </a:srgbClr>
+            </a:outerShdw>
+          </a:effectLst>
+        </a:effectStyle>
+      </a:effectStyleLst>
+      <a:bgFillStyleLst>
+        <a:solidFill>
+          <a:schemeClr val="phClr"/>
+        </a:solidFill>
+        <a:solidFill>
+          <a:schemeClr val="phClr">
+            <a:tint val="95000"/>
+            <a:satMod val="170000"/>
+          </a:schemeClr>
+        </a:solidFill>
+        <a:gradFill rotWithShape="1">
+          <a:gsLst>
+            <a:gs pos="0">
+              <a:schemeClr val="phClr">
+                <a:tint val="93000"/>
+                <a:satMod val="150000"/>
+                <a:shade val="98000"/>
+                <a:lumMod val="102000"/>
+              </a:schemeClr>
+            </a:gs>
+            <a:gs pos="50000">
+              <a:schemeClr val="phClr">
+                <a:tint val="98000"/>
+                <a:satMod val="130000"/>
+                <a:shade val="90000"/>
+                <a:lumMod val="103000"/>
+              </a:schemeClr>
+            </a:gs>
+            <a:gs pos="100000">
+              <a:schemeClr val="phClr">
+                <a:shade val="63000"/>
+                <a:satMod val="120000"/>
+              </a:schemeClr>
+            </a:gs>
+          </a:gsLst>
+          <a:lin ang="5400000" scaled="0"/>
+        </a:gradFill>
+      </a:bgFillStyleLst>
+    </a:fmtScheme>
+  </a:themeElements>
+  <a:objectDefaults/>
+  <a:extraClrSchemeLst/>
+  <a:extLst>
+    <a:ext uri="{05A4C25C-085E-4340-85A3-A5531E510DB2}">
+      <thm15:themeFamily xmlns:thm15="http://schemas.microsoft.com/office/thememl/2012/main" name="Office Theme" id="{62F939B6-93AF-4DB8-9C6B-D6C7DFDC589F}" vid="{4A3C46E8-61CC-4603-A589-7422A47A8E4A}"/>
+    </a:ext>
+  </a:extLst>
+</a:theme>
 </file>